--- a/TinyUrl_discussion_Level01.pptx
+++ b/TinyUrl_discussion_Level01.pptx
@@ -3427,7 +3427,7 @@
         <p:spPr>
           <a:xfrm>
             <a:off x="213645" y="803305"/>
-            <a:ext cx="5007835" cy="4970591"/>
+            <a:ext cx="5358213" cy="4016484"/>
           </a:xfrm>
           <a:prstGeom prst="rect">
             <a:avLst/>
@@ -3461,6 +3461,15 @@
             </a:r>
           </a:p>
           <a:p>
+            <a:r>
+              <a:rPr lang="en-IN" sz="1000" dirty="0">
+                <a:latin typeface="Century Gothic" panose="020B0502020202020204" pitchFamily="34" charset="0"/>
+                <a:cs typeface="Biome" panose="020B0502040204020203" pitchFamily="34" charset="0"/>
+              </a:rPr>
+              <a:t>First step is to understand the requirement and goal of the system.</a:t>
+            </a:r>
+          </a:p>
+          <a:p>
             <a:endParaRPr lang="en-IN" sz="1000" dirty="0">
               <a:latin typeface="Century Gothic" panose="020B0502020202020204" pitchFamily="34" charset="0"/>
               <a:cs typeface="Biome" panose="020B0502040204020203" pitchFamily="34" charset="0"/>
@@ -3472,7 +3481,7 @@
                 <a:latin typeface="Century Gothic" panose="020B0502020202020204" pitchFamily="34" charset="0"/>
                 <a:cs typeface="Biome" panose="020B0502040204020203" pitchFamily="34" charset="0"/>
               </a:rPr>
-              <a:t>First step is to understand the requirement and goal of the system.</a:t>
+              <a:t>You should always clarify the requirement in very beginning of your discussion. It helps to start building the ladder between you and your audience.</a:t>
             </a:r>
           </a:p>
           <a:p>
@@ -3487,29 +3496,8 @@
                 <a:latin typeface="Century Gothic" panose="020B0502020202020204" pitchFamily="34" charset="0"/>
                 <a:cs typeface="Biome" panose="020B0502040204020203" pitchFamily="34" charset="0"/>
               </a:rPr>
-              <a:t>You should always clarify the requirement in very beginning of your discussion. It helps to start building the ladder between you and your audience.</a:t>
-            </a:r>
-          </a:p>
-          <a:p>
-            <a:endParaRPr lang="en-IN" sz="1000" dirty="0">
-              <a:latin typeface="Century Gothic" panose="020B0502020202020204" pitchFamily="34" charset="0"/>
-              <a:cs typeface="Biome" panose="020B0502040204020203" pitchFamily="34" charset="0"/>
-            </a:endParaRPr>
-          </a:p>
-          <a:p>
-            <a:r>
-              <a:rPr lang="en-IN" sz="1000" dirty="0">
-                <a:latin typeface="Century Gothic" panose="020B0502020202020204" pitchFamily="34" charset="0"/>
-                <a:cs typeface="Biome" panose="020B0502040204020203" pitchFamily="34" charset="0"/>
-              </a:rPr>
               <a:t>So, after discussion you will finalize the requirement and goal of the system. Let’s put it down in 03 different category ( FR, NFR, Extended requirement )</a:t>
             </a:r>
-          </a:p>
-          <a:p>
-            <a:endParaRPr lang="en-IN" sz="1000" dirty="0">
-              <a:latin typeface="Century Gothic" panose="020B0502020202020204" pitchFamily="34" charset="0"/>
-              <a:cs typeface="Biome" panose="020B0502040204020203" pitchFamily="34" charset="0"/>
-            </a:endParaRPr>
           </a:p>
           <a:p>
             <a:r>
@@ -3582,16 +3570,6 @@
             </a:r>
           </a:p>
           <a:p>
-            <a:pPr marL="171450" indent="-171450">
-              <a:buFont typeface="Wingdings" panose="05000000000000000000" pitchFamily="2" charset="2"/>
-              <a:buChar char="ü"/>
-            </a:pPr>
-            <a:endParaRPr lang="en-US" sz="1000" dirty="0">
-              <a:latin typeface="Century Gothic" panose="020B0502020202020204" pitchFamily="34" charset="0"/>
-              <a:cs typeface="Biome" panose="020B0502040204020203" pitchFamily="34" charset="0"/>
-            </a:endParaRPr>
-          </a:p>
-          <a:p>
             <a:r>
               <a:rPr lang="en-IN" sz="1100" b="1" dirty="0">
                 <a:latin typeface="Century Gothic" panose="020B0502020202020204" pitchFamily="34" charset="0"/>
@@ -3661,22 +3639,6 @@
             </a:r>
           </a:p>
           <a:p>
-            <a:pPr marL="171450" indent="-171450">
-              <a:buFont typeface="Wingdings" panose="05000000000000000000" pitchFamily="2" charset="2"/>
-              <a:buChar char="§"/>
-            </a:pPr>
-            <a:endParaRPr lang="en-IN" sz="1000" dirty="0">
-              <a:latin typeface="Century Gothic" panose="020B0502020202020204" pitchFamily="34" charset="0"/>
-              <a:cs typeface="Biome" panose="020B0502040204020203" pitchFamily="34" charset="0"/>
-            </a:endParaRPr>
-          </a:p>
-          <a:p>
-            <a:endParaRPr lang="en-IN" sz="1000" b="1" dirty="0">
-              <a:latin typeface="Century Gothic" panose="020B0502020202020204" pitchFamily="34" charset="0"/>
-              <a:cs typeface="Biome" panose="020B0502040204020203" pitchFamily="34" charset="0"/>
-            </a:endParaRPr>
-          </a:p>
-          <a:p>
             <a:r>
               <a:rPr lang="en-IN" sz="1100" b="1" dirty="0">
                 <a:latin typeface="Century Gothic" panose="020B0502020202020204" pitchFamily="34" charset="0"/>
@@ -3724,18 +3686,6 @@
               </a:rPr>
               <a:t>should expose as rest webservice api </a:t>
             </a:r>
-            <a:endParaRPr lang="en-IN" sz="1000" b="1" dirty="0">
-              <a:latin typeface="Century Gothic" panose="020B0502020202020204" pitchFamily="34" charset="0"/>
-              <a:cs typeface="Biome" panose="020B0502040204020203" pitchFamily="34" charset="0"/>
-            </a:endParaRPr>
-          </a:p>
-          <a:p>
-            <a:endParaRPr lang="en-IN" sz="1000" dirty="0">
-              <a:latin typeface="Century Gothic" panose="020B0502020202020204" pitchFamily="34" charset="0"/>
-              <a:cs typeface="Biome" panose="020B0502040204020203" pitchFamily="34" charset="0"/>
-            </a:endParaRPr>
-          </a:p>
-          <a:p>
             <a:endParaRPr lang="en-IN" sz="1200" dirty="0">
               <a:latin typeface="Biome" panose="020B0502040204020203" pitchFamily="34" charset="0"/>
               <a:cs typeface="Biome" panose="020B0502040204020203" pitchFamily="34" charset="0"/>
@@ -3757,8 +3707,8 @@
         </p:nvSpPr>
         <p:spPr>
           <a:xfrm>
-            <a:off x="5409489" y="803305"/>
-            <a:ext cx="6568866" cy="5878532"/>
+            <a:off x="5759289" y="803305"/>
+            <a:ext cx="6219066" cy="5878532"/>
           </a:xfrm>
           <a:prstGeom prst="rect">
             <a:avLst/>
@@ -4102,8 +4052,8 @@
         </p:nvSpPr>
         <p:spPr>
           <a:xfrm>
-            <a:off x="142875" y="803305"/>
-            <a:ext cx="5146972" cy="5797520"/>
+            <a:off x="142874" y="803305"/>
+            <a:ext cx="5518359" cy="5976982"/>
           </a:xfrm>
           <a:prstGeom prst="rect">
             <a:avLst/>
@@ -4156,8 +4106,8 @@
         </p:nvSpPr>
         <p:spPr>
           <a:xfrm>
-            <a:off x="5381625" y="812830"/>
-            <a:ext cx="6568866" cy="5797520"/>
+            <a:off x="5731423" y="812830"/>
+            <a:ext cx="6219067" cy="5797520"/>
           </a:xfrm>
           <a:prstGeom prst="rect">
             <a:avLst/>
@@ -4284,6 +4234,372 @@
                 </a:highlight>
               </a:rPr>
               <a:t>** Level 01 – Professional : Expect discussion at justifying your all decision with why?</a:t>
+            </a:r>
+          </a:p>
+        </p:txBody>
+      </p:sp>
+      <p:pic>
+        <p:nvPicPr>
+          <p:cNvPr id="9" name="Picture 8">
+            <a:extLst>
+              <a:ext uri="{FF2B5EF4-FFF2-40B4-BE49-F238E27FC236}">
+                <a16:creationId xmlns:a16="http://schemas.microsoft.com/office/drawing/2014/main" id="{8D98DB01-985F-476E-BF74-26655CEF76E5}"/>
+              </a:ext>
+            </a:extLst>
+          </p:cNvPr>
+          <p:cNvPicPr>
+            <a:picLocks noChangeAspect="1"/>
+          </p:cNvPicPr>
+          <p:nvPr/>
+        </p:nvPicPr>
+        <p:blipFill>
+          <a:blip r:embed="rId2"/>
+          <a:stretch>
+            <a:fillRect/>
+          </a:stretch>
+        </p:blipFill>
+        <p:spPr>
+          <a:xfrm>
+            <a:off x="355818" y="4686715"/>
+            <a:ext cx="4556365" cy="1991023"/>
+          </a:xfrm>
+          <a:prstGeom prst="rect">
+            <a:avLst/>
+          </a:prstGeom>
+        </p:spPr>
+      </p:pic>
+      <p:sp>
+        <p:nvSpPr>
+          <p:cNvPr id="11" name="Rectangle 10">
+            <a:extLst>
+              <a:ext uri="{FF2B5EF4-FFF2-40B4-BE49-F238E27FC236}">
+                <a16:creationId xmlns:a16="http://schemas.microsoft.com/office/drawing/2014/main" id="{94DEF69F-F13E-482C-A43C-7388D990E5EF}"/>
+              </a:ext>
+            </a:extLst>
+          </p:cNvPr>
+          <p:cNvSpPr/>
+          <p:nvPr/>
+        </p:nvSpPr>
+        <p:spPr>
+          <a:xfrm>
+            <a:off x="344059" y="4686715"/>
+            <a:ext cx="4578319" cy="1991023"/>
+          </a:xfrm>
+          <a:prstGeom prst="rect">
+            <a:avLst/>
+          </a:prstGeom>
+          <a:noFill/>
+          <a:ln w="9525" cap="flat" cmpd="sng" algn="ctr">
+            <a:solidFill>
+              <a:schemeClr val="accent3"/>
+            </a:solidFill>
+            <a:prstDash val="solid"/>
+            <a:round/>
+            <a:headEnd type="none" w="med" len="med"/>
+            <a:tailEnd type="none" w="med" len="med"/>
+          </a:ln>
+        </p:spPr>
+        <p:style>
+          <a:lnRef idx="0">
+            <a:scrgbClr r="0" g="0" b="0"/>
+          </a:lnRef>
+          <a:fillRef idx="0">
+            <a:scrgbClr r="0" g="0" b="0"/>
+          </a:fillRef>
+          <a:effectRef idx="0">
+            <a:scrgbClr r="0" g="0" b="0"/>
+          </a:effectRef>
+          <a:fontRef idx="minor">
+            <a:schemeClr val="accent3"/>
+          </a:fontRef>
+        </p:style>
+        <p:txBody>
+          <a:bodyPr rtlCol="0" anchor="ctr"/>
+          <a:lstStyle/>
+          <a:p>
+            <a:pPr algn="ctr"/>
+            <a:endParaRPr lang="en-IN" dirty="0"/>
+          </a:p>
+        </p:txBody>
+      </p:sp>
+      <p:sp>
+        <p:nvSpPr>
+          <p:cNvPr id="12" name="Oval 11">
+            <a:extLst>
+              <a:ext uri="{FF2B5EF4-FFF2-40B4-BE49-F238E27FC236}">
+                <a16:creationId xmlns:a16="http://schemas.microsoft.com/office/drawing/2014/main" id="{419C2237-57C1-4537-9B8C-8D7DF2D2454E}"/>
+              </a:ext>
+            </a:extLst>
+          </p:cNvPr>
+          <p:cNvSpPr/>
+          <p:nvPr/>
+        </p:nvSpPr>
+        <p:spPr>
+          <a:xfrm>
+            <a:off x="1250066" y="4763627"/>
+            <a:ext cx="222948" cy="203098"/>
+          </a:xfrm>
+          <a:prstGeom prst="ellipse">
+            <a:avLst/>
+          </a:prstGeom>
+        </p:spPr>
+        <p:style>
+          <a:lnRef idx="0">
+            <a:schemeClr val="accent5"/>
+          </a:lnRef>
+          <a:fillRef idx="3">
+            <a:schemeClr val="accent5"/>
+          </a:fillRef>
+          <a:effectRef idx="3">
+            <a:schemeClr val="accent5"/>
+          </a:effectRef>
+          <a:fontRef idx="minor">
+            <a:schemeClr val="lt1"/>
+          </a:fontRef>
+        </p:style>
+        <p:txBody>
+          <a:bodyPr rtlCol="0" anchor="ctr"/>
+          <a:lstStyle/>
+          <a:p>
+            <a:pPr algn="ctr"/>
+            <a:r>
+              <a:rPr lang="en-IN" sz="1600" dirty="0"/>
+              <a:t>1</a:t>
+            </a:r>
+          </a:p>
+        </p:txBody>
+      </p:sp>
+      <p:sp>
+        <p:nvSpPr>
+          <p:cNvPr id="13" name="Oval 12">
+            <a:extLst>
+              <a:ext uri="{FF2B5EF4-FFF2-40B4-BE49-F238E27FC236}">
+                <a16:creationId xmlns:a16="http://schemas.microsoft.com/office/drawing/2014/main" id="{59EC4BE1-64BA-48A1-8B5F-514878C9A1E4}"/>
+              </a:ext>
+            </a:extLst>
+          </p:cNvPr>
+          <p:cNvSpPr/>
+          <p:nvPr/>
+        </p:nvSpPr>
+        <p:spPr>
+          <a:xfrm>
+            <a:off x="3352815" y="4763627"/>
+            <a:ext cx="222948" cy="203098"/>
+          </a:xfrm>
+          <a:prstGeom prst="ellipse">
+            <a:avLst/>
+          </a:prstGeom>
+        </p:spPr>
+        <p:style>
+          <a:lnRef idx="0">
+            <a:schemeClr val="accent5"/>
+          </a:lnRef>
+          <a:fillRef idx="3">
+            <a:schemeClr val="accent5"/>
+          </a:fillRef>
+          <a:effectRef idx="3">
+            <a:schemeClr val="accent5"/>
+          </a:effectRef>
+          <a:fontRef idx="minor">
+            <a:schemeClr val="lt1"/>
+          </a:fontRef>
+        </p:style>
+        <p:txBody>
+          <a:bodyPr rtlCol="0" anchor="ctr"/>
+          <a:lstStyle/>
+          <a:p>
+            <a:pPr algn="ctr"/>
+            <a:r>
+              <a:rPr lang="en-IN" sz="1600" dirty="0"/>
+              <a:t>2</a:t>
+            </a:r>
+          </a:p>
+        </p:txBody>
+      </p:sp>
+      <p:sp>
+        <p:nvSpPr>
+          <p:cNvPr id="14" name="Oval 13">
+            <a:extLst>
+              <a:ext uri="{FF2B5EF4-FFF2-40B4-BE49-F238E27FC236}">
+                <a16:creationId xmlns:a16="http://schemas.microsoft.com/office/drawing/2014/main" id="{B50C4CF6-8B4F-4435-8F88-02A2994E6509}"/>
+              </a:ext>
+            </a:extLst>
+          </p:cNvPr>
+          <p:cNvSpPr/>
+          <p:nvPr/>
+        </p:nvSpPr>
+        <p:spPr>
+          <a:xfrm>
+            <a:off x="3027970" y="5349977"/>
+            <a:ext cx="222948" cy="203098"/>
+          </a:xfrm>
+          <a:prstGeom prst="ellipse">
+            <a:avLst/>
+          </a:prstGeom>
+        </p:spPr>
+        <p:style>
+          <a:lnRef idx="0">
+            <a:schemeClr val="accent5"/>
+          </a:lnRef>
+          <a:fillRef idx="3">
+            <a:schemeClr val="accent5"/>
+          </a:fillRef>
+          <a:effectRef idx="3">
+            <a:schemeClr val="accent5"/>
+          </a:effectRef>
+          <a:fontRef idx="minor">
+            <a:schemeClr val="lt1"/>
+          </a:fontRef>
+        </p:style>
+        <p:txBody>
+          <a:bodyPr rtlCol="0" anchor="ctr"/>
+          <a:lstStyle/>
+          <a:p>
+            <a:pPr algn="ctr"/>
+            <a:r>
+              <a:rPr lang="en-IN" sz="1600" dirty="0"/>
+              <a:t>3</a:t>
+            </a:r>
+          </a:p>
+        </p:txBody>
+      </p:sp>
+      <p:sp>
+        <p:nvSpPr>
+          <p:cNvPr id="15" name="Oval 14">
+            <a:extLst>
+              <a:ext uri="{FF2B5EF4-FFF2-40B4-BE49-F238E27FC236}">
+                <a16:creationId xmlns:a16="http://schemas.microsoft.com/office/drawing/2014/main" id="{54FAAA6B-605A-4812-805A-A41D6D931A7E}"/>
+              </a:ext>
+            </a:extLst>
+          </p:cNvPr>
+          <p:cNvSpPr/>
+          <p:nvPr/>
+        </p:nvSpPr>
+        <p:spPr>
+          <a:xfrm>
+            <a:off x="3889776" y="5647214"/>
+            <a:ext cx="222948" cy="203098"/>
+          </a:xfrm>
+          <a:prstGeom prst="ellipse">
+            <a:avLst/>
+          </a:prstGeom>
+        </p:spPr>
+        <p:style>
+          <a:lnRef idx="0">
+            <a:schemeClr val="accent5"/>
+          </a:lnRef>
+          <a:fillRef idx="3">
+            <a:schemeClr val="accent5"/>
+          </a:fillRef>
+          <a:effectRef idx="3">
+            <a:schemeClr val="accent5"/>
+          </a:effectRef>
+          <a:fontRef idx="minor">
+            <a:schemeClr val="lt1"/>
+          </a:fontRef>
+        </p:style>
+        <p:txBody>
+          <a:bodyPr rtlCol="0" anchor="ctr"/>
+          <a:lstStyle/>
+          <a:p>
+            <a:pPr algn="ctr"/>
+            <a:r>
+              <a:rPr lang="en-IN" sz="1600" dirty="0"/>
+              <a:t>4</a:t>
+            </a:r>
+          </a:p>
+        </p:txBody>
+      </p:sp>
+      <p:sp>
+        <p:nvSpPr>
+          <p:cNvPr id="19" name="Oval 18">
+            <a:extLst>
+              <a:ext uri="{FF2B5EF4-FFF2-40B4-BE49-F238E27FC236}">
+                <a16:creationId xmlns:a16="http://schemas.microsoft.com/office/drawing/2014/main" id="{F2CEAFAB-BB28-4C71-BC66-F6A52E19C580}"/>
+              </a:ext>
+            </a:extLst>
+          </p:cNvPr>
+          <p:cNvSpPr/>
+          <p:nvPr/>
+        </p:nvSpPr>
+        <p:spPr>
+          <a:xfrm>
+            <a:off x="2197338" y="5647214"/>
+            <a:ext cx="222948" cy="203098"/>
+          </a:xfrm>
+          <a:prstGeom prst="ellipse">
+            <a:avLst/>
+          </a:prstGeom>
+        </p:spPr>
+        <p:style>
+          <a:lnRef idx="0">
+            <a:schemeClr val="accent5"/>
+          </a:lnRef>
+          <a:fillRef idx="3">
+            <a:schemeClr val="accent5"/>
+          </a:fillRef>
+          <a:effectRef idx="3">
+            <a:schemeClr val="accent5"/>
+          </a:effectRef>
+          <a:fontRef idx="minor">
+            <a:schemeClr val="lt1"/>
+          </a:fontRef>
+        </p:style>
+        <p:txBody>
+          <a:bodyPr rtlCol="0" anchor="ctr"/>
+          <a:lstStyle/>
+          <a:p>
+            <a:pPr algn="ctr"/>
+            <a:r>
+              <a:rPr lang="en-IN" sz="1600" dirty="0"/>
+              <a:t>5</a:t>
+            </a:r>
+          </a:p>
+        </p:txBody>
+      </p:sp>
+      <p:sp>
+        <p:nvSpPr>
+          <p:cNvPr id="20" name="Oval 19">
+            <a:extLst>
+              <a:ext uri="{FF2B5EF4-FFF2-40B4-BE49-F238E27FC236}">
+                <a16:creationId xmlns:a16="http://schemas.microsoft.com/office/drawing/2014/main" id="{DB916E14-47B1-4F0A-AB6F-3B52D32260EE}"/>
+              </a:ext>
+            </a:extLst>
+          </p:cNvPr>
+          <p:cNvSpPr/>
+          <p:nvPr/>
+        </p:nvSpPr>
+        <p:spPr>
+          <a:xfrm>
+            <a:off x="1263226" y="5349977"/>
+            <a:ext cx="222948" cy="203098"/>
+          </a:xfrm>
+          <a:prstGeom prst="ellipse">
+            <a:avLst/>
+          </a:prstGeom>
+        </p:spPr>
+        <p:style>
+          <a:lnRef idx="0">
+            <a:schemeClr val="accent5"/>
+          </a:lnRef>
+          <a:fillRef idx="3">
+            <a:schemeClr val="accent5"/>
+          </a:fillRef>
+          <a:effectRef idx="3">
+            <a:schemeClr val="accent5"/>
+          </a:effectRef>
+          <a:fontRef idx="minor">
+            <a:schemeClr val="lt1"/>
+          </a:fontRef>
+        </p:style>
+        <p:txBody>
+          <a:bodyPr rtlCol="0" anchor="ctr"/>
+          <a:lstStyle/>
+          <a:p>
+            <a:pPr algn="ctr"/>
+            <a:r>
+              <a:rPr lang="en-IN" sz="1600" dirty="0"/>
+              <a:t>6</a:t>
             </a:r>
           </a:p>
         </p:txBody>
@@ -6624,7 +6940,7 @@
         <p:spPr>
           <a:xfrm>
             <a:off x="179462" y="871671"/>
-            <a:ext cx="11853017" cy="1231106"/>
+            <a:ext cx="6121130" cy="5463034"/>
           </a:xfrm>
           <a:prstGeom prst="rect">
             <a:avLst/>
@@ -6645,18 +6961,1098 @@
             </a:r>
           </a:p>
           <a:p>
+            <a:endParaRPr lang="en-IN" sz="1000" b="1" dirty="0">
+              <a:latin typeface="Century Gothic" panose="020B0502020202020204" pitchFamily="34" charset="0"/>
+            </a:endParaRPr>
+          </a:p>
+          <a:p>
+            <a:r>
+              <a:rPr lang="en-IN" sz="1000" b="1" dirty="0">
+                <a:highlight>
+                  <a:srgbClr val="FFFF00"/>
+                </a:highlight>
+                <a:latin typeface="Century Gothic" panose="020B0502020202020204" pitchFamily="34" charset="0"/>
+              </a:rPr>
+              <a:t>Problem: How to generate short and unique key for a given URL.</a:t>
+            </a:r>
+          </a:p>
+          <a:p>
+            <a:endParaRPr lang="en-IN" sz="1000" b="1" dirty="0">
+              <a:latin typeface="Century Gothic" panose="020B0502020202020204" pitchFamily="34" charset="0"/>
+            </a:endParaRPr>
+          </a:p>
+          <a:p>
+            <a:r>
+              <a:rPr lang="en-IN" sz="1000" dirty="0">
+                <a:latin typeface="Century Gothic" panose="020B0502020202020204" pitchFamily="34" charset="0"/>
+              </a:rPr>
+              <a:t>Let’s try to understand the exact requirement through one example</a:t>
+            </a:r>
+          </a:p>
+          <a:p>
+            <a:r>
+              <a:rPr lang="en-IN" sz="1000" dirty="0">
+                <a:latin typeface="Century Gothic" panose="020B0502020202020204" pitchFamily="34" charset="0"/>
+                <a:hlinkClick r:id="rId2">
+                  <a:extLst>
+                    <a:ext uri="{A12FA001-AC4F-418D-AE19-62706E023703}">
+                      <ahyp:hlinkClr xmlns:ahyp="http://schemas.microsoft.com/office/drawing/2018/hyperlinkcolor" val="tx"/>
+                    </a:ext>
+                  </a:extLst>
+                </a:hlinkClick>
+              </a:rPr>
+              <a:t>https://tinyurl.com/rxcsyr3r</a:t>
+            </a:r>
+            <a:r>
+              <a:rPr lang="en-IN" sz="1000" dirty="0">
+                <a:latin typeface="Century Gothic" panose="020B0502020202020204" pitchFamily="34" charset="0"/>
+              </a:rPr>
+              <a:t>  in this example last 8 character can be considered as the shortURL or Unique key expected from your system. </a:t>
+            </a:r>
+          </a:p>
+          <a:p>
             <a:endParaRPr lang="en-IN" sz="1000" dirty="0">
               <a:latin typeface="Century Gothic" panose="020B0502020202020204" pitchFamily="34" charset="0"/>
             </a:endParaRPr>
           </a:p>
           <a:p>
+            <a:r>
+              <a:rPr lang="en-IN" sz="1000" dirty="0">
+                <a:latin typeface="Century Gothic" panose="020B0502020202020204" pitchFamily="34" charset="0"/>
+              </a:rPr>
+              <a:t>How to generate these 8 characters based unique key or shortURL?</a:t>
+            </a:r>
+          </a:p>
+          <a:p>
+            <a:r>
+              <a:rPr lang="en-IN" sz="1000" dirty="0">
+                <a:latin typeface="Century Gothic" panose="020B0502020202020204" pitchFamily="34" charset="0"/>
+              </a:rPr>
+              <a:t>There are multiple approach possible to generate these shortURL or unique key.</a:t>
+            </a:r>
+          </a:p>
+          <a:p>
+            <a:r>
+              <a:rPr lang="en-IN" sz="1000" dirty="0">
+                <a:latin typeface="Century Gothic" panose="020B0502020202020204" pitchFamily="34" charset="0"/>
+              </a:rPr>
+              <a:t>Let’s discuss the Approaches one by one and their pros and cons…</a:t>
+            </a:r>
+          </a:p>
+          <a:p>
+            <a:endParaRPr lang="en-IN" sz="1000" dirty="0">
+              <a:latin typeface="Century Gothic" panose="020B0502020202020204" pitchFamily="34" charset="0"/>
+            </a:endParaRPr>
+          </a:p>
+          <a:p>
+            <a:r>
+              <a:rPr lang="en-IN" sz="1000" b="1" dirty="0">
+                <a:latin typeface="Century Gothic" panose="020B0502020202020204" pitchFamily="34" charset="0"/>
+              </a:rPr>
+              <a:t>Approach 01 : </a:t>
+            </a:r>
+            <a:r>
+              <a:rPr lang="en-IN" sz="1000" b="1" dirty="0">
+                <a:solidFill>
+                  <a:srgbClr val="00B0F0"/>
+                </a:solidFill>
+                <a:highlight>
+                  <a:srgbClr val="FFFF00"/>
+                </a:highlight>
+                <a:latin typeface="Century Gothic" panose="020B0502020202020204" pitchFamily="34" charset="0"/>
+              </a:rPr>
+              <a:t>Encoding Actual URL</a:t>
+            </a:r>
+          </a:p>
+          <a:p>
+            <a:endParaRPr lang="en-IN" sz="1000" dirty="0">
+              <a:latin typeface="Century Gothic" panose="020B0502020202020204" pitchFamily="34" charset="0"/>
+            </a:endParaRPr>
+          </a:p>
+          <a:p>
+            <a:r>
+              <a:rPr lang="en-IN" sz="1000" b="1" dirty="0">
+                <a:latin typeface="Century Gothic" panose="020B0502020202020204" pitchFamily="34" charset="0"/>
+              </a:rPr>
+              <a:t>So Pict-01 </a:t>
+            </a:r>
+            <a:r>
+              <a:rPr lang="en-IN" sz="1000" dirty="0">
+                <a:latin typeface="Century Gothic" panose="020B0502020202020204" pitchFamily="34" charset="0"/>
+              </a:rPr>
+              <a:t>is our initial basic design (</a:t>
+            </a:r>
+            <a:r>
+              <a:rPr lang="en-IN" sz="1000" b="1" dirty="0">
+                <a:latin typeface="Century Gothic" panose="020B0502020202020204" pitchFamily="34" charset="0"/>
+              </a:rPr>
+              <a:t>Approach 01</a:t>
+            </a:r>
+            <a:r>
+              <a:rPr lang="en-IN" sz="1000" dirty="0">
+                <a:latin typeface="Century Gothic" panose="020B0502020202020204" pitchFamily="34" charset="0"/>
+              </a:rPr>
+              <a:t>) where we have shown the basic flow, about how system is sequentially interacting for simple use-case like “User or client requested for the short url and in return server is returning the short url after the successful completion all intermediate steps”</a:t>
+            </a:r>
+          </a:p>
+          <a:p>
+            <a:endParaRPr lang="en-IN" sz="1000" dirty="0">
+              <a:latin typeface="Century Gothic" panose="020B0502020202020204" pitchFamily="34" charset="0"/>
+            </a:endParaRPr>
+          </a:p>
+          <a:p>
+            <a:r>
+              <a:rPr lang="en-IN" sz="1000" dirty="0">
+                <a:latin typeface="Century Gothic" panose="020B0502020202020204" pitchFamily="34" charset="0"/>
+              </a:rPr>
+              <a:t>Here in interaction diagram ( PICT-01) showing the System have majorly 03 components</a:t>
+            </a:r>
+          </a:p>
+          <a:p>
+            <a:pPr marL="228600" indent="-228600">
+              <a:buAutoNum type="arabicPeriod"/>
+            </a:pPr>
+            <a:r>
+              <a:rPr lang="en-IN" sz="1000" dirty="0">
+                <a:latin typeface="Century Gothic" panose="020B0502020202020204" pitchFamily="34" charset="0"/>
+              </a:rPr>
+              <a:t>Server ( API Server )</a:t>
+            </a:r>
+          </a:p>
+          <a:p>
+            <a:pPr marL="228600" indent="-228600">
+              <a:buAutoNum type="arabicPeriod"/>
+            </a:pPr>
+            <a:r>
+              <a:rPr lang="en-IN" sz="1000" dirty="0">
+                <a:latin typeface="Century Gothic" panose="020B0502020202020204" pitchFamily="34" charset="0"/>
+              </a:rPr>
+              <a:t>Encoding Component Server</a:t>
+            </a:r>
+          </a:p>
+          <a:p>
+            <a:pPr marL="228600" indent="-228600">
+              <a:buAutoNum type="arabicPeriod"/>
+            </a:pPr>
+            <a:r>
+              <a:rPr lang="en-IN" sz="1000" dirty="0">
+                <a:latin typeface="Century Gothic" panose="020B0502020202020204" pitchFamily="34" charset="0"/>
+              </a:rPr>
+              <a:t>Database ( DB Server for Storage and persistency )</a:t>
+            </a:r>
+          </a:p>
+          <a:p>
+            <a:endParaRPr lang="en-IN" sz="1100" dirty="0">
+              <a:latin typeface="Century Gothic" panose="020B0502020202020204" pitchFamily="34" charset="0"/>
+            </a:endParaRPr>
+          </a:p>
+          <a:p>
+            <a:r>
+              <a:rPr lang="en-IN" sz="1000" dirty="0">
+                <a:latin typeface="Century Gothic" panose="020B0502020202020204" pitchFamily="34" charset="0"/>
+              </a:rPr>
+              <a:t>Steps to produce shortURL or unique key</a:t>
+            </a:r>
+          </a:p>
+          <a:p>
+            <a:pPr marL="228600" indent="-228600">
+              <a:buAutoNum type="arabicPeriod"/>
+            </a:pPr>
+            <a:r>
+              <a:rPr lang="en-IN" sz="1000" dirty="0">
+                <a:latin typeface="Century Gothic" panose="020B0502020202020204" pitchFamily="34" charset="0"/>
+              </a:rPr>
+              <a:t>Compute an unique hash using standard Hash function like MD5 or SHA256 </a:t>
+            </a:r>
+          </a:p>
+          <a:p>
+            <a:pPr marL="228600" indent="-228600">
+              <a:buAutoNum type="arabicPeriod"/>
+            </a:pPr>
+            <a:r>
+              <a:rPr lang="en-IN" sz="1000" dirty="0">
+                <a:latin typeface="Century Gothic" panose="020B0502020202020204" pitchFamily="34" charset="0"/>
+              </a:rPr>
+              <a:t>Now next thing is to encode this hash value for display, and for this encoding could be </a:t>
+            </a:r>
+            <a:r>
+              <a:rPr lang="en-IN" sz="1000" b="1" dirty="0">
+                <a:solidFill>
+                  <a:srgbClr val="00B0F0"/>
+                </a:solidFill>
+                <a:latin typeface="Century Gothic" panose="020B0502020202020204" pitchFamily="34" charset="0"/>
+              </a:rPr>
+              <a:t>Base64</a:t>
+            </a:r>
+            <a:r>
+              <a:rPr lang="en-IN" sz="1000" dirty="0">
+                <a:latin typeface="Century Gothic" panose="020B0502020202020204" pitchFamily="34" charset="0"/>
+              </a:rPr>
+              <a:t> [A~Z, a ~ z, 0 ~ 9, ‘+’,’/’] </a:t>
+            </a:r>
+          </a:p>
+          <a:p>
+            <a:pPr marL="228600" indent="-228600">
+              <a:buAutoNum type="arabicPeriod"/>
+            </a:pPr>
+            <a:r>
+              <a:rPr lang="en-IN" sz="1000" dirty="0">
+                <a:latin typeface="Century Gothic" panose="020B0502020202020204" pitchFamily="34" charset="0"/>
+              </a:rPr>
+              <a:t>Next thing is to understand that how big of this shortURL length would be suffice ? </a:t>
+            </a:r>
+          </a:p>
+          <a:p>
+            <a:r>
+              <a:rPr lang="en-IN" sz="1000" dirty="0">
+                <a:latin typeface="Century Gothic" panose="020B0502020202020204" pitchFamily="34" charset="0"/>
+              </a:rPr>
+              <a:t>To understand this let’s calculate the unique value of key’s possible with different length</a:t>
+            </a:r>
+          </a:p>
+          <a:p>
+            <a:r>
+              <a:rPr lang="en-IN" sz="1000" dirty="0">
+                <a:latin typeface="Century Gothic" panose="020B0502020202020204" pitchFamily="34" charset="0"/>
+              </a:rPr>
+              <a:t>So, according to the requirement you can choose the length of your shortURL. Please note </a:t>
+            </a:r>
+          </a:p>
+          <a:p>
+            <a:r>
+              <a:rPr lang="en-IN" sz="1000" dirty="0">
+                <a:latin typeface="Century Gothic" panose="020B0502020202020204" pitchFamily="34" charset="0"/>
+              </a:rPr>
+              <a:t>that small url is easy to remember but also less number of unique key and that would get exhausted very fast as your system user grows.</a:t>
+            </a:r>
+          </a:p>
+          <a:p>
+            <a:endParaRPr lang="en-IN" sz="1000" dirty="0">
+              <a:latin typeface="Century Gothic" panose="020B0502020202020204" pitchFamily="34" charset="0"/>
+            </a:endParaRPr>
+          </a:p>
+          <a:p>
+            <a:endParaRPr lang="en-IN" sz="1000" dirty="0">
+              <a:latin typeface="Century Gothic" panose="020B0502020202020204" pitchFamily="34" charset="0"/>
+            </a:endParaRPr>
+          </a:p>
+        </p:txBody>
+      </p:sp>
+      <p:pic>
+        <p:nvPicPr>
+          <p:cNvPr id="23" name="Picture 22">
+            <a:extLst>
+              <a:ext uri="{FF2B5EF4-FFF2-40B4-BE49-F238E27FC236}">
+                <a16:creationId xmlns:a16="http://schemas.microsoft.com/office/drawing/2014/main" id="{956D2247-9B8B-4323-B96C-73A5987CE3C9}"/>
+              </a:ext>
+            </a:extLst>
+          </p:cNvPr>
+          <p:cNvPicPr>
+            <a:picLocks noChangeAspect="1"/>
+          </p:cNvPicPr>
+          <p:nvPr/>
+        </p:nvPicPr>
+        <p:blipFill>
+          <a:blip r:embed="rId3"/>
+          <a:stretch>
+            <a:fillRect/>
+          </a:stretch>
+        </p:blipFill>
+        <p:spPr>
+          <a:xfrm>
+            <a:off x="6458741" y="871671"/>
+            <a:ext cx="5239481" cy="2495898"/>
+          </a:xfrm>
+          <a:prstGeom prst="rect">
+            <a:avLst/>
+          </a:prstGeom>
+        </p:spPr>
+      </p:pic>
+      <p:sp>
+        <p:nvSpPr>
+          <p:cNvPr id="24" name="Rectangle 23">
+            <a:extLst>
+              <a:ext uri="{FF2B5EF4-FFF2-40B4-BE49-F238E27FC236}">
+                <a16:creationId xmlns:a16="http://schemas.microsoft.com/office/drawing/2014/main" id="{92A5597F-D427-4CC9-B338-150B55528393}"/>
+              </a:ext>
+            </a:extLst>
+          </p:cNvPr>
+          <p:cNvSpPr/>
+          <p:nvPr/>
+        </p:nvSpPr>
+        <p:spPr>
+          <a:xfrm>
+            <a:off x="6446982" y="871671"/>
+            <a:ext cx="5264727" cy="2481129"/>
+          </a:xfrm>
+          <a:prstGeom prst="rect">
+            <a:avLst/>
+          </a:prstGeom>
+          <a:noFill/>
+          <a:ln w="9525" cap="flat" cmpd="sng" algn="ctr">
+            <a:solidFill>
+              <a:schemeClr val="accent3"/>
+            </a:solidFill>
+            <a:prstDash val="solid"/>
+            <a:round/>
+            <a:headEnd type="none" w="med" len="med"/>
+            <a:tailEnd type="none" w="med" len="med"/>
+          </a:ln>
+        </p:spPr>
+        <p:style>
+          <a:lnRef idx="0">
+            <a:scrgbClr r="0" g="0" b="0"/>
+          </a:lnRef>
+          <a:fillRef idx="0">
+            <a:scrgbClr r="0" g="0" b="0"/>
+          </a:fillRef>
+          <a:effectRef idx="0">
+            <a:scrgbClr r="0" g="0" b="0"/>
+          </a:effectRef>
+          <a:fontRef idx="minor">
+            <a:schemeClr val="accent3"/>
+          </a:fontRef>
+        </p:style>
+        <p:txBody>
+          <a:bodyPr rtlCol="0" anchor="ctr"/>
+          <a:lstStyle/>
+          <a:p>
+            <a:pPr algn="ctr"/>
             <a:endParaRPr lang="en-IN" dirty="0"/>
           </a:p>
-          <a:p>
+        </p:txBody>
+      </p:sp>
+      <p:sp>
+        <p:nvSpPr>
+          <p:cNvPr id="25" name="Oval 24">
+            <a:extLst>
+              <a:ext uri="{FF2B5EF4-FFF2-40B4-BE49-F238E27FC236}">
+                <a16:creationId xmlns:a16="http://schemas.microsoft.com/office/drawing/2014/main" id="{2C1896E0-9F15-4ABC-B139-E13C730485FE}"/>
+              </a:ext>
+            </a:extLst>
+          </p:cNvPr>
+          <p:cNvSpPr/>
+          <p:nvPr/>
+        </p:nvSpPr>
+        <p:spPr>
+          <a:xfrm>
+            <a:off x="7469629" y="948583"/>
+            <a:ext cx="256374" cy="256374"/>
+          </a:xfrm>
+          <a:prstGeom prst="ellipse">
+            <a:avLst/>
+          </a:prstGeom>
+        </p:spPr>
+        <p:style>
+          <a:lnRef idx="0">
+            <a:schemeClr val="accent5"/>
+          </a:lnRef>
+          <a:fillRef idx="3">
+            <a:schemeClr val="accent5"/>
+          </a:fillRef>
+          <a:effectRef idx="3">
+            <a:schemeClr val="accent5"/>
+          </a:effectRef>
+          <a:fontRef idx="minor">
+            <a:schemeClr val="lt1"/>
+          </a:fontRef>
+        </p:style>
+        <p:txBody>
+          <a:bodyPr rtlCol="0" anchor="ctr"/>
+          <a:lstStyle/>
+          <a:p>
+            <a:pPr algn="ctr"/>
+            <a:r>
+              <a:rPr lang="en-IN" sz="1600" dirty="0"/>
+              <a:t>1</a:t>
+            </a:r>
+          </a:p>
+        </p:txBody>
+      </p:sp>
+      <p:sp>
+        <p:nvSpPr>
+          <p:cNvPr id="26" name="Oval 25">
+            <a:extLst>
+              <a:ext uri="{FF2B5EF4-FFF2-40B4-BE49-F238E27FC236}">
+                <a16:creationId xmlns:a16="http://schemas.microsoft.com/office/drawing/2014/main" id="{9529E07A-D8C2-4079-AF74-5BD3544D42AA}"/>
+              </a:ext>
+            </a:extLst>
+          </p:cNvPr>
+          <p:cNvSpPr/>
+          <p:nvPr/>
+        </p:nvSpPr>
+        <p:spPr>
+          <a:xfrm>
+            <a:off x="9455738" y="948583"/>
+            <a:ext cx="256374" cy="256374"/>
+          </a:xfrm>
+          <a:prstGeom prst="ellipse">
+            <a:avLst/>
+          </a:prstGeom>
+        </p:spPr>
+        <p:style>
+          <a:lnRef idx="0">
+            <a:schemeClr val="accent5"/>
+          </a:lnRef>
+          <a:fillRef idx="3">
+            <a:schemeClr val="accent5"/>
+          </a:fillRef>
+          <a:effectRef idx="3">
+            <a:schemeClr val="accent5"/>
+          </a:effectRef>
+          <a:fontRef idx="minor">
+            <a:schemeClr val="lt1"/>
+          </a:fontRef>
+        </p:style>
+        <p:txBody>
+          <a:bodyPr rtlCol="0" anchor="ctr"/>
+          <a:lstStyle/>
+          <a:p>
+            <a:pPr algn="ctr"/>
+            <a:r>
+              <a:rPr lang="en-IN" sz="1600" dirty="0"/>
+              <a:t>2</a:t>
+            </a:r>
+          </a:p>
+        </p:txBody>
+      </p:sp>
+      <p:sp>
+        <p:nvSpPr>
+          <p:cNvPr id="27" name="Oval 26">
+            <a:extLst>
+              <a:ext uri="{FF2B5EF4-FFF2-40B4-BE49-F238E27FC236}">
+                <a16:creationId xmlns:a16="http://schemas.microsoft.com/office/drawing/2014/main" id="{655BE4BA-0271-49FE-9EDD-9382BAE787B7}"/>
+              </a:ext>
+            </a:extLst>
+          </p:cNvPr>
+          <p:cNvSpPr/>
+          <p:nvPr/>
+        </p:nvSpPr>
+        <p:spPr>
+          <a:xfrm>
+            <a:off x="9455738" y="1743758"/>
+            <a:ext cx="256374" cy="256374"/>
+          </a:xfrm>
+          <a:prstGeom prst="ellipse">
+            <a:avLst/>
+          </a:prstGeom>
+        </p:spPr>
+        <p:style>
+          <a:lnRef idx="0">
+            <a:schemeClr val="accent5"/>
+          </a:lnRef>
+          <a:fillRef idx="3">
+            <a:schemeClr val="accent5"/>
+          </a:fillRef>
+          <a:effectRef idx="3">
+            <a:schemeClr val="accent5"/>
+          </a:effectRef>
+          <a:fontRef idx="minor">
+            <a:schemeClr val="lt1"/>
+          </a:fontRef>
+        </p:style>
+        <p:txBody>
+          <a:bodyPr rtlCol="0" anchor="ctr"/>
+          <a:lstStyle/>
+          <a:p>
+            <a:pPr algn="ctr"/>
+            <a:r>
+              <a:rPr lang="en-IN" sz="1600" dirty="0"/>
+              <a:t>3</a:t>
+            </a:r>
+          </a:p>
+        </p:txBody>
+      </p:sp>
+      <p:sp>
+        <p:nvSpPr>
+          <p:cNvPr id="28" name="Oval 27">
+            <a:extLst>
+              <a:ext uri="{FF2B5EF4-FFF2-40B4-BE49-F238E27FC236}">
+                <a16:creationId xmlns:a16="http://schemas.microsoft.com/office/drawing/2014/main" id="{BEFB0D60-D449-4230-9E68-8F36D3083731}"/>
+              </a:ext>
+            </a:extLst>
+          </p:cNvPr>
+          <p:cNvSpPr/>
+          <p:nvPr/>
+        </p:nvSpPr>
+        <p:spPr>
+          <a:xfrm>
+            <a:off x="10565267" y="2112235"/>
+            <a:ext cx="256374" cy="256374"/>
+          </a:xfrm>
+          <a:prstGeom prst="ellipse">
+            <a:avLst/>
+          </a:prstGeom>
+        </p:spPr>
+        <p:style>
+          <a:lnRef idx="0">
+            <a:schemeClr val="accent5"/>
+          </a:lnRef>
+          <a:fillRef idx="3">
+            <a:schemeClr val="accent5"/>
+          </a:fillRef>
+          <a:effectRef idx="3">
+            <a:schemeClr val="accent5"/>
+          </a:effectRef>
+          <a:fontRef idx="minor">
+            <a:schemeClr val="lt1"/>
+          </a:fontRef>
+        </p:style>
+        <p:txBody>
+          <a:bodyPr rtlCol="0" anchor="ctr"/>
+          <a:lstStyle/>
+          <a:p>
+            <a:pPr algn="ctr"/>
+            <a:r>
+              <a:rPr lang="en-IN" sz="1600" dirty="0"/>
+              <a:t>4</a:t>
+            </a:r>
+          </a:p>
+        </p:txBody>
+      </p:sp>
+      <p:sp>
+        <p:nvSpPr>
+          <p:cNvPr id="29" name="Oval 28">
+            <a:extLst>
+              <a:ext uri="{FF2B5EF4-FFF2-40B4-BE49-F238E27FC236}">
+                <a16:creationId xmlns:a16="http://schemas.microsoft.com/office/drawing/2014/main" id="{9A42AA1C-E6DB-4AC4-94DE-16D316F0880B}"/>
+              </a:ext>
+            </a:extLst>
+          </p:cNvPr>
+          <p:cNvSpPr/>
+          <p:nvPr/>
+        </p:nvSpPr>
+        <p:spPr>
+          <a:xfrm>
+            <a:off x="8383817" y="1984048"/>
+            <a:ext cx="256374" cy="256374"/>
+          </a:xfrm>
+          <a:prstGeom prst="ellipse">
+            <a:avLst/>
+          </a:prstGeom>
+        </p:spPr>
+        <p:style>
+          <a:lnRef idx="0">
+            <a:schemeClr val="accent5"/>
+          </a:lnRef>
+          <a:fillRef idx="3">
+            <a:schemeClr val="accent5"/>
+          </a:fillRef>
+          <a:effectRef idx="3">
+            <a:schemeClr val="accent5"/>
+          </a:effectRef>
+          <a:fontRef idx="minor">
+            <a:schemeClr val="lt1"/>
+          </a:fontRef>
+        </p:style>
+        <p:txBody>
+          <a:bodyPr rtlCol="0" anchor="ctr"/>
+          <a:lstStyle/>
+          <a:p>
+            <a:pPr algn="ctr"/>
+            <a:r>
+              <a:rPr lang="en-IN" sz="1600" dirty="0"/>
+              <a:t>5</a:t>
+            </a:r>
+          </a:p>
+        </p:txBody>
+      </p:sp>
+      <p:sp>
+        <p:nvSpPr>
+          <p:cNvPr id="30" name="Oval 29">
+            <a:extLst>
+              <a:ext uri="{FF2B5EF4-FFF2-40B4-BE49-F238E27FC236}">
+                <a16:creationId xmlns:a16="http://schemas.microsoft.com/office/drawing/2014/main" id="{54D18CA5-282E-45C0-B06B-509C4188630C}"/>
+              </a:ext>
+            </a:extLst>
+          </p:cNvPr>
+          <p:cNvSpPr/>
+          <p:nvPr/>
+        </p:nvSpPr>
+        <p:spPr>
+          <a:xfrm>
+            <a:off x="7469629" y="1693754"/>
+            <a:ext cx="256374" cy="256374"/>
+          </a:xfrm>
+          <a:prstGeom prst="ellipse">
+            <a:avLst/>
+          </a:prstGeom>
+        </p:spPr>
+        <p:style>
+          <a:lnRef idx="0">
+            <a:schemeClr val="accent5"/>
+          </a:lnRef>
+          <a:fillRef idx="3">
+            <a:schemeClr val="accent5"/>
+          </a:fillRef>
+          <a:effectRef idx="3">
+            <a:schemeClr val="accent5"/>
+          </a:effectRef>
+          <a:fontRef idx="minor">
+            <a:schemeClr val="lt1"/>
+          </a:fontRef>
+        </p:style>
+        <p:txBody>
+          <a:bodyPr rtlCol="0" anchor="ctr"/>
+          <a:lstStyle/>
+          <a:p>
+            <a:pPr algn="ctr"/>
+            <a:r>
+              <a:rPr lang="en-IN" sz="1600" dirty="0"/>
+              <a:t>6</a:t>
+            </a:r>
+          </a:p>
+        </p:txBody>
+      </p:sp>
+      <p:sp>
+        <p:nvSpPr>
+          <p:cNvPr id="31" name="TextBox 30">
+            <a:extLst>
+              <a:ext uri="{FF2B5EF4-FFF2-40B4-BE49-F238E27FC236}">
+                <a16:creationId xmlns:a16="http://schemas.microsoft.com/office/drawing/2014/main" id="{33A7460D-522D-4D30-8F40-F84AACCC2D3C}"/>
+              </a:ext>
+            </a:extLst>
+          </p:cNvPr>
+          <p:cNvSpPr txBox="1"/>
+          <p:nvPr/>
+        </p:nvSpPr>
+        <p:spPr>
+          <a:xfrm>
+            <a:off x="6674266" y="2590800"/>
+            <a:ext cx="666571" cy="246221"/>
+          </a:xfrm>
+          <a:prstGeom prst="rect">
+            <a:avLst/>
+          </a:prstGeom>
+          <a:noFill/>
+        </p:spPr>
+        <p:txBody>
+          <a:bodyPr wrap="square" rtlCol="0">
+            <a:spAutoFit/>
+          </a:bodyPr>
+          <a:lstStyle/>
+          <a:p>
+            <a:r>
+              <a:rPr lang="en-IN" sz="1000" b="1" dirty="0">
+                <a:latin typeface="Century Gothic" panose="020B0502020202020204" pitchFamily="34" charset="0"/>
+              </a:rPr>
+              <a:t>PICT-01</a:t>
+            </a:r>
+          </a:p>
+        </p:txBody>
+      </p:sp>
+      <p:sp>
+        <p:nvSpPr>
+          <p:cNvPr id="35" name="Rectangle: Rounded Corners 34">
+            <a:extLst>
+              <a:ext uri="{FF2B5EF4-FFF2-40B4-BE49-F238E27FC236}">
+                <a16:creationId xmlns:a16="http://schemas.microsoft.com/office/drawing/2014/main" id="{6CFD54EF-3563-4E1E-BA61-444F0E38FCAF}"/>
+              </a:ext>
+            </a:extLst>
+          </p:cNvPr>
+          <p:cNvSpPr/>
+          <p:nvPr/>
+        </p:nvSpPr>
+        <p:spPr>
+          <a:xfrm>
+            <a:off x="8156384" y="948583"/>
+            <a:ext cx="3377310" cy="2282990"/>
+          </a:xfrm>
+          <a:prstGeom prst="roundRect">
+            <a:avLst/>
+          </a:prstGeom>
+          <a:noFill/>
+          <a:ln w="9525" cap="flat" cmpd="sng" algn="ctr">
+            <a:solidFill>
+              <a:schemeClr val="accent5"/>
+            </a:solidFill>
+            <a:prstDash val="solid"/>
+            <a:round/>
+            <a:headEnd type="none" w="med" len="med"/>
+            <a:tailEnd type="none" w="med" len="med"/>
+          </a:ln>
+        </p:spPr>
+        <p:style>
+          <a:lnRef idx="0">
+            <a:scrgbClr r="0" g="0" b="0"/>
+          </a:lnRef>
+          <a:fillRef idx="0">
+            <a:scrgbClr r="0" g="0" b="0"/>
+          </a:fillRef>
+          <a:effectRef idx="0">
+            <a:scrgbClr r="0" g="0" b="0"/>
+          </a:effectRef>
+          <a:fontRef idx="minor">
+            <a:schemeClr val="accent5"/>
+          </a:fontRef>
+        </p:style>
+        <p:txBody>
+          <a:bodyPr rtlCol="0" anchor="ctr"/>
+          <a:lstStyle/>
+          <a:p>
+            <a:pPr algn="ctr"/>
             <a:endParaRPr lang="en-IN" dirty="0"/>
           </a:p>
-          <a:p>
+        </p:txBody>
+      </p:sp>
+      <p:sp>
+        <p:nvSpPr>
+          <p:cNvPr id="36" name="Arrow: Notched Right 35">
+            <a:extLst>
+              <a:ext uri="{FF2B5EF4-FFF2-40B4-BE49-F238E27FC236}">
+                <a16:creationId xmlns:a16="http://schemas.microsoft.com/office/drawing/2014/main" id="{EE7AB3FA-2A25-4804-8171-57181C55A79A}"/>
+              </a:ext>
+            </a:extLst>
+          </p:cNvPr>
+          <p:cNvSpPr/>
+          <p:nvPr/>
+        </p:nvSpPr>
+        <p:spPr>
+          <a:xfrm>
+            <a:off x="5330536" y="2493818"/>
+            <a:ext cx="1330243" cy="488373"/>
+          </a:xfrm>
+          <a:prstGeom prst="notchedRightArrow">
+            <a:avLst/>
+          </a:prstGeom>
+        </p:spPr>
+        <p:style>
+          <a:lnRef idx="0">
+            <a:schemeClr val="accent1"/>
+          </a:lnRef>
+          <a:fillRef idx="3">
+            <a:schemeClr val="accent1"/>
+          </a:fillRef>
+          <a:effectRef idx="3">
+            <a:schemeClr val="accent1"/>
+          </a:effectRef>
+          <a:fontRef idx="minor">
+            <a:schemeClr val="lt1"/>
+          </a:fontRef>
+        </p:style>
+        <p:txBody>
+          <a:bodyPr rtlCol="0" anchor="ctr"/>
+          <a:lstStyle/>
+          <a:p>
+            <a:pPr algn="ctr"/>
             <a:endParaRPr lang="en-IN" dirty="0"/>
+          </a:p>
+        </p:txBody>
+      </p:sp>
+      <p:sp>
+        <p:nvSpPr>
+          <p:cNvPr id="37" name="Rectangle 36">
+            <a:extLst>
+              <a:ext uri="{FF2B5EF4-FFF2-40B4-BE49-F238E27FC236}">
+                <a16:creationId xmlns:a16="http://schemas.microsoft.com/office/drawing/2014/main" id="{603B763F-A129-4F43-9C8F-46ADC920488D}"/>
+              </a:ext>
+            </a:extLst>
+          </p:cNvPr>
+          <p:cNvSpPr/>
+          <p:nvPr/>
+        </p:nvSpPr>
+        <p:spPr>
+          <a:xfrm>
+            <a:off x="10359736" y="1028699"/>
+            <a:ext cx="945573" cy="758795"/>
+          </a:xfrm>
+          <a:prstGeom prst="rect">
+            <a:avLst/>
+          </a:prstGeom>
+          <a:noFill/>
+          <a:ln w="9525" cap="flat" cmpd="sng" algn="ctr">
+            <a:solidFill>
+              <a:schemeClr val="accent2"/>
+            </a:solidFill>
+            <a:prstDash val="solid"/>
+            <a:round/>
+            <a:headEnd type="none" w="med" len="med"/>
+            <a:tailEnd type="none" w="med" len="med"/>
+          </a:ln>
+        </p:spPr>
+        <p:style>
+          <a:lnRef idx="0">
+            <a:scrgbClr r="0" g="0" b="0"/>
+          </a:lnRef>
+          <a:fillRef idx="0">
+            <a:scrgbClr r="0" g="0" b="0"/>
+          </a:fillRef>
+          <a:effectRef idx="0">
+            <a:scrgbClr r="0" g="0" b="0"/>
+          </a:effectRef>
+          <a:fontRef idx="minor">
+            <a:schemeClr val="accent2"/>
+          </a:fontRef>
+        </p:style>
+        <p:txBody>
+          <a:bodyPr rtlCol="0" anchor="ctr"/>
+          <a:lstStyle/>
+          <a:p>
+            <a:pPr algn="ctr"/>
+            <a:endParaRPr lang="en-IN" dirty="0"/>
+          </a:p>
+        </p:txBody>
+      </p:sp>
+      <p:graphicFrame>
+        <p:nvGraphicFramePr>
+          <p:cNvPr id="38" name="Table 38">
+            <a:extLst>
+              <a:ext uri="{FF2B5EF4-FFF2-40B4-BE49-F238E27FC236}">
+                <a16:creationId xmlns:a16="http://schemas.microsoft.com/office/drawing/2014/main" id="{459D43AC-705A-4877-A2B3-87CA886241ED}"/>
+              </a:ext>
+            </a:extLst>
+          </p:cNvPr>
+          <p:cNvGraphicFramePr>
+            <a:graphicFrameLocks noGrp="1"/>
+          </p:cNvGraphicFramePr>
+          <p:nvPr>
+            <p:extLst>
+              <p:ext uri="{D42A27DB-BD31-4B8C-83A1-F6EECF244321}">
+                <p14:modId xmlns:p14="http://schemas.microsoft.com/office/powerpoint/2010/main" val="1323569895"/>
+              </p:ext>
+            </p:extLst>
+          </p:nvPr>
+        </p:nvGraphicFramePr>
+        <p:xfrm>
+          <a:off x="3240027" y="5882677"/>
+          <a:ext cx="2948300" cy="904053"/>
+        </p:xfrm>
+        <a:graphic>
+          <a:graphicData uri="http://schemas.openxmlformats.org/drawingml/2006/table">
+            <a:tbl>
+              <a:tblPr firstRow="1" bandRow="1">
+                <a:tableStyleId>{5C22544A-7EE6-4342-B048-85BDC9FD1C3A}</a:tableStyleId>
+              </a:tblPr>
+              <a:tblGrid>
+                <a:gridCol w="1474150">
+                  <a:extLst>
+                    <a:ext uri="{9D8B030D-6E8A-4147-A177-3AD203B41FA5}">
+                      <a16:colId xmlns:a16="http://schemas.microsoft.com/office/drawing/2014/main" val="220746945"/>
+                    </a:ext>
+                  </a:extLst>
+                </a:gridCol>
+                <a:gridCol w="1474150">
+                  <a:extLst>
+                    <a:ext uri="{9D8B030D-6E8A-4147-A177-3AD203B41FA5}">
+                      <a16:colId xmlns:a16="http://schemas.microsoft.com/office/drawing/2014/main" val="1927556346"/>
+                    </a:ext>
+                  </a:extLst>
+                </a:gridCol>
+              </a:tblGrid>
+              <a:tr h="301351">
+                <a:tc>
+                  <a:txBody>
+                    <a:bodyPr/>
+                    <a:lstStyle/>
+                    <a:p>
+                      <a:pPr algn="ctr"/>
+                      <a:r>
+                        <a:rPr lang="en-IN" sz="1000" dirty="0">
+                          <a:latin typeface="Century Gothic" panose="020B0502020202020204" pitchFamily="34" charset="0"/>
+                        </a:rPr>
+                        <a:t>Len = 6</a:t>
+                      </a:r>
+                    </a:p>
+                  </a:txBody>
+                  <a:tcPr>
+                    <a:solidFill>
+                      <a:srgbClr val="0070C0"/>
+                    </a:solidFill>
+                  </a:tcPr>
+                </a:tc>
+                <a:tc>
+                  <a:txBody>
+                    <a:bodyPr/>
+                    <a:lstStyle/>
+                    <a:p>
+                      <a:pPr algn="ctr"/>
+                      <a:r>
+                        <a:rPr lang="en-IN" sz="1000" dirty="0">
+                          <a:latin typeface="Century Gothic" panose="020B0502020202020204" pitchFamily="34" charset="0"/>
+                        </a:rPr>
+                        <a:t>64^6 = 69 billion </a:t>
+                      </a:r>
+                    </a:p>
+                  </a:txBody>
+                  <a:tcPr>
+                    <a:solidFill>
+                      <a:srgbClr val="0070C0"/>
+                    </a:solidFill>
+                  </a:tcPr>
+                </a:tc>
+                <a:extLst>
+                  <a:ext uri="{0D108BD9-81ED-4DB2-BD59-A6C34878D82A}">
+                    <a16:rowId xmlns:a16="http://schemas.microsoft.com/office/drawing/2014/main" val="36620862"/>
+                  </a:ext>
+                </a:extLst>
+              </a:tr>
+              <a:tr h="301351">
+                <a:tc>
+                  <a:txBody>
+                    <a:bodyPr/>
+                    <a:lstStyle/>
+                    <a:p>
+                      <a:pPr marL="0" algn="ctr" defTabSz="914400" rtl="0" eaLnBrk="1" latinLnBrk="0" hangingPunct="1"/>
+                      <a:r>
+                        <a:rPr lang="en-IN" sz="1000" b="1" kern="1200" dirty="0">
+                          <a:solidFill>
+                            <a:schemeClr val="lt1"/>
+                          </a:solidFill>
+                          <a:latin typeface="Century Gothic" panose="020B0502020202020204" pitchFamily="34" charset="0"/>
+                          <a:ea typeface="+mn-ea"/>
+                          <a:cs typeface="+mn-cs"/>
+                        </a:rPr>
+                        <a:t>Len = 7</a:t>
+                      </a:r>
+                    </a:p>
+                  </a:txBody>
+                  <a:tcPr>
+                    <a:solidFill>
+                      <a:srgbClr val="0070C0"/>
+                    </a:solidFill>
+                  </a:tcPr>
+                </a:tc>
+                <a:tc>
+                  <a:txBody>
+                    <a:bodyPr/>
+                    <a:lstStyle/>
+                    <a:p>
+                      <a:pPr marL="0" algn="ctr" defTabSz="914400" rtl="0" eaLnBrk="1" latinLnBrk="0" hangingPunct="1"/>
+                      <a:r>
+                        <a:rPr lang="en-IN" sz="1000" b="1" kern="1200" dirty="0">
+                          <a:solidFill>
+                            <a:schemeClr val="lt1"/>
+                          </a:solidFill>
+                          <a:latin typeface="Century Gothic" panose="020B0502020202020204" pitchFamily="34" charset="0"/>
+                          <a:ea typeface="+mn-ea"/>
+                          <a:cs typeface="+mn-cs"/>
+                        </a:rPr>
+                        <a:t>64^7 = 4 trillion</a:t>
+                      </a:r>
+                    </a:p>
+                  </a:txBody>
+                  <a:tcPr>
+                    <a:solidFill>
+                      <a:srgbClr val="0070C0"/>
+                    </a:solidFill>
+                  </a:tcPr>
+                </a:tc>
+                <a:extLst>
+                  <a:ext uri="{0D108BD9-81ED-4DB2-BD59-A6C34878D82A}">
+                    <a16:rowId xmlns:a16="http://schemas.microsoft.com/office/drawing/2014/main" val="3724343040"/>
+                  </a:ext>
+                </a:extLst>
+              </a:tr>
+              <a:tr h="301351">
+                <a:tc>
+                  <a:txBody>
+                    <a:bodyPr/>
+                    <a:lstStyle/>
+                    <a:p>
+                      <a:pPr marL="0" algn="ctr" defTabSz="914400" rtl="0" eaLnBrk="1" latinLnBrk="0" hangingPunct="1"/>
+                      <a:r>
+                        <a:rPr lang="en-IN" sz="1000" b="1" kern="1200" dirty="0">
+                          <a:solidFill>
+                            <a:schemeClr val="lt1"/>
+                          </a:solidFill>
+                          <a:latin typeface="Century Gothic" panose="020B0502020202020204" pitchFamily="34" charset="0"/>
+                          <a:ea typeface="+mn-ea"/>
+                          <a:cs typeface="+mn-cs"/>
+                        </a:rPr>
+                        <a:t>Len = 8</a:t>
+                      </a:r>
+                    </a:p>
+                  </a:txBody>
+                  <a:tcPr>
+                    <a:solidFill>
+                      <a:srgbClr val="0070C0"/>
+                    </a:solidFill>
+                  </a:tcPr>
+                </a:tc>
+                <a:tc>
+                  <a:txBody>
+                    <a:bodyPr/>
+                    <a:lstStyle/>
+                    <a:p>
+                      <a:pPr marL="0" algn="ctr" defTabSz="914400" rtl="0" eaLnBrk="1" latinLnBrk="0" hangingPunct="1"/>
+                      <a:r>
+                        <a:rPr lang="en-IN" sz="1000" b="1" kern="1200" dirty="0">
+                          <a:solidFill>
+                            <a:schemeClr val="lt1"/>
+                          </a:solidFill>
+                          <a:latin typeface="Century Gothic" panose="020B0502020202020204" pitchFamily="34" charset="0"/>
+                          <a:ea typeface="+mn-ea"/>
+                          <a:cs typeface="+mn-cs"/>
+                        </a:rPr>
+                        <a:t>64^8 = 281 trillion</a:t>
+                      </a:r>
+                    </a:p>
+                  </a:txBody>
+                  <a:tcPr>
+                    <a:solidFill>
+                      <a:srgbClr val="0070C0"/>
+                    </a:solidFill>
+                  </a:tcPr>
+                </a:tc>
+                <a:extLst>
+                  <a:ext uri="{0D108BD9-81ED-4DB2-BD59-A6C34878D82A}">
+                    <a16:rowId xmlns:a16="http://schemas.microsoft.com/office/drawing/2014/main" val="3943200302"/>
+                  </a:ext>
+                </a:extLst>
+              </a:tr>
+            </a:tbl>
+          </a:graphicData>
+        </a:graphic>
+      </p:graphicFrame>
+      <p:sp>
+        <p:nvSpPr>
+          <p:cNvPr id="40" name="TextBox 39">
+            <a:extLst>
+              <a:ext uri="{FF2B5EF4-FFF2-40B4-BE49-F238E27FC236}">
+                <a16:creationId xmlns:a16="http://schemas.microsoft.com/office/drawing/2014/main" id="{3B281FEE-A482-42EE-B76B-E8CFF0FDD888}"/>
+              </a:ext>
+            </a:extLst>
+          </p:cNvPr>
+          <p:cNvSpPr txBox="1"/>
+          <p:nvPr/>
+        </p:nvSpPr>
+        <p:spPr>
+          <a:xfrm>
+            <a:off x="6458741" y="3503776"/>
+            <a:ext cx="5239481" cy="861774"/>
+          </a:xfrm>
+          <a:prstGeom prst="rect">
+            <a:avLst/>
+          </a:prstGeom>
+          <a:noFill/>
+        </p:spPr>
+        <p:txBody>
+          <a:bodyPr wrap="square" rtlCol="0">
+            <a:spAutoFit/>
+          </a:bodyPr>
+          <a:lstStyle/>
+          <a:p>
+            <a:r>
+              <a:rPr lang="en-IN" sz="1000" dirty="0">
+                <a:latin typeface="Century Gothic" panose="020B0502020202020204" pitchFamily="34" charset="0"/>
+              </a:rPr>
+              <a:t>Lets assume that we are planning to select 6 length because it is solving our problem for now. </a:t>
+            </a:r>
+          </a:p>
+          <a:p>
+            <a:endParaRPr lang="en-IN" sz="1000">
+              <a:latin typeface="Century Gothic" panose="020B0502020202020204" pitchFamily="34" charset="0"/>
+            </a:endParaRPr>
+          </a:p>
+          <a:p>
+            <a:endParaRPr lang="en-IN" sz="1000">
+              <a:latin typeface="Century Gothic" panose="020B0502020202020204" pitchFamily="34" charset="0"/>
+            </a:endParaRPr>
+          </a:p>
+          <a:p>
+            <a:endParaRPr lang="en-IN" sz="1000" dirty="0">
+              <a:latin typeface="Century Gothic" panose="020B0502020202020204" pitchFamily="34" charset="0"/>
+            </a:endParaRPr>
           </a:p>
         </p:txBody>
       </p:sp>

--- a/TinyUrl_discussion_Level01.pptx
+++ b/TinyUrl_discussion_Level01.pptx
@@ -9,6 +9,10 @@
     <p:sldId id="257" r:id="rId3"/>
     <p:sldId id="259" r:id="rId4"/>
     <p:sldId id="258" r:id="rId5"/>
+    <p:sldId id="260" r:id="rId6"/>
+    <p:sldId id="261" r:id="rId7"/>
+    <p:sldId id="262" r:id="rId8"/>
+    <p:sldId id="263" r:id="rId9"/>
   </p:sldIdLst>
   <p:sldSz cx="12192000" cy="6858000"/>
   <p:notesSz cx="6858000" cy="9144000"/>
@@ -264,7 +268,7 @@
           <a:p>
             <a:fld id="{BDC0887E-30F6-48B0-B326-7E062E530290}" type="datetimeFigureOut">
               <a:rPr lang="en-IN" smtClean="0"/>
-              <a:t>23-01-2022</a:t>
+              <a:t>26-01-2022</a:t>
             </a:fld>
             <a:endParaRPr lang="en-IN"/>
           </a:p>
@@ -464,7 +468,7 @@
           <a:p>
             <a:fld id="{BDC0887E-30F6-48B0-B326-7E062E530290}" type="datetimeFigureOut">
               <a:rPr lang="en-IN" smtClean="0"/>
-              <a:t>23-01-2022</a:t>
+              <a:t>26-01-2022</a:t>
             </a:fld>
             <a:endParaRPr lang="en-IN"/>
           </a:p>
@@ -674,7 +678,7 @@
           <a:p>
             <a:fld id="{BDC0887E-30F6-48B0-B326-7E062E530290}" type="datetimeFigureOut">
               <a:rPr lang="en-IN" smtClean="0"/>
-              <a:t>23-01-2022</a:t>
+              <a:t>26-01-2022</a:t>
             </a:fld>
             <a:endParaRPr lang="en-IN"/>
           </a:p>
@@ -874,7 +878,7 @@
           <a:p>
             <a:fld id="{BDC0887E-30F6-48B0-B326-7E062E530290}" type="datetimeFigureOut">
               <a:rPr lang="en-IN" smtClean="0"/>
-              <a:t>23-01-2022</a:t>
+              <a:t>26-01-2022</a:t>
             </a:fld>
             <a:endParaRPr lang="en-IN"/>
           </a:p>
@@ -1150,7 +1154,7 @@
           <a:p>
             <a:fld id="{BDC0887E-30F6-48B0-B326-7E062E530290}" type="datetimeFigureOut">
               <a:rPr lang="en-IN" smtClean="0"/>
-              <a:t>23-01-2022</a:t>
+              <a:t>26-01-2022</a:t>
             </a:fld>
             <a:endParaRPr lang="en-IN"/>
           </a:p>
@@ -1418,7 +1422,7 @@
           <a:p>
             <a:fld id="{BDC0887E-30F6-48B0-B326-7E062E530290}" type="datetimeFigureOut">
               <a:rPr lang="en-IN" smtClean="0"/>
-              <a:t>23-01-2022</a:t>
+              <a:t>26-01-2022</a:t>
             </a:fld>
             <a:endParaRPr lang="en-IN"/>
           </a:p>
@@ -1833,7 +1837,7 @@
           <a:p>
             <a:fld id="{BDC0887E-30F6-48B0-B326-7E062E530290}" type="datetimeFigureOut">
               <a:rPr lang="en-IN" smtClean="0"/>
-              <a:t>23-01-2022</a:t>
+              <a:t>26-01-2022</a:t>
             </a:fld>
             <a:endParaRPr lang="en-IN"/>
           </a:p>
@@ -1975,7 +1979,7 @@
           <a:p>
             <a:fld id="{BDC0887E-30F6-48B0-B326-7E062E530290}" type="datetimeFigureOut">
               <a:rPr lang="en-IN" smtClean="0"/>
-              <a:t>23-01-2022</a:t>
+              <a:t>26-01-2022</a:t>
             </a:fld>
             <a:endParaRPr lang="en-IN"/>
           </a:p>
@@ -2088,7 +2092,7 @@
           <a:p>
             <a:fld id="{BDC0887E-30F6-48B0-B326-7E062E530290}" type="datetimeFigureOut">
               <a:rPr lang="en-IN" smtClean="0"/>
-              <a:t>23-01-2022</a:t>
+              <a:t>26-01-2022</a:t>
             </a:fld>
             <a:endParaRPr lang="en-IN"/>
           </a:p>
@@ -2401,7 +2405,7 @@
           <a:p>
             <a:fld id="{BDC0887E-30F6-48B0-B326-7E062E530290}" type="datetimeFigureOut">
               <a:rPr lang="en-IN" smtClean="0"/>
-              <a:t>23-01-2022</a:t>
+              <a:t>26-01-2022</a:t>
             </a:fld>
             <a:endParaRPr lang="en-IN"/>
           </a:p>
@@ -2690,7 +2694,7 @@
           <a:p>
             <a:fld id="{BDC0887E-30F6-48B0-B326-7E062E530290}" type="datetimeFigureOut">
               <a:rPr lang="en-IN" smtClean="0"/>
-              <a:t>23-01-2022</a:t>
+              <a:t>26-01-2022</a:t>
             </a:fld>
             <a:endParaRPr lang="en-IN"/>
           </a:p>
@@ -2933,7 +2937,7 @@
           <a:p>
             <a:fld id="{BDC0887E-30F6-48B0-B326-7E062E530290}" type="datetimeFigureOut">
               <a:rPr lang="en-IN" smtClean="0"/>
-              <a:t>23-01-2022</a:t>
+              <a:t>26-01-2022</a:t>
             </a:fld>
             <a:endParaRPr lang="en-IN"/>
           </a:p>
@@ -4160,7 +4164,7 @@
         </p:nvSpPr>
         <p:spPr>
           <a:xfrm>
-            <a:off x="8648700" y="5248275"/>
+            <a:off x="9006868" y="5240039"/>
             <a:ext cx="314324" cy="304800"/>
           </a:xfrm>
           <a:prstGeom prst="mathEqual">
@@ -6920,7 +6924,7 @@
                 <a:effectLst/>
                 <a:latin typeface="Nunito Sans" pitchFamily="2" charset="0"/>
               </a:rPr>
-              <a:t>High Level - System design blocks</a:t>
+              <a:t>High Level - System design blocks 1/5</a:t>
             </a:r>
           </a:p>
         </p:txBody>
@@ -7238,561 +7242,538 @@
           </a:p>
         </p:txBody>
       </p:sp>
-      <p:pic>
-        <p:nvPicPr>
-          <p:cNvPr id="23" name="Picture 22">
-            <a:extLst>
-              <a:ext uri="{FF2B5EF4-FFF2-40B4-BE49-F238E27FC236}">
-                <a16:creationId xmlns:a16="http://schemas.microsoft.com/office/drawing/2014/main" id="{956D2247-9B8B-4323-B96C-73A5987CE3C9}"/>
-              </a:ext>
-            </a:extLst>
-          </p:cNvPr>
-          <p:cNvPicPr>
-            <a:picLocks noChangeAspect="1"/>
-          </p:cNvPicPr>
+      <p:grpSp>
+        <p:nvGrpSpPr>
+          <p:cNvPr id="2" name="Group 1">
+            <a:extLst>
+              <a:ext uri="{FF2B5EF4-FFF2-40B4-BE49-F238E27FC236}">
+                <a16:creationId xmlns:a16="http://schemas.microsoft.com/office/drawing/2014/main" id="{A1E5E76C-07B1-4E3C-B749-6A967128E222}"/>
+              </a:ext>
+            </a:extLst>
+          </p:cNvPr>
+          <p:cNvGrpSpPr/>
           <p:nvPr/>
-        </p:nvPicPr>
-        <p:blipFill>
-          <a:blip r:embed="rId3"/>
-          <a:stretch>
-            <a:fillRect/>
-          </a:stretch>
-        </p:blipFill>
-        <p:spPr>
-          <a:xfrm>
-            <a:off x="6458741" y="871671"/>
-            <a:ext cx="5239481" cy="2495898"/>
-          </a:xfrm>
-          <a:prstGeom prst="rect">
-            <a:avLst/>
-          </a:prstGeom>
-        </p:spPr>
-      </p:pic>
-      <p:sp>
-        <p:nvSpPr>
-          <p:cNvPr id="24" name="Rectangle 23">
-            <a:extLst>
-              <a:ext uri="{FF2B5EF4-FFF2-40B4-BE49-F238E27FC236}">
-                <a16:creationId xmlns:a16="http://schemas.microsoft.com/office/drawing/2014/main" id="{92A5597F-D427-4CC9-B338-150B55528393}"/>
-              </a:ext>
-            </a:extLst>
-          </p:cNvPr>
-          <p:cNvSpPr/>
-          <p:nvPr/>
-        </p:nvSpPr>
-        <p:spPr>
+        </p:nvGrpSpPr>
+        <p:grpSpPr>
           <a:xfrm>
             <a:off x="6446982" y="871671"/>
-            <a:ext cx="5264727" cy="2481129"/>
+            <a:ext cx="5264727" cy="2495898"/>
+            <a:chOff x="6446982" y="871671"/>
+            <a:chExt cx="5264727" cy="2495898"/>
           </a:xfrm>
-          <a:prstGeom prst="rect">
-            <a:avLst/>
-          </a:prstGeom>
-          <a:noFill/>
-          <a:ln w="9525" cap="flat" cmpd="sng" algn="ctr">
-            <a:solidFill>
+        </p:grpSpPr>
+        <p:pic>
+          <p:nvPicPr>
+            <p:cNvPr id="23" name="Picture 22">
+              <a:extLst>
+                <a:ext uri="{FF2B5EF4-FFF2-40B4-BE49-F238E27FC236}">
+                  <a16:creationId xmlns:a16="http://schemas.microsoft.com/office/drawing/2014/main" id="{956D2247-9B8B-4323-B96C-73A5987CE3C9}"/>
+                </a:ext>
+              </a:extLst>
+            </p:cNvPr>
+            <p:cNvPicPr>
+              <a:picLocks noChangeAspect="1"/>
+            </p:cNvPicPr>
+            <p:nvPr/>
+          </p:nvPicPr>
+          <p:blipFill>
+            <a:blip r:embed="rId3"/>
+            <a:stretch>
+              <a:fillRect/>
+            </a:stretch>
+          </p:blipFill>
+          <p:spPr>
+            <a:xfrm>
+              <a:off x="6458741" y="871671"/>
+              <a:ext cx="5239481" cy="2495898"/>
+            </a:xfrm>
+            <a:prstGeom prst="rect">
+              <a:avLst/>
+            </a:prstGeom>
+          </p:spPr>
+        </p:pic>
+        <p:sp>
+          <p:nvSpPr>
+            <p:cNvPr id="24" name="Rectangle 23">
+              <a:extLst>
+                <a:ext uri="{FF2B5EF4-FFF2-40B4-BE49-F238E27FC236}">
+                  <a16:creationId xmlns:a16="http://schemas.microsoft.com/office/drawing/2014/main" id="{92A5597F-D427-4CC9-B338-150B55528393}"/>
+                </a:ext>
+              </a:extLst>
+            </p:cNvPr>
+            <p:cNvSpPr/>
+            <p:nvPr/>
+          </p:nvSpPr>
+          <p:spPr>
+            <a:xfrm>
+              <a:off x="6446982" y="871671"/>
+              <a:ext cx="5264727" cy="2481129"/>
+            </a:xfrm>
+            <a:prstGeom prst="rect">
+              <a:avLst/>
+            </a:prstGeom>
+            <a:noFill/>
+            <a:ln w="9525" cap="flat" cmpd="sng" algn="ctr">
+              <a:solidFill>
+                <a:schemeClr val="accent3"/>
+              </a:solidFill>
+              <a:prstDash val="solid"/>
+              <a:round/>
+              <a:headEnd type="none" w="med" len="med"/>
+              <a:tailEnd type="none" w="med" len="med"/>
+            </a:ln>
+          </p:spPr>
+          <p:style>
+            <a:lnRef idx="0">
+              <a:scrgbClr r="0" g="0" b="0"/>
+            </a:lnRef>
+            <a:fillRef idx="0">
+              <a:scrgbClr r="0" g="0" b="0"/>
+            </a:fillRef>
+            <a:effectRef idx="0">
+              <a:scrgbClr r="0" g="0" b="0"/>
+            </a:effectRef>
+            <a:fontRef idx="minor">
               <a:schemeClr val="accent3"/>
-            </a:solidFill>
-            <a:prstDash val="solid"/>
-            <a:round/>
-            <a:headEnd type="none" w="med" len="med"/>
-            <a:tailEnd type="none" w="med" len="med"/>
-          </a:ln>
-        </p:spPr>
-        <p:style>
-          <a:lnRef idx="0">
-            <a:scrgbClr r="0" g="0" b="0"/>
-          </a:lnRef>
-          <a:fillRef idx="0">
-            <a:scrgbClr r="0" g="0" b="0"/>
-          </a:fillRef>
-          <a:effectRef idx="0">
-            <a:scrgbClr r="0" g="0" b="0"/>
-          </a:effectRef>
-          <a:fontRef idx="minor">
-            <a:schemeClr val="accent3"/>
-          </a:fontRef>
-        </p:style>
-        <p:txBody>
-          <a:bodyPr rtlCol="0" anchor="ctr"/>
-          <a:lstStyle/>
-          <a:p>
-            <a:pPr algn="ctr"/>
-            <a:endParaRPr lang="en-IN" dirty="0"/>
-          </a:p>
-        </p:txBody>
-      </p:sp>
-      <p:sp>
-        <p:nvSpPr>
-          <p:cNvPr id="25" name="Oval 24">
-            <a:extLst>
-              <a:ext uri="{FF2B5EF4-FFF2-40B4-BE49-F238E27FC236}">
-                <a16:creationId xmlns:a16="http://schemas.microsoft.com/office/drawing/2014/main" id="{2C1896E0-9F15-4ABC-B139-E13C730485FE}"/>
-              </a:ext>
-            </a:extLst>
-          </p:cNvPr>
-          <p:cNvSpPr/>
-          <p:nvPr/>
-        </p:nvSpPr>
-        <p:spPr>
-          <a:xfrm>
-            <a:off x="7469629" y="948583"/>
-            <a:ext cx="256374" cy="256374"/>
-          </a:xfrm>
-          <a:prstGeom prst="ellipse">
-            <a:avLst/>
-          </a:prstGeom>
-        </p:spPr>
-        <p:style>
-          <a:lnRef idx="0">
-            <a:schemeClr val="accent5"/>
-          </a:lnRef>
-          <a:fillRef idx="3">
-            <a:schemeClr val="accent5"/>
-          </a:fillRef>
-          <a:effectRef idx="3">
-            <a:schemeClr val="accent5"/>
-          </a:effectRef>
-          <a:fontRef idx="minor">
-            <a:schemeClr val="lt1"/>
-          </a:fontRef>
-        </p:style>
-        <p:txBody>
-          <a:bodyPr rtlCol="0" anchor="ctr"/>
-          <a:lstStyle/>
-          <a:p>
-            <a:pPr algn="ctr"/>
-            <a:r>
-              <a:rPr lang="en-IN" sz="1600" dirty="0"/>
-              <a:t>1</a:t>
-            </a:r>
-          </a:p>
-        </p:txBody>
-      </p:sp>
-      <p:sp>
-        <p:nvSpPr>
-          <p:cNvPr id="26" name="Oval 25">
-            <a:extLst>
-              <a:ext uri="{FF2B5EF4-FFF2-40B4-BE49-F238E27FC236}">
-                <a16:creationId xmlns:a16="http://schemas.microsoft.com/office/drawing/2014/main" id="{9529E07A-D8C2-4079-AF74-5BD3544D42AA}"/>
-              </a:ext>
-            </a:extLst>
-          </p:cNvPr>
-          <p:cNvSpPr/>
-          <p:nvPr/>
-        </p:nvSpPr>
-        <p:spPr>
-          <a:xfrm>
-            <a:off x="9455738" y="948583"/>
-            <a:ext cx="256374" cy="256374"/>
-          </a:xfrm>
-          <a:prstGeom prst="ellipse">
-            <a:avLst/>
-          </a:prstGeom>
-        </p:spPr>
-        <p:style>
-          <a:lnRef idx="0">
-            <a:schemeClr val="accent5"/>
-          </a:lnRef>
-          <a:fillRef idx="3">
-            <a:schemeClr val="accent5"/>
-          </a:fillRef>
-          <a:effectRef idx="3">
-            <a:schemeClr val="accent5"/>
-          </a:effectRef>
-          <a:fontRef idx="minor">
-            <a:schemeClr val="lt1"/>
-          </a:fontRef>
-        </p:style>
-        <p:txBody>
-          <a:bodyPr rtlCol="0" anchor="ctr"/>
-          <a:lstStyle/>
-          <a:p>
-            <a:pPr algn="ctr"/>
-            <a:r>
-              <a:rPr lang="en-IN" sz="1600" dirty="0"/>
-              <a:t>2</a:t>
-            </a:r>
-          </a:p>
-        </p:txBody>
-      </p:sp>
-      <p:sp>
-        <p:nvSpPr>
-          <p:cNvPr id="27" name="Oval 26">
-            <a:extLst>
-              <a:ext uri="{FF2B5EF4-FFF2-40B4-BE49-F238E27FC236}">
-                <a16:creationId xmlns:a16="http://schemas.microsoft.com/office/drawing/2014/main" id="{655BE4BA-0271-49FE-9EDD-9382BAE787B7}"/>
-              </a:ext>
-            </a:extLst>
-          </p:cNvPr>
-          <p:cNvSpPr/>
-          <p:nvPr/>
-        </p:nvSpPr>
-        <p:spPr>
-          <a:xfrm>
-            <a:off x="9455738" y="1743758"/>
-            <a:ext cx="256374" cy="256374"/>
-          </a:xfrm>
-          <a:prstGeom prst="ellipse">
-            <a:avLst/>
-          </a:prstGeom>
-        </p:spPr>
-        <p:style>
-          <a:lnRef idx="0">
-            <a:schemeClr val="accent5"/>
-          </a:lnRef>
-          <a:fillRef idx="3">
-            <a:schemeClr val="accent5"/>
-          </a:fillRef>
-          <a:effectRef idx="3">
-            <a:schemeClr val="accent5"/>
-          </a:effectRef>
-          <a:fontRef idx="minor">
-            <a:schemeClr val="lt1"/>
-          </a:fontRef>
-        </p:style>
-        <p:txBody>
-          <a:bodyPr rtlCol="0" anchor="ctr"/>
-          <a:lstStyle/>
-          <a:p>
-            <a:pPr algn="ctr"/>
-            <a:r>
-              <a:rPr lang="en-IN" sz="1600" dirty="0"/>
-              <a:t>3</a:t>
-            </a:r>
-          </a:p>
-        </p:txBody>
-      </p:sp>
-      <p:sp>
-        <p:nvSpPr>
-          <p:cNvPr id="28" name="Oval 27">
-            <a:extLst>
-              <a:ext uri="{FF2B5EF4-FFF2-40B4-BE49-F238E27FC236}">
-                <a16:creationId xmlns:a16="http://schemas.microsoft.com/office/drawing/2014/main" id="{BEFB0D60-D449-4230-9E68-8F36D3083731}"/>
-              </a:ext>
-            </a:extLst>
-          </p:cNvPr>
-          <p:cNvSpPr/>
-          <p:nvPr/>
-        </p:nvSpPr>
-        <p:spPr>
-          <a:xfrm>
-            <a:off x="10565267" y="2112235"/>
-            <a:ext cx="256374" cy="256374"/>
-          </a:xfrm>
-          <a:prstGeom prst="ellipse">
-            <a:avLst/>
-          </a:prstGeom>
-        </p:spPr>
-        <p:style>
-          <a:lnRef idx="0">
-            <a:schemeClr val="accent5"/>
-          </a:lnRef>
-          <a:fillRef idx="3">
-            <a:schemeClr val="accent5"/>
-          </a:fillRef>
-          <a:effectRef idx="3">
-            <a:schemeClr val="accent5"/>
-          </a:effectRef>
-          <a:fontRef idx="minor">
-            <a:schemeClr val="lt1"/>
-          </a:fontRef>
-        </p:style>
-        <p:txBody>
-          <a:bodyPr rtlCol="0" anchor="ctr"/>
-          <a:lstStyle/>
-          <a:p>
-            <a:pPr algn="ctr"/>
-            <a:r>
-              <a:rPr lang="en-IN" sz="1600" dirty="0"/>
-              <a:t>4</a:t>
-            </a:r>
-          </a:p>
-        </p:txBody>
-      </p:sp>
-      <p:sp>
-        <p:nvSpPr>
-          <p:cNvPr id="29" name="Oval 28">
-            <a:extLst>
-              <a:ext uri="{FF2B5EF4-FFF2-40B4-BE49-F238E27FC236}">
-                <a16:creationId xmlns:a16="http://schemas.microsoft.com/office/drawing/2014/main" id="{9A42AA1C-E6DB-4AC4-94DE-16D316F0880B}"/>
-              </a:ext>
-            </a:extLst>
-          </p:cNvPr>
-          <p:cNvSpPr/>
-          <p:nvPr/>
-        </p:nvSpPr>
-        <p:spPr>
-          <a:xfrm>
-            <a:off x="8383817" y="1984048"/>
-            <a:ext cx="256374" cy="256374"/>
-          </a:xfrm>
-          <a:prstGeom prst="ellipse">
-            <a:avLst/>
-          </a:prstGeom>
-        </p:spPr>
-        <p:style>
-          <a:lnRef idx="0">
-            <a:schemeClr val="accent5"/>
-          </a:lnRef>
-          <a:fillRef idx="3">
-            <a:schemeClr val="accent5"/>
-          </a:fillRef>
-          <a:effectRef idx="3">
-            <a:schemeClr val="accent5"/>
-          </a:effectRef>
-          <a:fontRef idx="minor">
-            <a:schemeClr val="lt1"/>
-          </a:fontRef>
-        </p:style>
-        <p:txBody>
-          <a:bodyPr rtlCol="0" anchor="ctr"/>
-          <a:lstStyle/>
-          <a:p>
-            <a:pPr algn="ctr"/>
-            <a:r>
-              <a:rPr lang="en-IN" sz="1600" dirty="0"/>
-              <a:t>5</a:t>
-            </a:r>
-          </a:p>
-        </p:txBody>
-      </p:sp>
-      <p:sp>
-        <p:nvSpPr>
-          <p:cNvPr id="30" name="Oval 29">
-            <a:extLst>
-              <a:ext uri="{FF2B5EF4-FFF2-40B4-BE49-F238E27FC236}">
-                <a16:creationId xmlns:a16="http://schemas.microsoft.com/office/drawing/2014/main" id="{54D18CA5-282E-45C0-B06B-509C4188630C}"/>
-              </a:ext>
-            </a:extLst>
-          </p:cNvPr>
-          <p:cNvSpPr/>
-          <p:nvPr/>
-        </p:nvSpPr>
-        <p:spPr>
-          <a:xfrm>
-            <a:off x="7469629" y="1693754"/>
-            <a:ext cx="256374" cy="256374"/>
-          </a:xfrm>
-          <a:prstGeom prst="ellipse">
-            <a:avLst/>
-          </a:prstGeom>
-        </p:spPr>
-        <p:style>
-          <a:lnRef idx="0">
-            <a:schemeClr val="accent5"/>
-          </a:lnRef>
-          <a:fillRef idx="3">
-            <a:schemeClr val="accent5"/>
-          </a:fillRef>
-          <a:effectRef idx="3">
-            <a:schemeClr val="accent5"/>
-          </a:effectRef>
-          <a:fontRef idx="minor">
-            <a:schemeClr val="lt1"/>
-          </a:fontRef>
-        </p:style>
-        <p:txBody>
-          <a:bodyPr rtlCol="0" anchor="ctr"/>
-          <a:lstStyle/>
-          <a:p>
-            <a:pPr algn="ctr"/>
-            <a:r>
-              <a:rPr lang="en-IN" sz="1600" dirty="0"/>
-              <a:t>6</a:t>
-            </a:r>
-          </a:p>
-        </p:txBody>
-      </p:sp>
-      <p:sp>
-        <p:nvSpPr>
-          <p:cNvPr id="31" name="TextBox 30">
-            <a:extLst>
-              <a:ext uri="{FF2B5EF4-FFF2-40B4-BE49-F238E27FC236}">
-                <a16:creationId xmlns:a16="http://schemas.microsoft.com/office/drawing/2014/main" id="{33A7460D-522D-4D30-8F40-F84AACCC2D3C}"/>
-              </a:ext>
-            </a:extLst>
-          </p:cNvPr>
-          <p:cNvSpPr txBox="1"/>
-          <p:nvPr/>
-        </p:nvSpPr>
-        <p:spPr>
-          <a:xfrm>
-            <a:off x="6674266" y="2590800"/>
-            <a:ext cx="666571" cy="246221"/>
-          </a:xfrm>
-          <a:prstGeom prst="rect">
-            <a:avLst/>
-          </a:prstGeom>
-          <a:noFill/>
-        </p:spPr>
-        <p:txBody>
-          <a:bodyPr wrap="square" rtlCol="0">
-            <a:spAutoFit/>
-          </a:bodyPr>
-          <a:lstStyle/>
-          <a:p>
-            <a:r>
-              <a:rPr lang="en-IN" sz="1000" b="1" dirty="0">
-                <a:latin typeface="Century Gothic" panose="020B0502020202020204" pitchFamily="34" charset="0"/>
-              </a:rPr>
-              <a:t>PICT-01</a:t>
-            </a:r>
-          </a:p>
-        </p:txBody>
-      </p:sp>
-      <p:sp>
-        <p:nvSpPr>
-          <p:cNvPr id="35" name="Rectangle: Rounded Corners 34">
-            <a:extLst>
-              <a:ext uri="{FF2B5EF4-FFF2-40B4-BE49-F238E27FC236}">
-                <a16:creationId xmlns:a16="http://schemas.microsoft.com/office/drawing/2014/main" id="{6CFD54EF-3563-4E1E-BA61-444F0E38FCAF}"/>
-              </a:ext>
-            </a:extLst>
-          </p:cNvPr>
-          <p:cNvSpPr/>
-          <p:nvPr/>
-        </p:nvSpPr>
-        <p:spPr>
-          <a:xfrm>
-            <a:off x="8156384" y="948583"/>
-            <a:ext cx="3377310" cy="2282990"/>
-          </a:xfrm>
-          <a:prstGeom prst="roundRect">
-            <a:avLst/>
-          </a:prstGeom>
-          <a:noFill/>
-          <a:ln w="9525" cap="flat" cmpd="sng" algn="ctr">
-            <a:solidFill>
+            </a:fontRef>
+          </p:style>
+          <p:txBody>
+            <a:bodyPr rtlCol="0" anchor="ctr"/>
+            <a:lstStyle/>
+            <a:p>
+              <a:pPr algn="ctr"/>
+              <a:endParaRPr lang="en-IN" dirty="0"/>
+            </a:p>
+          </p:txBody>
+        </p:sp>
+        <p:sp>
+          <p:nvSpPr>
+            <p:cNvPr id="25" name="Oval 24">
+              <a:extLst>
+                <a:ext uri="{FF2B5EF4-FFF2-40B4-BE49-F238E27FC236}">
+                  <a16:creationId xmlns:a16="http://schemas.microsoft.com/office/drawing/2014/main" id="{2C1896E0-9F15-4ABC-B139-E13C730485FE}"/>
+                </a:ext>
+              </a:extLst>
+            </p:cNvPr>
+            <p:cNvSpPr/>
+            <p:nvPr/>
+          </p:nvSpPr>
+          <p:spPr>
+            <a:xfrm>
+              <a:off x="7469629" y="948583"/>
+              <a:ext cx="256374" cy="256374"/>
+            </a:xfrm>
+            <a:prstGeom prst="ellipse">
+              <a:avLst/>
+            </a:prstGeom>
+          </p:spPr>
+          <p:style>
+            <a:lnRef idx="0">
               <a:schemeClr val="accent5"/>
-            </a:solidFill>
-            <a:prstDash val="solid"/>
-            <a:round/>
-            <a:headEnd type="none" w="med" len="med"/>
-            <a:tailEnd type="none" w="med" len="med"/>
-          </a:ln>
-        </p:spPr>
-        <p:style>
-          <a:lnRef idx="0">
-            <a:scrgbClr r="0" g="0" b="0"/>
-          </a:lnRef>
-          <a:fillRef idx="0">
-            <a:scrgbClr r="0" g="0" b="0"/>
-          </a:fillRef>
-          <a:effectRef idx="0">
-            <a:scrgbClr r="0" g="0" b="0"/>
-          </a:effectRef>
-          <a:fontRef idx="minor">
-            <a:schemeClr val="accent5"/>
-          </a:fontRef>
-        </p:style>
-        <p:txBody>
-          <a:bodyPr rtlCol="0" anchor="ctr"/>
-          <a:lstStyle/>
-          <a:p>
-            <a:pPr algn="ctr"/>
-            <a:endParaRPr lang="en-IN" dirty="0"/>
-          </a:p>
-        </p:txBody>
-      </p:sp>
-      <p:sp>
-        <p:nvSpPr>
-          <p:cNvPr id="36" name="Arrow: Notched Right 35">
-            <a:extLst>
-              <a:ext uri="{FF2B5EF4-FFF2-40B4-BE49-F238E27FC236}">
-                <a16:creationId xmlns:a16="http://schemas.microsoft.com/office/drawing/2014/main" id="{EE7AB3FA-2A25-4804-8171-57181C55A79A}"/>
-              </a:ext>
-            </a:extLst>
-          </p:cNvPr>
-          <p:cNvSpPr/>
-          <p:nvPr/>
-        </p:nvSpPr>
-        <p:spPr>
-          <a:xfrm>
-            <a:off x="5330536" y="2493818"/>
-            <a:ext cx="1330243" cy="488373"/>
-          </a:xfrm>
-          <a:prstGeom prst="notchedRightArrow">
-            <a:avLst/>
-          </a:prstGeom>
-        </p:spPr>
-        <p:style>
-          <a:lnRef idx="0">
-            <a:schemeClr val="accent1"/>
-          </a:lnRef>
-          <a:fillRef idx="3">
-            <a:schemeClr val="accent1"/>
-          </a:fillRef>
-          <a:effectRef idx="3">
-            <a:schemeClr val="accent1"/>
-          </a:effectRef>
-          <a:fontRef idx="minor">
-            <a:schemeClr val="lt1"/>
-          </a:fontRef>
-        </p:style>
-        <p:txBody>
-          <a:bodyPr rtlCol="0" anchor="ctr"/>
-          <a:lstStyle/>
-          <a:p>
-            <a:pPr algn="ctr"/>
-            <a:endParaRPr lang="en-IN" dirty="0"/>
-          </a:p>
-        </p:txBody>
-      </p:sp>
-      <p:sp>
-        <p:nvSpPr>
-          <p:cNvPr id="37" name="Rectangle 36">
-            <a:extLst>
-              <a:ext uri="{FF2B5EF4-FFF2-40B4-BE49-F238E27FC236}">
-                <a16:creationId xmlns:a16="http://schemas.microsoft.com/office/drawing/2014/main" id="{603B763F-A129-4F43-9C8F-46ADC920488D}"/>
-              </a:ext>
-            </a:extLst>
-          </p:cNvPr>
-          <p:cNvSpPr/>
-          <p:nvPr/>
-        </p:nvSpPr>
-        <p:spPr>
-          <a:xfrm>
-            <a:off x="10359736" y="1028699"/>
-            <a:ext cx="945573" cy="758795"/>
-          </a:xfrm>
-          <a:prstGeom prst="rect">
-            <a:avLst/>
-          </a:prstGeom>
-          <a:noFill/>
-          <a:ln w="9525" cap="flat" cmpd="sng" algn="ctr">
-            <a:solidFill>
+            </a:lnRef>
+            <a:fillRef idx="3">
+              <a:schemeClr val="accent5"/>
+            </a:fillRef>
+            <a:effectRef idx="3">
+              <a:schemeClr val="accent5"/>
+            </a:effectRef>
+            <a:fontRef idx="minor">
+              <a:schemeClr val="lt1"/>
+            </a:fontRef>
+          </p:style>
+          <p:txBody>
+            <a:bodyPr rtlCol="0" anchor="ctr"/>
+            <a:lstStyle/>
+            <a:p>
+              <a:pPr algn="ctr"/>
+              <a:r>
+                <a:rPr lang="en-IN" sz="1600" dirty="0"/>
+                <a:t>1</a:t>
+              </a:r>
+            </a:p>
+          </p:txBody>
+        </p:sp>
+        <p:sp>
+          <p:nvSpPr>
+            <p:cNvPr id="26" name="Oval 25">
+              <a:extLst>
+                <a:ext uri="{FF2B5EF4-FFF2-40B4-BE49-F238E27FC236}">
+                  <a16:creationId xmlns:a16="http://schemas.microsoft.com/office/drawing/2014/main" id="{9529E07A-D8C2-4079-AF74-5BD3544D42AA}"/>
+                </a:ext>
+              </a:extLst>
+            </p:cNvPr>
+            <p:cNvSpPr/>
+            <p:nvPr/>
+          </p:nvSpPr>
+          <p:spPr>
+            <a:xfrm>
+              <a:off x="9455738" y="948583"/>
+              <a:ext cx="256374" cy="256374"/>
+            </a:xfrm>
+            <a:prstGeom prst="ellipse">
+              <a:avLst/>
+            </a:prstGeom>
+          </p:spPr>
+          <p:style>
+            <a:lnRef idx="0">
+              <a:schemeClr val="accent5"/>
+            </a:lnRef>
+            <a:fillRef idx="3">
+              <a:schemeClr val="accent5"/>
+            </a:fillRef>
+            <a:effectRef idx="3">
+              <a:schemeClr val="accent5"/>
+            </a:effectRef>
+            <a:fontRef idx="minor">
+              <a:schemeClr val="lt1"/>
+            </a:fontRef>
+          </p:style>
+          <p:txBody>
+            <a:bodyPr rtlCol="0" anchor="ctr"/>
+            <a:lstStyle/>
+            <a:p>
+              <a:pPr algn="ctr"/>
+              <a:r>
+                <a:rPr lang="en-IN" sz="1600" dirty="0"/>
+                <a:t>2</a:t>
+              </a:r>
+            </a:p>
+          </p:txBody>
+        </p:sp>
+        <p:sp>
+          <p:nvSpPr>
+            <p:cNvPr id="27" name="Oval 26">
+              <a:extLst>
+                <a:ext uri="{FF2B5EF4-FFF2-40B4-BE49-F238E27FC236}">
+                  <a16:creationId xmlns:a16="http://schemas.microsoft.com/office/drawing/2014/main" id="{655BE4BA-0271-49FE-9EDD-9382BAE787B7}"/>
+                </a:ext>
+              </a:extLst>
+            </p:cNvPr>
+            <p:cNvSpPr/>
+            <p:nvPr/>
+          </p:nvSpPr>
+          <p:spPr>
+            <a:xfrm>
+              <a:off x="9455738" y="1743758"/>
+              <a:ext cx="256374" cy="256374"/>
+            </a:xfrm>
+            <a:prstGeom prst="ellipse">
+              <a:avLst/>
+            </a:prstGeom>
+          </p:spPr>
+          <p:style>
+            <a:lnRef idx="0">
+              <a:schemeClr val="accent5"/>
+            </a:lnRef>
+            <a:fillRef idx="3">
+              <a:schemeClr val="accent5"/>
+            </a:fillRef>
+            <a:effectRef idx="3">
+              <a:schemeClr val="accent5"/>
+            </a:effectRef>
+            <a:fontRef idx="minor">
+              <a:schemeClr val="lt1"/>
+            </a:fontRef>
+          </p:style>
+          <p:txBody>
+            <a:bodyPr rtlCol="0" anchor="ctr"/>
+            <a:lstStyle/>
+            <a:p>
+              <a:pPr algn="ctr"/>
+              <a:r>
+                <a:rPr lang="en-IN" sz="1600" dirty="0"/>
+                <a:t>3</a:t>
+              </a:r>
+            </a:p>
+          </p:txBody>
+        </p:sp>
+        <p:sp>
+          <p:nvSpPr>
+            <p:cNvPr id="28" name="Oval 27">
+              <a:extLst>
+                <a:ext uri="{FF2B5EF4-FFF2-40B4-BE49-F238E27FC236}">
+                  <a16:creationId xmlns:a16="http://schemas.microsoft.com/office/drawing/2014/main" id="{BEFB0D60-D449-4230-9E68-8F36D3083731}"/>
+                </a:ext>
+              </a:extLst>
+            </p:cNvPr>
+            <p:cNvSpPr/>
+            <p:nvPr/>
+          </p:nvSpPr>
+          <p:spPr>
+            <a:xfrm>
+              <a:off x="10565267" y="2112235"/>
+              <a:ext cx="256374" cy="256374"/>
+            </a:xfrm>
+            <a:prstGeom prst="ellipse">
+              <a:avLst/>
+            </a:prstGeom>
+          </p:spPr>
+          <p:style>
+            <a:lnRef idx="0">
+              <a:schemeClr val="accent5"/>
+            </a:lnRef>
+            <a:fillRef idx="3">
+              <a:schemeClr val="accent5"/>
+            </a:fillRef>
+            <a:effectRef idx="3">
+              <a:schemeClr val="accent5"/>
+            </a:effectRef>
+            <a:fontRef idx="minor">
+              <a:schemeClr val="lt1"/>
+            </a:fontRef>
+          </p:style>
+          <p:txBody>
+            <a:bodyPr rtlCol="0" anchor="ctr"/>
+            <a:lstStyle/>
+            <a:p>
+              <a:pPr algn="ctr"/>
+              <a:r>
+                <a:rPr lang="en-IN" sz="1600" dirty="0"/>
+                <a:t>4</a:t>
+              </a:r>
+            </a:p>
+          </p:txBody>
+        </p:sp>
+        <p:sp>
+          <p:nvSpPr>
+            <p:cNvPr id="29" name="Oval 28">
+              <a:extLst>
+                <a:ext uri="{FF2B5EF4-FFF2-40B4-BE49-F238E27FC236}">
+                  <a16:creationId xmlns:a16="http://schemas.microsoft.com/office/drawing/2014/main" id="{9A42AA1C-E6DB-4AC4-94DE-16D316F0880B}"/>
+                </a:ext>
+              </a:extLst>
+            </p:cNvPr>
+            <p:cNvSpPr/>
+            <p:nvPr/>
+          </p:nvSpPr>
+          <p:spPr>
+            <a:xfrm>
+              <a:off x="8383817" y="1984048"/>
+              <a:ext cx="256374" cy="256374"/>
+            </a:xfrm>
+            <a:prstGeom prst="ellipse">
+              <a:avLst/>
+            </a:prstGeom>
+          </p:spPr>
+          <p:style>
+            <a:lnRef idx="0">
+              <a:schemeClr val="accent5"/>
+            </a:lnRef>
+            <a:fillRef idx="3">
+              <a:schemeClr val="accent5"/>
+            </a:fillRef>
+            <a:effectRef idx="3">
+              <a:schemeClr val="accent5"/>
+            </a:effectRef>
+            <a:fontRef idx="minor">
+              <a:schemeClr val="lt1"/>
+            </a:fontRef>
+          </p:style>
+          <p:txBody>
+            <a:bodyPr rtlCol="0" anchor="ctr"/>
+            <a:lstStyle/>
+            <a:p>
+              <a:pPr algn="ctr"/>
+              <a:r>
+                <a:rPr lang="en-IN" sz="1600" dirty="0"/>
+                <a:t>5</a:t>
+              </a:r>
+            </a:p>
+          </p:txBody>
+        </p:sp>
+        <p:sp>
+          <p:nvSpPr>
+            <p:cNvPr id="30" name="Oval 29">
+              <a:extLst>
+                <a:ext uri="{FF2B5EF4-FFF2-40B4-BE49-F238E27FC236}">
+                  <a16:creationId xmlns:a16="http://schemas.microsoft.com/office/drawing/2014/main" id="{54D18CA5-282E-45C0-B06B-509C4188630C}"/>
+                </a:ext>
+              </a:extLst>
+            </p:cNvPr>
+            <p:cNvSpPr/>
+            <p:nvPr/>
+          </p:nvSpPr>
+          <p:spPr>
+            <a:xfrm>
+              <a:off x="7469629" y="1693754"/>
+              <a:ext cx="256374" cy="256374"/>
+            </a:xfrm>
+            <a:prstGeom prst="ellipse">
+              <a:avLst/>
+            </a:prstGeom>
+          </p:spPr>
+          <p:style>
+            <a:lnRef idx="0">
+              <a:schemeClr val="accent5"/>
+            </a:lnRef>
+            <a:fillRef idx="3">
+              <a:schemeClr val="accent5"/>
+            </a:fillRef>
+            <a:effectRef idx="3">
+              <a:schemeClr val="accent5"/>
+            </a:effectRef>
+            <a:fontRef idx="minor">
+              <a:schemeClr val="lt1"/>
+            </a:fontRef>
+          </p:style>
+          <p:txBody>
+            <a:bodyPr rtlCol="0" anchor="ctr"/>
+            <a:lstStyle/>
+            <a:p>
+              <a:pPr algn="ctr"/>
+              <a:r>
+                <a:rPr lang="en-IN" sz="1600" dirty="0"/>
+                <a:t>6</a:t>
+              </a:r>
+            </a:p>
+          </p:txBody>
+        </p:sp>
+        <p:sp>
+          <p:nvSpPr>
+            <p:cNvPr id="31" name="TextBox 30">
+              <a:extLst>
+                <a:ext uri="{FF2B5EF4-FFF2-40B4-BE49-F238E27FC236}">
+                  <a16:creationId xmlns:a16="http://schemas.microsoft.com/office/drawing/2014/main" id="{33A7460D-522D-4D30-8F40-F84AACCC2D3C}"/>
+                </a:ext>
+              </a:extLst>
+            </p:cNvPr>
+            <p:cNvSpPr txBox="1"/>
+            <p:nvPr/>
+          </p:nvSpPr>
+          <p:spPr>
+            <a:xfrm>
+              <a:off x="6674266" y="2590800"/>
+              <a:ext cx="666571" cy="246221"/>
+            </a:xfrm>
+            <a:prstGeom prst="rect">
+              <a:avLst/>
+            </a:prstGeom>
+            <a:noFill/>
+          </p:spPr>
+          <p:txBody>
+            <a:bodyPr wrap="square" rtlCol="0">
+              <a:spAutoFit/>
+            </a:bodyPr>
+            <a:lstStyle/>
+            <a:p>
+              <a:r>
+                <a:rPr lang="en-IN" sz="1000" b="1" dirty="0">
+                  <a:latin typeface="Century Gothic" panose="020B0502020202020204" pitchFamily="34" charset="0"/>
+                </a:rPr>
+                <a:t>PICT-01</a:t>
+              </a:r>
+            </a:p>
+          </p:txBody>
+        </p:sp>
+        <p:sp>
+          <p:nvSpPr>
+            <p:cNvPr id="35" name="Rectangle: Rounded Corners 34">
+              <a:extLst>
+                <a:ext uri="{FF2B5EF4-FFF2-40B4-BE49-F238E27FC236}">
+                  <a16:creationId xmlns:a16="http://schemas.microsoft.com/office/drawing/2014/main" id="{6CFD54EF-3563-4E1E-BA61-444F0E38FCAF}"/>
+                </a:ext>
+              </a:extLst>
+            </p:cNvPr>
+            <p:cNvSpPr/>
+            <p:nvPr/>
+          </p:nvSpPr>
+          <p:spPr>
+            <a:xfrm>
+              <a:off x="8156384" y="948583"/>
+              <a:ext cx="3377310" cy="2282990"/>
+            </a:xfrm>
+            <a:prstGeom prst="roundRect">
+              <a:avLst/>
+            </a:prstGeom>
+            <a:noFill/>
+            <a:ln w="9525" cap="flat" cmpd="sng" algn="ctr">
+              <a:solidFill>
+                <a:schemeClr val="accent5"/>
+              </a:solidFill>
+              <a:prstDash val="solid"/>
+              <a:round/>
+              <a:headEnd type="none" w="med" len="med"/>
+              <a:tailEnd type="none" w="med" len="med"/>
+            </a:ln>
+          </p:spPr>
+          <p:style>
+            <a:lnRef idx="0">
+              <a:scrgbClr r="0" g="0" b="0"/>
+            </a:lnRef>
+            <a:fillRef idx="0">
+              <a:scrgbClr r="0" g="0" b="0"/>
+            </a:fillRef>
+            <a:effectRef idx="0">
+              <a:scrgbClr r="0" g="0" b="0"/>
+            </a:effectRef>
+            <a:fontRef idx="minor">
+              <a:schemeClr val="accent5"/>
+            </a:fontRef>
+          </p:style>
+          <p:txBody>
+            <a:bodyPr rtlCol="0" anchor="ctr"/>
+            <a:lstStyle/>
+            <a:p>
+              <a:pPr algn="ctr"/>
+              <a:endParaRPr lang="en-IN" dirty="0"/>
+            </a:p>
+          </p:txBody>
+        </p:sp>
+        <p:sp>
+          <p:nvSpPr>
+            <p:cNvPr id="37" name="Rectangle 36">
+              <a:extLst>
+                <a:ext uri="{FF2B5EF4-FFF2-40B4-BE49-F238E27FC236}">
+                  <a16:creationId xmlns:a16="http://schemas.microsoft.com/office/drawing/2014/main" id="{603B763F-A129-4F43-9C8F-46ADC920488D}"/>
+                </a:ext>
+              </a:extLst>
+            </p:cNvPr>
+            <p:cNvSpPr/>
+            <p:nvPr/>
+          </p:nvSpPr>
+          <p:spPr>
+            <a:xfrm>
+              <a:off x="10359736" y="1028699"/>
+              <a:ext cx="945573" cy="758795"/>
+            </a:xfrm>
+            <a:prstGeom prst="rect">
+              <a:avLst/>
+            </a:prstGeom>
+            <a:noFill/>
+            <a:ln w="9525" cap="flat" cmpd="sng" algn="ctr">
+              <a:solidFill>
+                <a:schemeClr val="accent2"/>
+              </a:solidFill>
+              <a:prstDash val="solid"/>
+              <a:round/>
+              <a:headEnd type="none" w="med" len="med"/>
+              <a:tailEnd type="none" w="med" len="med"/>
+            </a:ln>
+          </p:spPr>
+          <p:style>
+            <a:lnRef idx="0">
+              <a:scrgbClr r="0" g="0" b="0"/>
+            </a:lnRef>
+            <a:fillRef idx="0">
+              <a:scrgbClr r="0" g="0" b="0"/>
+            </a:fillRef>
+            <a:effectRef idx="0">
+              <a:scrgbClr r="0" g="0" b="0"/>
+            </a:effectRef>
+            <a:fontRef idx="minor">
               <a:schemeClr val="accent2"/>
-            </a:solidFill>
-            <a:prstDash val="solid"/>
-            <a:round/>
-            <a:headEnd type="none" w="med" len="med"/>
-            <a:tailEnd type="none" w="med" len="med"/>
-          </a:ln>
-        </p:spPr>
-        <p:style>
-          <a:lnRef idx="0">
-            <a:scrgbClr r="0" g="0" b="0"/>
-          </a:lnRef>
-          <a:fillRef idx="0">
-            <a:scrgbClr r="0" g="0" b="0"/>
-          </a:fillRef>
-          <a:effectRef idx="0">
-            <a:scrgbClr r="0" g="0" b="0"/>
-          </a:effectRef>
-          <a:fontRef idx="minor">
-            <a:schemeClr val="accent2"/>
-          </a:fontRef>
-        </p:style>
-        <p:txBody>
-          <a:bodyPr rtlCol="0" anchor="ctr"/>
-          <a:lstStyle/>
-          <a:p>
-            <a:pPr algn="ctr"/>
-            <a:endParaRPr lang="en-IN" dirty="0"/>
-          </a:p>
-        </p:txBody>
-      </p:sp>
+            </a:fontRef>
+          </p:style>
+          <p:txBody>
+            <a:bodyPr rtlCol="0" anchor="ctr"/>
+            <a:lstStyle/>
+            <a:p>
+              <a:pPr algn="ctr"/>
+              <a:endParaRPr lang="en-IN" dirty="0"/>
+            </a:p>
+          </p:txBody>
+        </p:sp>
+      </p:grpSp>
       <p:graphicFrame>
         <p:nvGraphicFramePr>
           <p:cNvPr id="38" name="Table 38">
@@ -8019,7 +8000,7 @@
         <p:spPr>
           <a:xfrm>
             <a:off x="6458741" y="3503776"/>
-            <a:ext cx="5239481" cy="861774"/>
+            <a:ext cx="5239481" cy="3323987"/>
           </a:xfrm>
           <a:prstGeom prst="rect">
             <a:avLst/>
@@ -8036,23 +8017,157 @@
               <a:rPr lang="en-IN" sz="1000" dirty="0">
                 <a:latin typeface="Century Gothic" panose="020B0502020202020204" pitchFamily="34" charset="0"/>
               </a:rPr>
-              <a:t>Lets assume that we are planning to select 6 length because it is solving our problem for now. </a:t>
-            </a:r>
-          </a:p>
-          <a:p>
-            <a:endParaRPr lang="en-IN" sz="1000">
-              <a:latin typeface="Century Gothic" panose="020B0502020202020204" pitchFamily="34" charset="0"/>
-            </a:endParaRPr>
-          </a:p>
-          <a:p>
-            <a:endParaRPr lang="en-IN" sz="1000">
-              <a:latin typeface="Century Gothic" panose="020B0502020202020204" pitchFamily="34" charset="0"/>
-            </a:endParaRPr>
+              <a:t>Let’s assume that we are planning to select 6 length because it is solving our problem for now. </a:t>
+            </a:r>
           </a:p>
           <a:p>
             <a:endParaRPr lang="en-IN" sz="1000" dirty="0">
               <a:latin typeface="Century Gothic" panose="020B0502020202020204" pitchFamily="34" charset="0"/>
             </a:endParaRPr>
+          </a:p>
+          <a:p>
+            <a:r>
+              <a:rPr lang="en-IN" sz="1000" dirty="0">
+                <a:latin typeface="Century Gothic" panose="020B0502020202020204" pitchFamily="34" charset="0"/>
+              </a:rPr>
+              <a:t>If we use MD5 (</a:t>
+            </a:r>
+            <a:r>
+              <a:rPr lang="en-IN" sz="1000" dirty="0">
+                <a:latin typeface="Century Gothic" panose="020B0502020202020204" pitchFamily="34" charset="0"/>
+                <a:hlinkClick r:id="rId4"/>
+              </a:rPr>
+              <a:t>https://en.wikipedia.org/wiki/MD5</a:t>
+            </a:r>
+            <a:r>
+              <a:rPr lang="en-IN" sz="1000" dirty="0">
+                <a:latin typeface="Century Gothic" panose="020B0502020202020204" pitchFamily="34" charset="0"/>
+              </a:rPr>
+              <a:t> ) as our hash function, it will produce 128-bit hash value.  </a:t>
+            </a:r>
+          </a:p>
+          <a:p>
+            <a:endParaRPr lang="en-IN" sz="1000" dirty="0">
+              <a:latin typeface="Century Gothic" panose="020B0502020202020204" pitchFamily="34" charset="0"/>
+            </a:endParaRPr>
+          </a:p>
+          <a:p>
+            <a:r>
+              <a:rPr lang="en-US" sz="1000" dirty="0">
+                <a:latin typeface="Century Gothic" panose="020B0502020202020204" pitchFamily="34" charset="0"/>
+              </a:rPr>
+              <a:t>After base64 encoding, we’ll get a string having more than 21 characters (since each base64 character encodes 6 bits { @note 2^6 = 64 so produce all these 64 character, 6 bits are sufficient}of the hash value).</a:t>
+            </a:r>
+            <a:endParaRPr lang="en-IN" sz="1000" dirty="0">
+              <a:latin typeface="Century Gothic" panose="020B0502020202020204" pitchFamily="34" charset="0"/>
+            </a:endParaRPr>
+          </a:p>
+          <a:p>
+            <a:endParaRPr lang="en-IN" sz="1000" dirty="0">
+              <a:latin typeface="Century Gothic" panose="020B0502020202020204" pitchFamily="34" charset="0"/>
+            </a:endParaRPr>
+          </a:p>
+          <a:p>
+            <a:r>
+              <a:rPr lang="en-IN" sz="1000" dirty="0">
+                <a:latin typeface="Century Gothic" panose="020B0502020202020204" pitchFamily="34" charset="0"/>
+              </a:rPr>
+              <a:t>Calculation is like 128 bit/6 bit  &gt;= 22 character ( but need more than 21 character )</a:t>
+            </a:r>
+          </a:p>
+          <a:p>
+            <a:endParaRPr lang="en-IN" sz="1000" dirty="0">
+              <a:latin typeface="Century Gothic" panose="020B0502020202020204" pitchFamily="34" charset="0"/>
+            </a:endParaRPr>
+          </a:p>
+          <a:p>
+            <a:r>
+              <a:rPr lang="en-IN" sz="1000" dirty="0">
+                <a:latin typeface="Century Gothic" panose="020B0502020202020204" pitchFamily="34" charset="0"/>
+              </a:rPr>
+              <a:t>Now, since as per our decision, we assume that our string length of short url is only 6 in length.</a:t>
+            </a:r>
+          </a:p>
+          <a:p>
+            <a:endParaRPr lang="en-IN" sz="1000" dirty="0">
+              <a:latin typeface="Century Gothic" panose="020B0502020202020204" pitchFamily="34" charset="0"/>
+            </a:endParaRPr>
+          </a:p>
+          <a:p>
+            <a:r>
+              <a:rPr lang="en-IN" sz="1000" dirty="0">
+                <a:highlight>
+                  <a:srgbClr val="FFFF00"/>
+                </a:highlight>
+                <a:latin typeface="Century Gothic" panose="020B0502020202020204" pitchFamily="34" charset="0"/>
+              </a:rPr>
+              <a:t>So, then our problem here is how to choose 06 character out of 21 character?</a:t>
+            </a:r>
+          </a:p>
+          <a:p>
+            <a:r>
+              <a:rPr lang="en-IN" sz="1000" dirty="0">
+                <a:latin typeface="Century Gothic" panose="020B0502020202020204" pitchFamily="34" charset="0"/>
+              </a:rPr>
+              <a:t>So, let’s assume that you also have such challenge, and you must handle this with your approach.</a:t>
+            </a:r>
+          </a:p>
+          <a:p>
+            <a:endParaRPr lang="en-IN" sz="1000" dirty="0">
+              <a:latin typeface="Century Gothic" panose="020B0502020202020204" pitchFamily="34" charset="0"/>
+            </a:endParaRPr>
+          </a:p>
+          <a:p>
+            <a:r>
+              <a:rPr lang="en-IN" sz="1000" dirty="0">
+                <a:latin typeface="Century Gothic" panose="020B0502020202020204" pitchFamily="34" charset="0"/>
+              </a:rPr>
+              <a:t>	**Let’s continue our discussion in next page…</a:t>
+            </a:r>
+          </a:p>
+        </p:txBody>
+      </p:sp>
+      <p:sp>
+        <p:nvSpPr>
+          <p:cNvPr id="36" name="Arrow: Notched Right 35">
+            <a:extLst>
+              <a:ext uri="{FF2B5EF4-FFF2-40B4-BE49-F238E27FC236}">
+                <a16:creationId xmlns:a16="http://schemas.microsoft.com/office/drawing/2014/main" id="{EE7AB3FA-2A25-4804-8171-57181C55A79A}"/>
+              </a:ext>
+            </a:extLst>
+          </p:cNvPr>
+          <p:cNvSpPr/>
+          <p:nvPr/>
+        </p:nvSpPr>
+        <p:spPr>
+          <a:xfrm>
+            <a:off x="5330536" y="2493818"/>
+            <a:ext cx="1330243" cy="488373"/>
+          </a:xfrm>
+          <a:prstGeom prst="notchedRightArrow">
+            <a:avLst/>
+          </a:prstGeom>
+        </p:spPr>
+        <p:style>
+          <a:lnRef idx="0">
+            <a:schemeClr val="accent1"/>
+          </a:lnRef>
+          <a:fillRef idx="3">
+            <a:schemeClr val="accent1"/>
+          </a:fillRef>
+          <a:effectRef idx="3">
+            <a:schemeClr val="accent1"/>
+          </a:effectRef>
+          <a:fontRef idx="minor">
+            <a:schemeClr val="lt1"/>
+          </a:fontRef>
+        </p:style>
+        <p:txBody>
+          <a:bodyPr rtlCol="0" anchor="ctr"/>
+          <a:lstStyle/>
+          <a:p>
+            <a:pPr algn="ctr"/>
+            <a:endParaRPr lang="en-IN" dirty="0"/>
           </a:p>
         </p:txBody>
       </p:sp>
@@ -8060,6 +8175,4316 @@
     <p:extLst>
       <p:ext uri="{BB962C8B-B14F-4D97-AF65-F5344CB8AC3E}">
         <p14:creationId xmlns:p14="http://schemas.microsoft.com/office/powerpoint/2010/main" val="1166531160"/>
+      </p:ext>
+    </p:extLst>
+  </p:cSld>
+  <p:clrMapOvr>
+    <a:masterClrMapping/>
+  </p:clrMapOvr>
+</p:sld>
+</file>
+
+<file path=ppt/slides/slide5.xml><?xml version="1.0" encoding="utf-8"?>
+<p:sld xmlns:a="http://schemas.openxmlformats.org/drawingml/2006/main" xmlns:r="http://schemas.openxmlformats.org/officeDocument/2006/relationships" xmlns:p="http://schemas.openxmlformats.org/presentationml/2006/main">
+  <p:cSld>
+    <p:spTree>
+      <p:nvGrpSpPr>
+        <p:cNvPr id="1" name=""/>
+        <p:cNvGrpSpPr/>
+        <p:nvPr/>
+      </p:nvGrpSpPr>
+      <p:grpSpPr>
+        <a:xfrm>
+          <a:off x="0" y="0"/>
+          <a:ext cx="0" cy="0"/>
+          <a:chOff x="0" y="0"/>
+          <a:chExt cx="0" cy="0"/>
+        </a:xfrm>
+      </p:grpSpPr>
+      <p:sp>
+        <p:nvSpPr>
+          <p:cNvPr id="6" name="Rectangle 5">
+            <a:extLst>
+              <a:ext uri="{FF2B5EF4-FFF2-40B4-BE49-F238E27FC236}">
+                <a16:creationId xmlns:a16="http://schemas.microsoft.com/office/drawing/2014/main" id="{23D9A284-E705-4058-BC97-E411758071E2}"/>
+              </a:ext>
+            </a:extLst>
+          </p:cNvPr>
+          <p:cNvSpPr/>
+          <p:nvPr/>
+        </p:nvSpPr>
+        <p:spPr>
+          <a:xfrm>
+            <a:off x="0" y="0"/>
+            <a:ext cx="12192000" cy="623843"/>
+          </a:xfrm>
+          <a:prstGeom prst="rect">
+            <a:avLst/>
+          </a:prstGeom>
+        </p:spPr>
+        <p:style>
+          <a:lnRef idx="2">
+            <a:schemeClr val="accent1">
+              <a:shade val="50000"/>
+            </a:schemeClr>
+          </a:lnRef>
+          <a:fillRef idx="1">
+            <a:schemeClr val="accent1"/>
+          </a:fillRef>
+          <a:effectRef idx="0">
+            <a:schemeClr val="accent1"/>
+          </a:effectRef>
+          <a:fontRef idx="minor">
+            <a:schemeClr val="lt1"/>
+          </a:fontRef>
+        </p:style>
+        <p:txBody>
+          <a:bodyPr rtlCol="0" anchor="ctr"/>
+          <a:lstStyle/>
+          <a:p>
+            <a:pPr algn="ctr"/>
+            <a:r>
+              <a:rPr lang="en-IN" b="1" i="0" dirty="0">
+                <a:effectLst/>
+                <a:latin typeface="Nunito Sans" pitchFamily="2" charset="0"/>
+              </a:rPr>
+              <a:t>System design </a:t>
+            </a:r>
+            <a:r>
+              <a:rPr lang="en-IN" b="1" dirty="0">
+                <a:latin typeface="Nunito Sans" pitchFamily="2" charset="0"/>
+              </a:rPr>
+              <a:t>: </a:t>
+            </a:r>
+            <a:r>
+              <a:rPr lang="en-IN" b="1" i="0" dirty="0">
+                <a:effectLst/>
+                <a:latin typeface="Nunito Sans" pitchFamily="2" charset="0"/>
+              </a:rPr>
+              <a:t>High Level - System design blocks 2/5</a:t>
+            </a:r>
+          </a:p>
+        </p:txBody>
+      </p:sp>
+      <p:sp>
+        <p:nvSpPr>
+          <p:cNvPr id="21" name="TextBox 20">
+            <a:extLst>
+              <a:ext uri="{FF2B5EF4-FFF2-40B4-BE49-F238E27FC236}">
+                <a16:creationId xmlns:a16="http://schemas.microsoft.com/office/drawing/2014/main" id="{495AFF12-BAF4-4F5A-98E9-21B9D246763B}"/>
+              </a:ext>
+            </a:extLst>
+          </p:cNvPr>
+          <p:cNvSpPr txBox="1"/>
+          <p:nvPr/>
+        </p:nvSpPr>
+        <p:spPr>
+          <a:xfrm>
+            <a:off x="119640" y="837488"/>
+            <a:ext cx="6452075" cy="5478423"/>
+          </a:xfrm>
+          <a:prstGeom prst="rect">
+            <a:avLst/>
+          </a:prstGeom>
+          <a:noFill/>
+        </p:spPr>
+        <p:txBody>
+          <a:bodyPr wrap="square" rtlCol="0">
+            <a:spAutoFit/>
+          </a:bodyPr>
+          <a:lstStyle/>
+          <a:p>
+            <a:r>
+              <a:rPr lang="en-IN" sz="1000" dirty="0">
+                <a:highlight>
+                  <a:srgbClr val="FFFF00"/>
+                </a:highlight>
+                <a:latin typeface="Century Gothic" panose="020B0502020202020204" pitchFamily="34" charset="0"/>
+              </a:rPr>
+              <a:t>Contd from previous page</a:t>
+            </a:r>
+          </a:p>
+          <a:p>
+            <a:r>
+              <a:rPr lang="en-IN" sz="1000" dirty="0">
+                <a:latin typeface="Century Gothic" panose="020B0502020202020204" pitchFamily="34" charset="0"/>
+              </a:rPr>
+              <a:t>If I select first 06 character out of 21 character, what will be consequences might be.</a:t>
+            </a:r>
+          </a:p>
+          <a:p>
+            <a:r>
+              <a:rPr lang="en-IN" sz="1000" dirty="0">
+                <a:highlight>
+                  <a:srgbClr val="FFFF00"/>
+                </a:highlight>
+                <a:latin typeface="Century Gothic" panose="020B0502020202020204" pitchFamily="34" charset="0"/>
+              </a:rPr>
+              <a:t>So, think the scenario where you have two cases when there overall encoded 21 character might not be the same but their first 06 character are same. </a:t>
+            </a:r>
+            <a:r>
+              <a:rPr lang="en-IN" sz="1000" dirty="0">
+                <a:latin typeface="Century Gothic" panose="020B0502020202020204" pitchFamily="34" charset="0"/>
+              </a:rPr>
+              <a:t>So, they are making duplicate claim but, they can’t. This is your system problem. So, your decision to choosing first 06 character as a key won’t be good option.</a:t>
+            </a:r>
+          </a:p>
+          <a:p>
+            <a:endParaRPr lang="en-IN" sz="1000" dirty="0">
+              <a:latin typeface="Century Gothic" panose="020B0502020202020204" pitchFamily="34" charset="0"/>
+            </a:endParaRPr>
+          </a:p>
+          <a:p>
+            <a:r>
+              <a:rPr lang="en-IN" sz="1000" dirty="0">
+                <a:latin typeface="Century Gothic" panose="020B0502020202020204" pitchFamily="34" charset="0"/>
+              </a:rPr>
+              <a:t>	Here as an architect, you might look solution around, and solution might be picking some other character with some logical thought or steps from remaining character. Yes, so this might work. But it has still some problem, let’s discuss that now.</a:t>
+            </a:r>
+          </a:p>
+          <a:p>
+            <a:endParaRPr lang="en-IN" sz="1000" dirty="0">
+              <a:latin typeface="Century Gothic" panose="020B0502020202020204" pitchFamily="34" charset="0"/>
+            </a:endParaRPr>
+          </a:p>
+          <a:p>
+            <a:r>
+              <a:rPr lang="en-US" sz="1000" b="1" dirty="0">
+                <a:highlight>
+                  <a:srgbClr val="FFFF00"/>
+                </a:highlight>
+                <a:latin typeface="Century Gothic" panose="020B0502020202020204" pitchFamily="34" charset="0"/>
+              </a:rPr>
+              <a:t>What are the different issues with our solution?</a:t>
+            </a:r>
+          </a:p>
+          <a:p>
+            <a:endParaRPr lang="en-US" sz="1000" b="1" dirty="0">
+              <a:latin typeface="Century Gothic" panose="020B0502020202020204" pitchFamily="34" charset="0"/>
+            </a:endParaRPr>
+          </a:p>
+          <a:p>
+            <a:r>
+              <a:rPr lang="en-IN" sz="1000" b="1" dirty="0">
+                <a:latin typeface="Century Gothic" panose="020B0502020202020204" pitchFamily="34" charset="0"/>
+              </a:rPr>
+              <a:t>1. </a:t>
+            </a:r>
+            <a:r>
+              <a:rPr lang="en-US" sz="1000" dirty="0">
+                <a:latin typeface="Century Gothic" panose="020B0502020202020204" pitchFamily="34" charset="0"/>
+              </a:rPr>
+              <a:t>If multiple users enter the same URL, they can get the same shortened URL, which is not acceptable</a:t>
+            </a:r>
+            <a:endParaRPr lang="en-IN" sz="1000" dirty="0">
+              <a:latin typeface="Century Gothic" panose="020B0502020202020204" pitchFamily="34" charset="0"/>
+            </a:endParaRPr>
+          </a:p>
+          <a:p>
+            <a:r>
+              <a:rPr lang="en-IN" sz="1000" dirty="0">
+                <a:latin typeface="Century Gothic" panose="020B0502020202020204" pitchFamily="34" charset="0"/>
+              </a:rPr>
+              <a:t>2. Suppose if only difference is in encoding value of two shortURL</a:t>
+            </a:r>
+          </a:p>
+          <a:p>
+            <a:endParaRPr lang="en-IN" sz="1000" dirty="0">
+              <a:latin typeface="Century Gothic" panose="020B0502020202020204" pitchFamily="34" charset="0"/>
+            </a:endParaRPr>
+          </a:p>
+          <a:p>
+            <a:r>
+              <a:rPr lang="en-IN" sz="1000" dirty="0">
+                <a:latin typeface="Century Gothic" panose="020B0502020202020204" pitchFamily="34" charset="0"/>
+              </a:rPr>
+              <a:t>So, these above problem could be solved if we do the following,</a:t>
+            </a:r>
+          </a:p>
+          <a:p>
+            <a:endParaRPr lang="en-IN" sz="1000" dirty="0">
+              <a:latin typeface="Century Gothic" panose="020B0502020202020204" pitchFamily="34" charset="0"/>
+            </a:endParaRPr>
+          </a:p>
+          <a:p>
+            <a:pPr marL="228600" indent="-228600">
+              <a:buAutoNum type="alphaUcParenR"/>
+            </a:pPr>
+            <a:r>
+              <a:rPr lang="en-IN" sz="1000" dirty="0">
+                <a:latin typeface="Century Gothic" panose="020B0502020202020204" pitchFamily="34" charset="0"/>
+              </a:rPr>
+              <a:t>Append the unique increasing number along with every URL request</a:t>
+            </a:r>
+          </a:p>
+          <a:p>
+            <a:pPr marL="228600" indent="-228600">
+              <a:buAutoNum type="alphaUcParenR"/>
+            </a:pPr>
+            <a:r>
+              <a:rPr lang="en-IN" sz="1000" dirty="0">
+                <a:latin typeface="Century Gothic" panose="020B0502020202020204" pitchFamily="34" charset="0"/>
+              </a:rPr>
+              <a:t>Append the userID along with every URL request</a:t>
+            </a:r>
+          </a:p>
+          <a:p>
+            <a:endParaRPr lang="en-IN" sz="1000" dirty="0">
+              <a:latin typeface="Century Gothic" panose="020B0502020202020204" pitchFamily="34" charset="0"/>
+            </a:endParaRPr>
+          </a:p>
+          <a:p>
+            <a:r>
+              <a:rPr lang="en-IN" sz="1000" dirty="0">
+                <a:latin typeface="Century Gothic" panose="020B0502020202020204" pitchFamily="34" charset="0"/>
+              </a:rPr>
+              <a:t>These approach will solve the problem at certain extreme, but it has also limitation. So, we can’t have full proof solution. To achieve 100% accuracy, we only must write logic in such a way that you keep repeating some steps until find the unique key.</a:t>
+            </a:r>
+          </a:p>
+          <a:p>
+            <a:endParaRPr lang="en-IN" sz="1000" dirty="0">
+              <a:latin typeface="Century Gothic" panose="020B0502020202020204" pitchFamily="34" charset="0"/>
+            </a:endParaRPr>
+          </a:p>
+          <a:p>
+            <a:r>
+              <a:rPr lang="en-IN" sz="1000" dirty="0">
+                <a:latin typeface="Century Gothic" panose="020B0502020202020204" pitchFamily="34" charset="0"/>
+              </a:rPr>
+              <a:t>For that we must introduce some database where we can check the existing shortURL key generated until now and on finding new one that will be pushed to database for next duplicity check. </a:t>
+            </a:r>
+          </a:p>
+          <a:p>
+            <a:endParaRPr lang="en-IN" sz="1000" dirty="0">
+              <a:latin typeface="Century Gothic" panose="020B0502020202020204" pitchFamily="34" charset="0"/>
+            </a:endParaRPr>
+          </a:p>
+          <a:p>
+            <a:r>
+              <a:rPr lang="en-IN" sz="1000" dirty="0">
+                <a:latin typeface="Century Gothic" panose="020B0502020202020204" pitchFamily="34" charset="0"/>
+              </a:rPr>
+              <a:t>Since you introduced new component to check the duplicity so you might encounter here some issue while scaling the system in distributed case because database interaction is not that super performant. </a:t>
+            </a:r>
+          </a:p>
+          <a:p>
+            <a:r>
+              <a:rPr lang="en-IN" sz="1000" dirty="0">
+                <a:latin typeface="Century Gothic" panose="020B0502020202020204" pitchFamily="34" charset="0"/>
+              </a:rPr>
+              <a:t>	But those discussion , I am leaving now, and we will discuss the same again if time permits.</a:t>
+            </a:r>
+          </a:p>
+          <a:p>
+            <a:endParaRPr lang="en-IN" sz="1000" b="1" dirty="0">
+              <a:latin typeface="Century Gothic" panose="020B0502020202020204" pitchFamily="34" charset="0"/>
+            </a:endParaRPr>
+          </a:p>
+          <a:p>
+            <a:endParaRPr lang="en-IN" sz="1000" dirty="0">
+              <a:latin typeface="Century Gothic" panose="020B0502020202020204" pitchFamily="34" charset="0"/>
+            </a:endParaRPr>
+          </a:p>
+        </p:txBody>
+      </p:sp>
+      <p:sp>
+        <p:nvSpPr>
+          <p:cNvPr id="2" name="Rectangle 1">
+            <a:extLst>
+              <a:ext uri="{FF2B5EF4-FFF2-40B4-BE49-F238E27FC236}">
+                <a16:creationId xmlns:a16="http://schemas.microsoft.com/office/drawing/2014/main" id="{0BF0BA60-CCFF-4874-A1C1-E577FAFCF789}"/>
+              </a:ext>
+            </a:extLst>
+          </p:cNvPr>
+          <p:cNvSpPr/>
+          <p:nvPr/>
+        </p:nvSpPr>
+        <p:spPr>
+          <a:xfrm>
+            <a:off x="76912" y="803305"/>
+            <a:ext cx="6503350" cy="5537674"/>
+          </a:xfrm>
+          <a:prstGeom prst="rect">
+            <a:avLst/>
+          </a:prstGeom>
+          <a:noFill/>
+          <a:ln w="9525" cap="flat" cmpd="sng" algn="ctr">
+            <a:solidFill>
+              <a:schemeClr val="accent3"/>
+            </a:solidFill>
+            <a:prstDash val="solid"/>
+            <a:round/>
+            <a:headEnd type="none" w="med" len="med"/>
+            <a:tailEnd type="none" w="med" len="med"/>
+          </a:ln>
+        </p:spPr>
+        <p:style>
+          <a:lnRef idx="0">
+            <a:scrgbClr r="0" g="0" b="0"/>
+          </a:lnRef>
+          <a:fillRef idx="0">
+            <a:scrgbClr r="0" g="0" b="0"/>
+          </a:fillRef>
+          <a:effectRef idx="0">
+            <a:scrgbClr r="0" g="0" b="0"/>
+          </a:effectRef>
+          <a:fontRef idx="minor">
+            <a:schemeClr val="accent3"/>
+          </a:fontRef>
+        </p:style>
+        <p:txBody>
+          <a:bodyPr rtlCol="0" anchor="ctr"/>
+          <a:lstStyle/>
+          <a:p>
+            <a:pPr algn="ctr"/>
+            <a:endParaRPr lang="en-IN" dirty="0"/>
+          </a:p>
+        </p:txBody>
+      </p:sp>
+      <p:sp>
+        <p:nvSpPr>
+          <p:cNvPr id="3" name="TextBox 2">
+            <a:extLst>
+              <a:ext uri="{FF2B5EF4-FFF2-40B4-BE49-F238E27FC236}">
+                <a16:creationId xmlns:a16="http://schemas.microsoft.com/office/drawing/2014/main" id="{39FB7570-D146-404F-8D84-5CAD450EDBD3}"/>
+              </a:ext>
+            </a:extLst>
+          </p:cNvPr>
+          <p:cNvSpPr txBox="1"/>
+          <p:nvPr/>
+        </p:nvSpPr>
+        <p:spPr>
+          <a:xfrm>
+            <a:off x="6776815" y="888763"/>
+            <a:ext cx="5247118" cy="1785104"/>
+          </a:xfrm>
+          <a:prstGeom prst="rect">
+            <a:avLst/>
+          </a:prstGeom>
+          <a:noFill/>
+        </p:spPr>
+        <p:txBody>
+          <a:bodyPr wrap="square" rtlCol="0">
+            <a:spAutoFit/>
+          </a:bodyPr>
+          <a:lstStyle/>
+          <a:p>
+            <a:r>
+              <a:rPr lang="en-IN" sz="1000" b="1" dirty="0">
+                <a:latin typeface="Century Gothic" panose="020B0502020202020204" pitchFamily="34" charset="0"/>
+              </a:rPr>
+              <a:t>Approach 02 : </a:t>
+            </a:r>
+            <a:r>
+              <a:rPr lang="en-IN" sz="1000" b="1" dirty="0">
+                <a:solidFill>
+                  <a:srgbClr val="00B0F0"/>
+                </a:solidFill>
+                <a:highlight>
+                  <a:srgbClr val="FFFF00"/>
+                </a:highlight>
+                <a:latin typeface="Century Gothic" panose="020B0502020202020204" pitchFamily="34" charset="0"/>
+              </a:rPr>
+              <a:t>Generating Key Offline</a:t>
+            </a:r>
+          </a:p>
+          <a:p>
+            <a:endParaRPr lang="en-IN" sz="1000" b="1" dirty="0">
+              <a:solidFill>
+                <a:srgbClr val="00B0F0"/>
+              </a:solidFill>
+              <a:highlight>
+                <a:srgbClr val="FFFF00"/>
+              </a:highlight>
+              <a:latin typeface="Century Gothic" panose="020B0502020202020204" pitchFamily="34" charset="0"/>
+            </a:endParaRPr>
+          </a:p>
+          <a:p>
+            <a:r>
+              <a:rPr lang="en-US" sz="1000" dirty="0">
+                <a:latin typeface="Century Gothic" panose="020B0502020202020204" pitchFamily="34" charset="0"/>
+              </a:rPr>
+              <a:t>We can have a standalone Key Generation Service (KGS) that generates random six-letter strings beforehand and stores them in a database (let’s call it key-DB).</a:t>
+            </a:r>
+          </a:p>
+          <a:p>
+            <a:endParaRPr lang="en-US" sz="1000" dirty="0">
+              <a:latin typeface="Century Gothic" panose="020B0502020202020204" pitchFamily="34" charset="0"/>
+            </a:endParaRPr>
+          </a:p>
+          <a:p>
+            <a:r>
+              <a:rPr lang="en-US" sz="1000" dirty="0">
+                <a:latin typeface="Century Gothic" panose="020B0502020202020204" pitchFamily="34" charset="0"/>
+              </a:rPr>
+              <a:t>Whenever we want to shorten a URL, we will take one of the already-generated keys and use it. This approach will make things quite simple and fast. </a:t>
+            </a:r>
+          </a:p>
+          <a:p>
+            <a:endParaRPr lang="en-US" sz="1000" dirty="0">
+              <a:latin typeface="Century Gothic" panose="020B0502020202020204" pitchFamily="34" charset="0"/>
+            </a:endParaRPr>
+          </a:p>
+          <a:p>
+            <a:r>
+              <a:rPr lang="en-US" sz="1000" dirty="0">
+                <a:latin typeface="Century Gothic" panose="020B0502020202020204" pitchFamily="34" charset="0"/>
+              </a:rPr>
+              <a:t>In this case, duplicity is not in the question because KGS(Key Generator Service) will make sure that all key inserted into key-DB will be unique.</a:t>
+            </a:r>
+          </a:p>
+          <a:p>
+            <a:endParaRPr lang="en-US" sz="1000" b="1" dirty="0">
+              <a:highlight>
+                <a:srgbClr val="FFFF00"/>
+              </a:highlight>
+              <a:latin typeface="Century Gothic" panose="020B0502020202020204" pitchFamily="34" charset="0"/>
+            </a:endParaRPr>
+          </a:p>
+        </p:txBody>
+      </p:sp>
+      <p:pic>
+        <p:nvPicPr>
+          <p:cNvPr id="20" name="Picture 19">
+            <a:extLst>
+              <a:ext uri="{FF2B5EF4-FFF2-40B4-BE49-F238E27FC236}">
+                <a16:creationId xmlns:a16="http://schemas.microsoft.com/office/drawing/2014/main" id="{6E0ABC0A-4403-462D-A918-80D3C87261B7}"/>
+              </a:ext>
+            </a:extLst>
+          </p:cNvPr>
+          <p:cNvPicPr>
+            <a:picLocks noChangeAspect="1"/>
+          </p:cNvPicPr>
+          <p:nvPr/>
+        </p:nvPicPr>
+        <p:blipFill>
+          <a:blip r:embed="rId2"/>
+          <a:stretch>
+            <a:fillRect/>
+          </a:stretch>
+        </p:blipFill>
+        <p:spPr>
+          <a:xfrm>
+            <a:off x="6865408" y="3478138"/>
+            <a:ext cx="4491953" cy="1647659"/>
+          </a:xfrm>
+          <a:prstGeom prst="rect">
+            <a:avLst/>
+          </a:prstGeom>
+        </p:spPr>
+      </p:pic>
+      <p:sp>
+        <p:nvSpPr>
+          <p:cNvPr id="4" name="Rectangle 3">
+            <a:extLst>
+              <a:ext uri="{FF2B5EF4-FFF2-40B4-BE49-F238E27FC236}">
+                <a16:creationId xmlns:a16="http://schemas.microsoft.com/office/drawing/2014/main" id="{92DB28E1-99E6-4C49-ABA1-28A1ABF6EAD2}"/>
+              </a:ext>
+            </a:extLst>
+          </p:cNvPr>
+          <p:cNvSpPr/>
+          <p:nvPr/>
+        </p:nvSpPr>
+        <p:spPr>
+          <a:xfrm>
+            <a:off x="6973368" y="3264493"/>
+            <a:ext cx="4648911" cy="1998749"/>
+          </a:xfrm>
+          <a:prstGeom prst="rect">
+            <a:avLst/>
+          </a:prstGeom>
+          <a:noFill/>
+          <a:ln w="9525" cap="flat" cmpd="sng" algn="ctr">
+            <a:solidFill>
+              <a:schemeClr val="accent3"/>
+            </a:solidFill>
+            <a:prstDash val="solid"/>
+            <a:round/>
+            <a:headEnd type="none" w="med" len="med"/>
+            <a:tailEnd type="none" w="med" len="med"/>
+          </a:ln>
+        </p:spPr>
+        <p:style>
+          <a:lnRef idx="0">
+            <a:scrgbClr r="0" g="0" b="0"/>
+          </a:lnRef>
+          <a:fillRef idx="0">
+            <a:scrgbClr r="0" g="0" b="0"/>
+          </a:fillRef>
+          <a:effectRef idx="0">
+            <a:scrgbClr r="0" g="0" b="0"/>
+          </a:effectRef>
+          <a:fontRef idx="minor">
+            <a:schemeClr val="accent3"/>
+          </a:fontRef>
+        </p:style>
+        <p:txBody>
+          <a:bodyPr rtlCol="0" anchor="ctr"/>
+          <a:lstStyle/>
+          <a:p>
+            <a:pPr algn="ctr"/>
+            <a:endParaRPr lang="en-IN" dirty="0"/>
+          </a:p>
+        </p:txBody>
+      </p:sp>
+    </p:spTree>
+    <p:extLst>
+      <p:ext uri="{BB962C8B-B14F-4D97-AF65-F5344CB8AC3E}">
+        <p14:creationId xmlns:p14="http://schemas.microsoft.com/office/powerpoint/2010/main" val="1327737943"/>
+      </p:ext>
+    </p:extLst>
+  </p:cSld>
+  <p:clrMapOvr>
+    <a:masterClrMapping/>
+  </p:clrMapOvr>
+</p:sld>
+</file>
+
+<file path=ppt/slides/slide6.xml><?xml version="1.0" encoding="utf-8"?>
+<p:sld xmlns:a="http://schemas.openxmlformats.org/drawingml/2006/main" xmlns:r="http://schemas.openxmlformats.org/officeDocument/2006/relationships" xmlns:p="http://schemas.openxmlformats.org/presentationml/2006/main">
+  <p:cSld>
+    <p:spTree>
+      <p:nvGrpSpPr>
+        <p:cNvPr id="1" name=""/>
+        <p:cNvGrpSpPr/>
+        <p:nvPr/>
+      </p:nvGrpSpPr>
+      <p:grpSpPr>
+        <a:xfrm>
+          <a:off x="0" y="0"/>
+          <a:ext cx="0" cy="0"/>
+          <a:chOff x="0" y="0"/>
+          <a:chExt cx="0" cy="0"/>
+        </a:xfrm>
+      </p:grpSpPr>
+      <p:sp>
+        <p:nvSpPr>
+          <p:cNvPr id="6" name="Rectangle 5">
+            <a:extLst>
+              <a:ext uri="{FF2B5EF4-FFF2-40B4-BE49-F238E27FC236}">
+                <a16:creationId xmlns:a16="http://schemas.microsoft.com/office/drawing/2014/main" id="{23D9A284-E705-4058-BC97-E411758071E2}"/>
+              </a:ext>
+            </a:extLst>
+          </p:cNvPr>
+          <p:cNvSpPr/>
+          <p:nvPr/>
+        </p:nvSpPr>
+        <p:spPr>
+          <a:xfrm>
+            <a:off x="0" y="0"/>
+            <a:ext cx="12192000" cy="623843"/>
+          </a:xfrm>
+          <a:prstGeom prst="rect">
+            <a:avLst/>
+          </a:prstGeom>
+        </p:spPr>
+        <p:style>
+          <a:lnRef idx="2">
+            <a:schemeClr val="accent1">
+              <a:shade val="50000"/>
+            </a:schemeClr>
+          </a:lnRef>
+          <a:fillRef idx="1">
+            <a:schemeClr val="accent1"/>
+          </a:fillRef>
+          <a:effectRef idx="0">
+            <a:schemeClr val="accent1"/>
+          </a:effectRef>
+          <a:fontRef idx="minor">
+            <a:schemeClr val="lt1"/>
+          </a:fontRef>
+        </p:style>
+        <p:txBody>
+          <a:bodyPr rtlCol="0" anchor="ctr"/>
+          <a:lstStyle/>
+          <a:p>
+            <a:pPr algn="ctr"/>
+            <a:r>
+              <a:rPr lang="en-IN" b="1" i="0" dirty="0">
+                <a:effectLst/>
+                <a:latin typeface="Nunito Sans" pitchFamily="2" charset="0"/>
+              </a:rPr>
+              <a:t>System design </a:t>
+            </a:r>
+            <a:r>
+              <a:rPr lang="en-IN" b="1" dirty="0">
+                <a:latin typeface="Nunito Sans" pitchFamily="2" charset="0"/>
+              </a:rPr>
+              <a:t>: </a:t>
+            </a:r>
+            <a:r>
+              <a:rPr lang="en-IN" b="1" i="0" dirty="0">
+                <a:effectLst/>
+                <a:latin typeface="Nunito Sans" pitchFamily="2" charset="0"/>
+              </a:rPr>
+              <a:t>High Level - System design blocks 3/5</a:t>
+            </a:r>
+          </a:p>
+        </p:txBody>
+      </p:sp>
+      <p:sp>
+        <p:nvSpPr>
+          <p:cNvPr id="12" name="TextBox 11">
+            <a:extLst>
+              <a:ext uri="{FF2B5EF4-FFF2-40B4-BE49-F238E27FC236}">
+                <a16:creationId xmlns:a16="http://schemas.microsoft.com/office/drawing/2014/main" id="{1FB3E5F7-4450-4C57-B414-C396DC62E8BC}"/>
+              </a:ext>
+            </a:extLst>
+          </p:cNvPr>
+          <p:cNvSpPr txBox="1"/>
+          <p:nvPr/>
+        </p:nvSpPr>
+        <p:spPr>
+          <a:xfrm>
+            <a:off x="158096" y="757176"/>
+            <a:ext cx="6550352" cy="5940088"/>
+          </a:xfrm>
+          <a:prstGeom prst="rect">
+            <a:avLst/>
+          </a:prstGeom>
+          <a:noFill/>
+        </p:spPr>
+        <p:txBody>
+          <a:bodyPr wrap="square">
+            <a:spAutoFit/>
+          </a:bodyPr>
+          <a:lstStyle/>
+          <a:p>
+            <a:r>
+              <a:rPr lang="en-IN" sz="1000" b="1" dirty="0">
+                <a:highlight>
+                  <a:srgbClr val="FFFF00"/>
+                </a:highlight>
+                <a:latin typeface="Century Gothic" panose="020B0502020202020204" pitchFamily="34" charset="0"/>
+              </a:rPr>
+              <a:t>Can concurrency cause problems?</a:t>
+            </a:r>
+            <a:endParaRPr lang="en-US" sz="1000" b="1" dirty="0">
+              <a:highlight>
+                <a:srgbClr val="FFFF00"/>
+              </a:highlight>
+              <a:latin typeface="Century Gothic" panose="020B0502020202020204" pitchFamily="34" charset="0"/>
+            </a:endParaRPr>
+          </a:p>
+          <a:p>
+            <a:r>
+              <a:rPr lang="en-US" sz="1000" dirty="0">
+                <a:latin typeface="Century Gothic" panose="020B0502020202020204" pitchFamily="34" charset="0"/>
+              </a:rPr>
+              <a:t>If there are multiple servers reading keys concurrently, we might get a scenario where two or more servers try to read the same key from the database. </a:t>
+            </a:r>
+            <a:r>
+              <a:rPr lang="en-US" sz="1000" b="1" dirty="0">
+                <a:latin typeface="Century Gothic" panose="020B0502020202020204" pitchFamily="34" charset="0"/>
+              </a:rPr>
+              <a:t>How can we solve this concurrency problem?</a:t>
+            </a:r>
+          </a:p>
+          <a:p>
+            <a:endParaRPr lang="en-IN" sz="1000" dirty="0">
+              <a:latin typeface="Century Gothic" panose="020B0502020202020204" pitchFamily="34" charset="0"/>
+            </a:endParaRPr>
+          </a:p>
+          <a:p>
+            <a:r>
+              <a:rPr lang="en-IN" sz="1000" dirty="0">
+                <a:latin typeface="Century Gothic" panose="020B0502020202020204" pitchFamily="34" charset="0"/>
+              </a:rPr>
+              <a:t>Step 01 :  Create Two table , one for used key and one for Unused key. By doing this, first good thing happen in terms of two call possible on two different table at a tome.  Initially everything is inside Unused key table and as soon as we shared key to some request, this key should be removed from Unused table and put into Used table.</a:t>
+            </a:r>
+          </a:p>
+          <a:p>
+            <a:endParaRPr lang="en-IN" sz="1000" dirty="0">
+              <a:latin typeface="Century Gothic" panose="020B0502020202020204" pitchFamily="34" charset="0"/>
+            </a:endParaRPr>
+          </a:p>
+          <a:p>
+            <a:r>
+              <a:rPr lang="en-IN" sz="1000" dirty="0">
+                <a:latin typeface="Century Gothic" panose="020B0502020202020204" pitchFamily="34" charset="0"/>
+              </a:rPr>
+              <a:t>Step 02 : In your architecture decision also think to put some key in cache to handle key allocation, which will improve your system performance. This will require steps if your latency have some NFR constraints.</a:t>
+            </a:r>
+          </a:p>
+          <a:p>
+            <a:endParaRPr lang="en-IN" sz="1000" dirty="0">
+              <a:latin typeface="Century Gothic" panose="020B0502020202020204" pitchFamily="34" charset="0"/>
+            </a:endParaRPr>
+          </a:p>
+          <a:p>
+            <a:r>
+              <a:rPr lang="en-IN" sz="1000" dirty="0">
+                <a:latin typeface="Century Gothic" panose="020B0502020202020204" pitchFamily="34" charset="0"/>
+              </a:rPr>
+              <a:t>Step 03: KGS seems Single Point of Failure right now, so I would suggest to consider some standby replica of KGS.</a:t>
+            </a:r>
+          </a:p>
+          <a:p>
+            <a:endParaRPr lang="en-IN" sz="1000" dirty="0">
+              <a:latin typeface="Century Gothic" panose="020B0502020202020204" pitchFamily="34" charset="0"/>
+            </a:endParaRPr>
+          </a:p>
+          <a:p>
+            <a:r>
+              <a:rPr lang="en-IN" sz="1000" dirty="0">
+                <a:latin typeface="Century Gothic" panose="020B0502020202020204" pitchFamily="34" charset="0"/>
+              </a:rPr>
+              <a:t>Since you must adopt offline Key generation so in this </a:t>
+            </a:r>
+            <a:r>
+              <a:rPr lang="en-IN" sz="1000" b="1" dirty="0">
+                <a:highlight>
+                  <a:srgbClr val="FFFF00"/>
+                </a:highlight>
+                <a:latin typeface="Century Gothic" panose="020B0502020202020204" pitchFamily="34" charset="0"/>
+              </a:rPr>
+              <a:t>case you should must plan the Key-DB size?</a:t>
+            </a:r>
+          </a:p>
+          <a:p>
+            <a:r>
+              <a:rPr lang="en-IN" sz="1000" dirty="0">
+                <a:latin typeface="Century Gothic" panose="020B0502020202020204" pitchFamily="34" charset="0"/>
+              </a:rPr>
+              <a:t>I believe that with length 6 of key , we can produce 64^6 ( using Base 64 Encoding) these many unique keys. Which is roughly 68.7 Billion</a:t>
+            </a:r>
+          </a:p>
+          <a:p>
+            <a:endParaRPr lang="en-IN" sz="1000" dirty="0">
+              <a:latin typeface="Century Gothic" panose="020B0502020202020204" pitchFamily="34" charset="0"/>
+            </a:endParaRPr>
+          </a:p>
+          <a:p>
+            <a:r>
+              <a:rPr lang="en-IN" sz="1000" dirty="0">
+                <a:latin typeface="Century Gothic" panose="020B0502020202020204" pitchFamily="34" charset="0"/>
+              </a:rPr>
+              <a:t>And so total size required will be 6*68.7 Billion bytes = 412 GB ( roughly )</a:t>
+            </a:r>
+          </a:p>
+          <a:p>
+            <a:endParaRPr lang="en-IN" sz="1000" dirty="0">
+              <a:solidFill>
+                <a:srgbClr val="00B0F0"/>
+              </a:solidFill>
+              <a:highlight>
+                <a:srgbClr val="FFFF00"/>
+              </a:highlight>
+              <a:latin typeface="Century Gothic" panose="020B0502020202020204" pitchFamily="34" charset="0"/>
+            </a:endParaRPr>
+          </a:p>
+          <a:p>
+            <a:r>
+              <a:rPr lang="en-IN" sz="1000" dirty="0">
+                <a:latin typeface="Century Gothic" panose="020B0502020202020204" pitchFamily="34" charset="0"/>
+              </a:rPr>
+              <a:t>Step 04:  </a:t>
+            </a:r>
+            <a:r>
+              <a:rPr lang="en-US" sz="1000" b="1" dirty="0">
+                <a:highlight>
+                  <a:srgbClr val="FFFF00"/>
+                </a:highlight>
+                <a:latin typeface="Century Gothic" panose="020B0502020202020204" pitchFamily="34" charset="0"/>
+              </a:rPr>
+              <a:t>Isn’t KGS a single point of failure? </a:t>
+            </a:r>
+            <a:r>
+              <a:rPr lang="en-US" sz="1000" dirty="0">
+                <a:latin typeface="Century Gothic" panose="020B0502020202020204" pitchFamily="34" charset="0"/>
+              </a:rPr>
+              <a:t>Yes, it is. To solve this, we can have a standby replica of KGS. Whenever the primary server dies, the standby server can take over to generate and provide keys.</a:t>
+            </a:r>
+            <a:endParaRPr lang="en-IN" sz="1000" dirty="0">
+              <a:latin typeface="Century Gothic" panose="020B0502020202020204" pitchFamily="34" charset="0"/>
+            </a:endParaRPr>
+          </a:p>
+          <a:p>
+            <a:endParaRPr lang="en-IN" sz="1000" dirty="0">
+              <a:solidFill>
+                <a:srgbClr val="00B0F0"/>
+              </a:solidFill>
+              <a:highlight>
+                <a:srgbClr val="FFFF00"/>
+              </a:highlight>
+              <a:latin typeface="Century Gothic" panose="020B0502020202020204" pitchFamily="34" charset="0"/>
+            </a:endParaRPr>
+          </a:p>
+          <a:p>
+            <a:r>
+              <a:rPr lang="en-IN" sz="1000" dirty="0">
+                <a:latin typeface="Century Gothic" panose="020B0502020202020204" pitchFamily="34" charset="0"/>
+              </a:rPr>
+              <a:t>Step 05:  </a:t>
+            </a:r>
+            <a:r>
+              <a:rPr lang="en-US" sz="1000" b="1" dirty="0">
+                <a:highlight>
+                  <a:srgbClr val="FFFF00"/>
+                </a:highlight>
+                <a:latin typeface="Century Gothic" panose="020B0502020202020204" pitchFamily="34" charset="0"/>
+              </a:rPr>
+              <a:t>Can each app server cache some keys from key-DB? </a:t>
+            </a:r>
+            <a:r>
+              <a:rPr lang="en-US" sz="1000" dirty="0">
+                <a:latin typeface="Century Gothic" panose="020B0502020202020204" pitchFamily="34" charset="0"/>
+              </a:rPr>
+              <a:t>Yes, this can surely speed things up. Although, in this case, if the application server dies before consuming all the keys, we will end up losing those keys. This can be acceptable since we have 68B unique six-letter keys.</a:t>
+            </a:r>
+            <a:endParaRPr lang="en-IN" sz="1000" dirty="0">
+              <a:latin typeface="Century Gothic" panose="020B0502020202020204" pitchFamily="34" charset="0"/>
+            </a:endParaRPr>
+          </a:p>
+          <a:p>
+            <a:endParaRPr lang="en-IN" sz="1000" dirty="0">
+              <a:solidFill>
+                <a:srgbClr val="00B0F0"/>
+              </a:solidFill>
+              <a:highlight>
+                <a:srgbClr val="FFFF00"/>
+              </a:highlight>
+              <a:latin typeface="Century Gothic" panose="020B0502020202020204" pitchFamily="34" charset="0"/>
+            </a:endParaRPr>
+          </a:p>
+          <a:p>
+            <a:r>
+              <a:rPr lang="en-IN" sz="1000" dirty="0">
+                <a:latin typeface="Century Gothic" panose="020B0502020202020204" pitchFamily="34" charset="0"/>
+              </a:rPr>
+              <a:t>Step 06:  </a:t>
+            </a:r>
+            <a:r>
+              <a:rPr lang="en-US" sz="1000" b="1" dirty="0">
+                <a:highlight>
+                  <a:srgbClr val="FFFF00"/>
+                </a:highlight>
+                <a:latin typeface="Century Gothic" panose="020B0502020202020204" pitchFamily="34" charset="0"/>
+              </a:rPr>
+              <a:t>How would we perform a key lookup? </a:t>
+            </a:r>
+            <a:r>
+              <a:rPr lang="en-US" sz="1000" dirty="0">
+                <a:latin typeface="Century Gothic" panose="020B0502020202020204" pitchFamily="34" charset="0"/>
+              </a:rPr>
+              <a:t>We can look up the key in our database to get the full URL. If it’s present in the DB, issue an “HTTP 302 Redirect” status back to the browser, passing the stored URL in the “Location” field of the request. If that key is not present in our system, issue an “HTTP 404 Not Found” status or redirect the user back to the homepage.</a:t>
+            </a:r>
+            <a:endParaRPr lang="en-IN" sz="1000" dirty="0">
+              <a:latin typeface="Century Gothic" panose="020B0502020202020204" pitchFamily="34" charset="0"/>
+            </a:endParaRPr>
+          </a:p>
+          <a:p>
+            <a:endParaRPr lang="en-IN" sz="1000" dirty="0">
+              <a:solidFill>
+                <a:srgbClr val="00B0F0"/>
+              </a:solidFill>
+              <a:highlight>
+                <a:srgbClr val="FFFF00"/>
+              </a:highlight>
+              <a:latin typeface="Century Gothic" panose="020B0502020202020204" pitchFamily="34" charset="0"/>
+            </a:endParaRPr>
+          </a:p>
+          <a:p>
+            <a:r>
+              <a:rPr lang="en-IN" sz="1000" dirty="0">
+                <a:latin typeface="Century Gothic" panose="020B0502020202020204" pitchFamily="34" charset="0"/>
+              </a:rPr>
+              <a:t>Step 07 : </a:t>
+            </a:r>
+            <a:r>
+              <a:rPr lang="en-US" sz="1000" b="1" dirty="0">
+                <a:highlight>
+                  <a:srgbClr val="FFFF00"/>
+                </a:highlight>
+                <a:latin typeface="Century Gothic" panose="020B0502020202020204" pitchFamily="34" charset="0"/>
+              </a:rPr>
+              <a:t>Should we impose size limits on custom aliases? </a:t>
+            </a:r>
+            <a:r>
+              <a:rPr lang="en-US" sz="1000" dirty="0">
+                <a:latin typeface="Century Gothic" panose="020B0502020202020204" pitchFamily="34" charset="0"/>
+              </a:rPr>
+              <a:t>Our service supports custom aliases. Users can pick any ‘key’ they like, but providing a custom alias is not mandatory. However, it is reasonable (and often desirable) to impose a size limit on a custom alias to ensure we have a consistent URL database.</a:t>
+            </a:r>
+            <a:endParaRPr lang="en-IN" sz="1000" dirty="0">
+              <a:solidFill>
+                <a:srgbClr val="00B0F0"/>
+              </a:solidFill>
+              <a:highlight>
+                <a:srgbClr val="FFFF00"/>
+              </a:highlight>
+              <a:latin typeface="Century Gothic" panose="020B0502020202020204" pitchFamily="34" charset="0"/>
+            </a:endParaRPr>
+          </a:p>
+        </p:txBody>
+      </p:sp>
+      <p:sp>
+        <p:nvSpPr>
+          <p:cNvPr id="13" name="Rectangle 12">
+            <a:extLst>
+              <a:ext uri="{FF2B5EF4-FFF2-40B4-BE49-F238E27FC236}">
+                <a16:creationId xmlns:a16="http://schemas.microsoft.com/office/drawing/2014/main" id="{E72E86CF-5211-44A9-A9B5-D79F125900BE}"/>
+              </a:ext>
+            </a:extLst>
+          </p:cNvPr>
+          <p:cNvSpPr/>
+          <p:nvPr/>
+        </p:nvSpPr>
+        <p:spPr>
+          <a:xfrm>
+            <a:off x="158096" y="757176"/>
+            <a:ext cx="6550352" cy="5940088"/>
+          </a:xfrm>
+          <a:prstGeom prst="rect">
+            <a:avLst/>
+          </a:prstGeom>
+          <a:noFill/>
+          <a:ln w="9525" cap="flat" cmpd="sng" algn="ctr">
+            <a:solidFill>
+              <a:schemeClr val="accent3"/>
+            </a:solidFill>
+            <a:prstDash val="solid"/>
+            <a:round/>
+            <a:headEnd type="none" w="med" len="med"/>
+            <a:tailEnd type="none" w="med" len="med"/>
+          </a:ln>
+        </p:spPr>
+        <p:style>
+          <a:lnRef idx="0">
+            <a:scrgbClr r="0" g="0" b="0"/>
+          </a:lnRef>
+          <a:fillRef idx="0">
+            <a:scrgbClr r="0" g="0" b="0"/>
+          </a:fillRef>
+          <a:effectRef idx="0">
+            <a:scrgbClr r="0" g="0" b="0"/>
+          </a:effectRef>
+          <a:fontRef idx="minor">
+            <a:schemeClr val="accent3"/>
+          </a:fontRef>
+        </p:style>
+        <p:txBody>
+          <a:bodyPr rtlCol="0" anchor="ctr"/>
+          <a:lstStyle/>
+          <a:p>
+            <a:pPr algn="ctr"/>
+            <a:endParaRPr lang="en-IN" dirty="0"/>
+          </a:p>
+        </p:txBody>
+      </p:sp>
+      <p:sp>
+        <p:nvSpPr>
+          <p:cNvPr id="15" name="Rectangle 14">
+            <a:extLst>
+              <a:ext uri="{FF2B5EF4-FFF2-40B4-BE49-F238E27FC236}">
+                <a16:creationId xmlns:a16="http://schemas.microsoft.com/office/drawing/2014/main" id="{49A5EC51-4993-4242-8EB1-89DFEE95D42C}"/>
+              </a:ext>
+            </a:extLst>
+          </p:cNvPr>
+          <p:cNvSpPr/>
+          <p:nvPr/>
+        </p:nvSpPr>
+        <p:spPr>
+          <a:xfrm>
+            <a:off x="6887911" y="757176"/>
+            <a:ext cx="5145994" cy="5940088"/>
+          </a:xfrm>
+          <a:prstGeom prst="rect">
+            <a:avLst/>
+          </a:prstGeom>
+          <a:noFill/>
+          <a:ln w="9525" cap="flat" cmpd="sng" algn="ctr">
+            <a:solidFill>
+              <a:schemeClr val="accent3"/>
+            </a:solidFill>
+            <a:prstDash val="solid"/>
+            <a:round/>
+            <a:headEnd type="none" w="med" len="med"/>
+            <a:tailEnd type="none" w="med" len="med"/>
+          </a:ln>
+        </p:spPr>
+        <p:style>
+          <a:lnRef idx="0">
+            <a:scrgbClr r="0" g="0" b="0"/>
+          </a:lnRef>
+          <a:fillRef idx="0">
+            <a:scrgbClr r="0" g="0" b="0"/>
+          </a:fillRef>
+          <a:effectRef idx="0">
+            <a:scrgbClr r="0" g="0" b="0"/>
+          </a:effectRef>
+          <a:fontRef idx="minor">
+            <a:schemeClr val="accent3"/>
+          </a:fontRef>
+        </p:style>
+        <p:txBody>
+          <a:bodyPr rtlCol="0" anchor="ctr"/>
+          <a:lstStyle/>
+          <a:p>
+            <a:pPr algn="ctr"/>
+            <a:endParaRPr lang="en-IN"/>
+          </a:p>
+        </p:txBody>
+      </p:sp>
+      <p:grpSp>
+        <p:nvGrpSpPr>
+          <p:cNvPr id="17" name="Group 16">
+            <a:extLst>
+              <a:ext uri="{FF2B5EF4-FFF2-40B4-BE49-F238E27FC236}">
+                <a16:creationId xmlns:a16="http://schemas.microsoft.com/office/drawing/2014/main" id="{9C576505-A9D9-44E2-8EAD-81230F254EEF}"/>
+              </a:ext>
+            </a:extLst>
+          </p:cNvPr>
+          <p:cNvGrpSpPr/>
+          <p:nvPr/>
+        </p:nvGrpSpPr>
+        <p:grpSpPr>
+          <a:xfrm>
+            <a:off x="7063099" y="1241209"/>
+            <a:ext cx="4795618" cy="2288663"/>
+            <a:chOff x="6446982" y="871671"/>
+            <a:chExt cx="5264727" cy="2495898"/>
+          </a:xfrm>
+        </p:grpSpPr>
+        <p:pic>
+          <p:nvPicPr>
+            <p:cNvPr id="18" name="Picture 17">
+              <a:extLst>
+                <a:ext uri="{FF2B5EF4-FFF2-40B4-BE49-F238E27FC236}">
+                  <a16:creationId xmlns:a16="http://schemas.microsoft.com/office/drawing/2014/main" id="{89EA8139-C40E-4CE0-89E7-066A4175214E}"/>
+                </a:ext>
+              </a:extLst>
+            </p:cNvPr>
+            <p:cNvPicPr>
+              <a:picLocks noChangeAspect="1"/>
+            </p:cNvPicPr>
+            <p:nvPr/>
+          </p:nvPicPr>
+          <p:blipFill>
+            <a:blip r:embed="rId2"/>
+            <a:stretch>
+              <a:fillRect/>
+            </a:stretch>
+          </p:blipFill>
+          <p:spPr>
+            <a:xfrm>
+              <a:off x="6458741" y="871671"/>
+              <a:ext cx="5239481" cy="2495898"/>
+            </a:xfrm>
+            <a:prstGeom prst="rect">
+              <a:avLst/>
+            </a:prstGeom>
+          </p:spPr>
+        </p:pic>
+        <p:sp>
+          <p:nvSpPr>
+            <p:cNvPr id="19" name="Rectangle 18">
+              <a:extLst>
+                <a:ext uri="{FF2B5EF4-FFF2-40B4-BE49-F238E27FC236}">
+                  <a16:creationId xmlns:a16="http://schemas.microsoft.com/office/drawing/2014/main" id="{A113EE2C-1535-41AA-B347-8364CE26B1A0}"/>
+                </a:ext>
+              </a:extLst>
+            </p:cNvPr>
+            <p:cNvSpPr/>
+            <p:nvPr/>
+          </p:nvSpPr>
+          <p:spPr>
+            <a:xfrm>
+              <a:off x="6446982" y="871671"/>
+              <a:ext cx="5264727" cy="2481129"/>
+            </a:xfrm>
+            <a:prstGeom prst="rect">
+              <a:avLst/>
+            </a:prstGeom>
+            <a:noFill/>
+            <a:ln w="9525" cap="flat" cmpd="sng" algn="ctr">
+              <a:solidFill>
+                <a:schemeClr val="accent3"/>
+              </a:solidFill>
+              <a:prstDash val="solid"/>
+              <a:round/>
+              <a:headEnd type="none" w="med" len="med"/>
+              <a:tailEnd type="none" w="med" len="med"/>
+            </a:ln>
+          </p:spPr>
+          <p:style>
+            <a:lnRef idx="0">
+              <a:scrgbClr r="0" g="0" b="0"/>
+            </a:lnRef>
+            <a:fillRef idx="0">
+              <a:scrgbClr r="0" g="0" b="0"/>
+            </a:fillRef>
+            <a:effectRef idx="0">
+              <a:scrgbClr r="0" g="0" b="0"/>
+            </a:effectRef>
+            <a:fontRef idx="minor">
+              <a:schemeClr val="accent3"/>
+            </a:fontRef>
+          </p:style>
+          <p:txBody>
+            <a:bodyPr rtlCol="0" anchor="ctr"/>
+            <a:lstStyle/>
+            <a:p>
+              <a:pPr algn="ctr"/>
+              <a:endParaRPr lang="en-IN" dirty="0"/>
+            </a:p>
+          </p:txBody>
+        </p:sp>
+        <p:sp>
+          <p:nvSpPr>
+            <p:cNvPr id="20" name="Oval 19">
+              <a:extLst>
+                <a:ext uri="{FF2B5EF4-FFF2-40B4-BE49-F238E27FC236}">
+                  <a16:creationId xmlns:a16="http://schemas.microsoft.com/office/drawing/2014/main" id="{27AD56DD-636E-46BD-A64D-566FF536EE5A}"/>
+                </a:ext>
+              </a:extLst>
+            </p:cNvPr>
+            <p:cNvSpPr/>
+            <p:nvPr/>
+          </p:nvSpPr>
+          <p:spPr>
+            <a:xfrm>
+              <a:off x="7469629" y="948583"/>
+              <a:ext cx="256374" cy="256374"/>
+            </a:xfrm>
+            <a:prstGeom prst="ellipse">
+              <a:avLst/>
+            </a:prstGeom>
+          </p:spPr>
+          <p:style>
+            <a:lnRef idx="0">
+              <a:schemeClr val="accent5"/>
+            </a:lnRef>
+            <a:fillRef idx="3">
+              <a:schemeClr val="accent5"/>
+            </a:fillRef>
+            <a:effectRef idx="3">
+              <a:schemeClr val="accent5"/>
+            </a:effectRef>
+            <a:fontRef idx="minor">
+              <a:schemeClr val="lt1"/>
+            </a:fontRef>
+          </p:style>
+          <p:txBody>
+            <a:bodyPr rtlCol="0" anchor="ctr"/>
+            <a:lstStyle/>
+            <a:p>
+              <a:pPr algn="ctr"/>
+              <a:r>
+                <a:rPr lang="en-IN" sz="1600" dirty="0"/>
+                <a:t>1</a:t>
+              </a:r>
+            </a:p>
+          </p:txBody>
+        </p:sp>
+        <p:sp>
+          <p:nvSpPr>
+            <p:cNvPr id="22" name="Oval 21">
+              <a:extLst>
+                <a:ext uri="{FF2B5EF4-FFF2-40B4-BE49-F238E27FC236}">
+                  <a16:creationId xmlns:a16="http://schemas.microsoft.com/office/drawing/2014/main" id="{E9BDF66B-9827-4C75-8DF7-2757C549647E}"/>
+                </a:ext>
+              </a:extLst>
+            </p:cNvPr>
+            <p:cNvSpPr/>
+            <p:nvPr/>
+          </p:nvSpPr>
+          <p:spPr>
+            <a:xfrm>
+              <a:off x="9455738" y="948583"/>
+              <a:ext cx="256374" cy="256374"/>
+            </a:xfrm>
+            <a:prstGeom prst="ellipse">
+              <a:avLst/>
+            </a:prstGeom>
+          </p:spPr>
+          <p:style>
+            <a:lnRef idx="0">
+              <a:schemeClr val="accent5"/>
+            </a:lnRef>
+            <a:fillRef idx="3">
+              <a:schemeClr val="accent5"/>
+            </a:fillRef>
+            <a:effectRef idx="3">
+              <a:schemeClr val="accent5"/>
+            </a:effectRef>
+            <a:fontRef idx="minor">
+              <a:schemeClr val="lt1"/>
+            </a:fontRef>
+          </p:style>
+          <p:txBody>
+            <a:bodyPr rtlCol="0" anchor="ctr"/>
+            <a:lstStyle/>
+            <a:p>
+              <a:pPr algn="ctr"/>
+              <a:r>
+                <a:rPr lang="en-IN" sz="1600" dirty="0"/>
+                <a:t>2</a:t>
+              </a:r>
+            </a:p>
+          </p:txBody>
+        </p:sp>
+        <p:sp>
+          <p:nvSpPr>
+            <p:cNvPr id="23" name="Oval 22">
+              <a:extLst>
+                <a:ext uri="{FF2B5EF4-FFF2-40B4-BE49-F238E27FC236}">
+                  <a16:creationId xmlns:a16="http://schemas.microsoft.com/office/drawing/2014/main" id="{68F15134-F249-45BA-96EE-40F51A59C019}"/>
+                </a:ext>
+              </a:extLst>
+            </p:cNvPr>
+            <p:cNvSpPr/>
+            <p:nvPr/>
+          </p:nvSpPr>
+          <p:spPr>
+            <a:xfrm>
+              <a:off x="9455738" y="1743758"/>
+              <a:ext cx="256374" cy="256374"/>
+            </a:xfrm>
+            <a:prstGeom prst="ellipse">
+              <a:avLst/>
+            </a:prstGeom>
+          </p:spPr>
+          <p:style>
+            <a:lnRef idx="0">
+              <a:schemeClr val="accent5"/>
+            </a:lnRef>
+            <a:fillRef idx="3">
+              <a:schemeClr val="accent5"/>
+            </a:fillRef>
+            <a:effectRef idx="3">
+              <a:schemeClr val="accent5"/>
+            </a:effectRef>
+            <a:fontRef idx="minor">
+              <a:schemeClr val="lt1"/>
+            </a:fontRef>
+          </p:style>
+          <p:txBody>
+            <a:bodyPr rtlCol="0" anchor="ctr"/>
+            <a:lstStyle/>
+            <a:p>
+              <a:pPr algn="ctr"/>
+              <a:r>
+                <a:rPr lang="en-IN" sz="1600" dirty="0"/>
+                <a:t>3</a:t>
+              </a:r>
+            </a:p>
+          </p:txBody>
+        </p:sp>
+        <p:sp>
+          <p:nvSpPr>
+            <p:cNvPr id="24" name="Oval 23">
+              <a:extLst>
+                <a:ext uri="{FF2B5EF4-FFF2-40B4-BE49-F238E27FC236}">
+                  <a16:creationId xmlns:a16="http://schemas.microsoft.com/office/drawing/2014/main" id="{B07DC5D3-99A4-4270-B436-4FDFC38A8075}"/>
+                </a:ext>
+              </a:extLst>
+            </p:cNvPr>
+            <p:cNvSpPr/>
+            <p:nvPr/>
+          </p:nvSpPr>
+          <p:spPr>
+            <a:xfrm>
+              <a:off x="10565267" y="2112235"/>
+              <a:ext cx="256374" cy="256374"/>
+            </a:xfrm>
+            <a:prstGeom prst="ellipse">
+              <a:avLst/>
+            </a:prstGeom>
+          </p:spPr>
+          <p:style>
+            <a:lnRef idx="0">
+              <a:schemeClr val="accent5"/>
+            </a:lnRef>
+            <a:fillRef idx="3">
+              <a:schemeClr val="accent5"/>
+            </a:fillRef>
+            <a:effectRef idx="3">
+              <a:schemeClr val="accent5"/>
+            </a:effectRef>
+            <a:fontRef idx="minor">
+              <a:schemeClr val="lt1"/>
+            </a:fontRef>
+          </p:style>
+          <p:txBody>
+            <a:bodyPr rtlCol="0" anchor="ctr"/>
+            <a:lstStyle/>
+            <a:p>
+              <a:pPr algn="ctr"/>
+              <a:r>
+                <a:rPr lang="en-IN" sz="1600" dirty="0"/>
+                <a:t>4</a:t>
+              </a:r>
+            </a:p>
+          </p:txBody>
+        </p:sp>
+        <p:sp>
+          <p:nvSpPr>
+            <p:cNvPr id="25" name="Oval 24">
+              <a:extLst>
+                <a:ext uri="{FF2B5EF4-FFF2-40B4-BE49-F238E27FC236}">
+                  <a16:creationId xmlns:a16="http://schemas.microsoft.com/office/drawing/2014/main" id="{CF223D94-64D0-4B73-BC78-600FC6F821D7}"/>
+                </a:ext>
+              </a:extLst>
+            </p:cNvPr>
+            <p:cNvSpPr/>
+            <p:nvPr/>
+          </p:nvSpPr>
+          <p:spPr>
+            <a:xfrm>
+              <a:off x="8383817" y="1984048"/>
+              <a:ext cx="256374" cy="256374"/>
+            </a:xfrm>
+            <a:prstGeom prst="ellipse">
+              <a:avLst/>
+            </a:prstGeom>
+          </p:spPr>
+          <p:style>
+            <a:lnRef idx="0">
+              <a:schemeClr val="accent5"/>
+            </a:lnRef>
+            <a:fillRef idx="3">
+              <a:schemeClr val="accent5"/>
+            </a:fillRef>
+            <a:effectRef idx="3">
+              <a:schemeClr val="accent5"/>
+            </a:effectRef>
+            <a:fontRef idx="minor">
+              <a:schemeClr val="lt1"/>
+            </a:fontRef>
+          </p:style>
+          <p:txBody>
+            <a:bodyPr rtlCol="0" anchor="ctr"/>
+            <a:lstStyle/>
+            <a:p>
+              <a:pPr algn="ctr"/>
+              <a:r>
+                <a:rPr lang="en-IN" sz="1600" dirty="0"/>
+                <a:t>5</a:t>
+              </a:r>
+            </a:p>
+          </p:txBody>
+        </p:sp>
+        <p:sp>
+          <p:nvSpPr>
+            <p:cNvPr id="26" name="Oval 25">
+              <a:extLst>
+                <a:ext uri="{FF2B5EF4-FFF2-40B4-BE49-F238E27FC236}">
+                  <a16:creationId xmlns:a16="http://schemas.microsoft.com/office/drawing/2014/main" id="{8F68D95D-AFA9-41CA-BF8F-6A305C8352EF}"/>
+                </a:ext>
+              </a:extLst>
+            </p:cNvPr>
+            <p:cNvSpPr/>
+            <p:nvPr/>
+          </p:nvSpPr>
+          <p:spPr>
+            <a:xfrm>
+              <a:off x="7469629" y="1693754"/>
+              <a:ext cx="256374" cy="256374"/>
+            </a:xfrm>
+            <a:prstGeom prst="ellipse">
+              <a:avLst/>
+            </a:prstGeom>
+          </p:spPr>
+          <p:style>
+            <a:lnRef idx="0">
+              <a:schemeClr val="accent5"/>
+            </a:lnRef>
+            <a:fillRef idx="3">
+              <a:schemeClr val="accent5"/>
+            </a:fillRef>
+            <a:effectRef idx="3">
+              <a:schemeClr val="accent5"/>
+            </a:effectRef>
+            <a:fontRef idx="minor">
+              <a:schemeClr val="lt1"/>
+            </a:fontRef>
+          </p:style>
+          <p:txBody>
+            <a:bodyPr rtlCol="0" anchor="ctr"/>
+            <a:lstStyle/>
+            <a:p>
+              <a:pPr algn="ctr"/>
+              <a:r>
+                <a:rPr lang="en-IN" sz="1600" dirty="0"/>
+                <a:t>6</a:t>
+              </a:r>
+            </a:p>
+          </p:txBody>
+        </p:sp>
+        <p:sp>
+          <p:nvSpPr>
+            <p:cNvPr id="27" name="TextBox 26">
+              <a:extLst>
+                <a:ext uri="{FF2B5EF4-FFF2-40B4-BE49-F238E27FC236}">
+                  <a16:creationId xmlns:a16="http://schemas.microsoft.com/office/drawing/2014/main" id="{61A300DC-18B2-4D46-B0E6-3A91D347337F}"/>
+                </a:ext>
+              </a:extLst>
+            </p:cNvPr>
+            <p:cNvSpPr txBox="1"/>
+            <p:nvPr/>
+          </p:nvSpPr>
+          <p:spPr>
+            <a:xfrm>
+              <a:off x="6674266" y="2590800"/>
+              <a:ext cx="666571" cy="246221"/>
+            </a:xfrm>
+            <a:prstGeom prst="rect">
+              <a:avLst/>
+            </a:prstGeom>
+            <a:noFill/>
+          </p:spPr>
+          <p:txBody>
+            <a:bodyPr wrap="square" rtlCol="0">
+              <a:spAutoFit/>
+            </a:bodyPr>
+            <a:lstStyle/>
+            <a:p>
+              <a:r>
+                <a:rPr lang="en-IN" sz="1000" b="1" dirty="0">
+                  <a:latin typeface="Century Gothic" panose="020B0502020202020204" pitchFamily="34" charset="0"/>
+                </a:rPr>
+                <a:t>PICT-01</a:t>
+              </a:r>
+            </a:p>
+          </p:txBody>
+        </p:sp>
+        <p:sp>
+          <p:nvSpPr>
+            <p:cNvPr id="28" name="Rectangle: Rounded Corners 27">
+              <a:extLst>
+                <a:ext uri="{FF2B5EF4-FFF2-40B4-BE49-F238E27FC236}">
+                  <a16:creationId xmlns:a16="http://schemas.microsoft.com/office/drawing/2014/main" id="{5A1C4561-ECAA-4E77-A315-908033A3BF06}"/>
+                </a:ext>
+              </a:extLst>
+            </p:cNvPr>
+            <p:cNvSpPr/>
+            <p:nvPr/>
+          </p:nvSpPr>
+          <p:spPr>
+            <a:xfrm>
+              <a:off x="8156384" y="948583"/>
+              <a:ext cx="3377310" cy="2282990"/>
+            </a:xfrm>
+            <a:prstGeom prst="roundRect">
+              <a:avLst/>
+            </a:prstGeom>
+            <a:noFill/>
+            <a:ln w="9525" cap="flat" cmpd="sng" algn="ctr">
+              <a:solidFill>
+                <a:schemeClr val="accent5"/>
+              </a:solidFill>
+              <a:prstDash val="solid"/>
+              <a:round/>
+              <a:headEnd type="none" w="med" len="med"/>
+              <a:tailEnd type="none" w="med" len="med"/>
+            </a:ln>
+          </p:spPr>
+          <p:style>
+            <a:lnRef idx="0">
+              <a:scrgbClr r="0" g="0" b="0"/>
+            </a:lnRef>
+            <a:fillRef idx="0">
+              <a:scrgbClr r="0" g="0" b="0"/>
+            </a:fillRef>
+            <a:effectRef idx="0">
+              <a:scrgbClr r="0" g="0" b="0"/>
+            </a:effectRef>
+            <a:fontRef idx="minor">
+              <a:schemeClr val="accent5"/>
+            </a:fontRef>
+          </p:style>
+          <p:txBody>
+            <a:bodyPr rtlCol="0" anchor="ctr"/>
+            <a:lstStyle/>
+            <a:p>
+              <a:pPr algn="ctr"/>
+              <a:endParaRPr lang="en-IN" dirty="0"/>
+            </a:p>
+          </p:txBody>
+        </p:sp>
+        <p:sp>
+          <p:nvSpPr>
+            <p:cNvPr id="29" name="Rectangle 28">
+              <a:extLst>
+                <a:ext uri="{FF2B5EF4-FFF2-40B4-BE49-F238E27FC236}">
+                  <a16:creationId xmlns:a16="http://schemas.microsoft.com/office/drawing/2014/main" id="{A08D3D46-315D-4E57-BB66-71978418C4CF}"/>
+                </a:ext>
+              </a:extLst>
+            </p:cNvPr>
+            <p:cNvSpPr/>
+            <p:nvPr/>
+          </p:nvSpPr>
+          <p:spPr>
+            <a:xfrm>
+              <a:off x="10359736" y="1028699"/>
+              <a:ext cx="945573" cy="758795"/>
+            </a:xfrm>
+            <a:prstGeom prst="rect">
+              <a:avLst/>
+            </a:prstGeom>
+            <a:noFill/>
+            <a:ln w="9525" cap="flat" cmpd="sng" algn="ctr">
+              <a:solidFill>
+                <a:schemeClr val="accent2"/>
+              </a:solidFill>
+              <a:prstDash val="solid"/>
+              <a:round/>
+              <a:headEnd type="none" w="med" len="med"/>
+              <a:tailEnd type="none" w="med" len="med"/>
+            </a:ln>
+          </p:spPr>
+          <p:style>
+            <a:lnRef idx="0">
+              <a:scrgbClr r="0" g="0" b="0"/>
+            </a:lnRef>
+            <a:fillRef idx="0">
+              <a:scrgbClr r="0" g="0" b="0"/>
+            </a:fillRef>
+            <a:effectRef idx="0">
+              <a:scrgbClr r="0" g="0" b="0"/>
+            </a:effectRef>
+            <a:fontRef idx="minor">
+              <a:schemeClr val="accent2"/>
+            </a:fontRef>
+          </p:style>
+          <p:txBody>
+            <a:bodyPr rtlCol="0" anchor="ctr"/>
+            <a:lstStyle/>
+            <a:p>
+              <a:pPr algn="ctr"/>
+              <a:endParaRPr lang="en-IN" dirty="0"/>
+            </a:p>
+          </p:txBody>
+        </p:sp>
+      </p:grpSp>
+      <p:pic>
+        <p:nvPicPr>
+          <p:cNvPr id="30" name="Picture 29">
+            <a:extLst>
+              <a:ext uri="{FF2B5EF4-FFF2-40B4-BE49-F238E27FC236}">
+                <a16:creationId xmlns:a16="http://schemas.microsoft.com/office/drawing/2014/main" id="{C02A4014-0B4C-4DCF-BAFC-A346120471BD}"/>
+              </a:ext>
+            </a:extLst>
+          </p:cNvPr>
+          <p:cNvPicPr>
+            <a:picLocks noChangeAspect="1"/>
+          </p:cNvPicPr>
+          <p:nvPr/>
+        </p:nvPicPr>
+        <p:blipFill>
+          <a:blip r:embed="rId3"/>
+          <a:stretch>
+            <a:fillRect/>
+          </a:stretch>
+        </p:blipFill>
+        <p:spPr>
+          <a:xfrm>
+            <a:off x="7193454" y="4337256"/>
+            <a:ext cx="4491953" cy="1647659"/>
+          </a:xfrm>
+          <a:prstGeom prst="rect">
+            <a:avLst/>
+          </a:prstGeom>
+        </p:spPr>
+      </p:pic>
+      <p:sp>
+        <p:nvSpPr>
+          <p:cNvPr id="31" name="Rectangle 30">
+            <a:extLst>
+              <a:ext uri="{FF2B5EF4-FFF2-40B4-BE49-F238E27FC236}">
+                <a16:creationId xmlns:a16="http://schemas.microsoft.com/office/drawing/2014/main" id="{CE0F1704-05EE-41BA-9EB1-A49131613DEB}"/>
+              </a:ext>
+            </a:extLst>
+          </p:cNvPr>
+          <p:cNvSpPr/>
+          <p:nvPr/>
+        </p:nvSpPr>
+        <p:spPr>
+          <a:xfrm>
+            <a:off x="7063100" y="4072335"/>
+            <a:ext cx="4795618" cy="2140516"/>
+          </a:xfrm>
+          <a:prstGeom prst="rect">
+            <a:avLst/>
+          </a:prstGeom>
+          <a:noFill/>
+          <a:ln w="9525" cap="flat" cmpd="sng" algn="ctr">
+            <a:solidFill>
+              <a:schemeClr val="accent3"/>
+            </a:solidFill>
+            <a:prstDash val="solid"/>
+            <a:round/>
+            <a:headEnd type="none" w="med" len="med"/>
+            <a:tailEnd type="none" w="med" len="med"/>
+          </a:ln>
+        </p:spPr>
+        <p:style>
+          <a:lnRef idx="0">
+            <a:scrgbClr r="0" g="0" b="0"/>
+          </a:lnRef>
+          <a:fillRef idx="0">
+            <a:scrgbClr r="0" g="0" b="0"/>
+          </a:fillRef>
+          <a:effectRef idx="0">
+            <a:scrgbClr r="0" g="0" b="0"/>
+          </a:effectRef>
+          <a:fontRef idx="minor">
+            <a:schemeClr val="accent3"/>
+          </a:fontRef>
+        </p:style>
+        <p:txBody>
+          <a:bodyPr rtlCol="0" anchor="ctr"/>
+          <a:lstStyle/>
+          <a:p>
+            <a:pPr algn="ctr"/>
+            <a:endParaRPr lang="en-IN" dirty="0"/>
+          </a:p>
+        </p:txBody>
+      </p:sp>
+      <p:sp>
+        <p:nvSpPr>
+          <p:cNvPr id="16" name="Rectangle: Rounded Corners 15">
+            <a:extLst>
+              <a:ext uri="{FF2B5EF4-FFF2-40B4-BE49-F238E27FC236}">
+                <a16:creationId xmlns:a16="http://schemas.microsoft.com/office/drawing/2014/main" id="{EB5E845D-2C85-4087-A737-5387552C2EF7}"/>
+              </a:ext>
+            </a:extLst>
+          </p:cNvPr>
+          <p:cNvSpPr/>
+          <p:nvPr/>
+        </p:nvSpPr>
+        <p:spPr>
+          <a:xfrm>
+            <a:off x="7061524" y="3420016"/>
+            <a:ext cx="1765830" cy="264921"/>
+          </a:xfrm>
+          <a:prstGeom prst="roundRect">
+            <a:avLst/>
+          </a:prstGeom>
+        </p:spPr>
+        <p:style>
+          <a:lnRef idx="3">
+            <a:schemeClr val="lt1"/>
+          </a:lnRef>
+          <a:fillRef idx="1">
+            <a:schemeClr val="accent5"/>
+          </a:fillRef>
+          <a:effectRef idx="1">
+            <a:schemeClr val="accent5"/>
+          </a:effectRef>
+          <a:fontRef idx="minor">
+            <a:schemeClr val="lt1"/>
+          </a:fontRef>
+        </p:style>
+        <p:txBody>
+          <a:bodyPr rtlCol="0" anchor="ctr"/>
+          <a:lstStyle/>
+          <a:p>
+            <a:pPr algn="ctr"/>
+            <a:r>
+              <a:rPr lang="en-IN" sz="1000" b="1" dirty="0">
+                <a:latin typeface="Century Gothic" panose="020B0502020202020204" pitchFamily="34" charset="0"/>
+              </a:rPr>
+              <a:t>Encoding URL Approach</a:t>
+            </a:r>
+          </a:p>
+        </p:txBody>
+      </p:sp>
+      <p:sp>
+        <p:nvSpPr>
+          <p:cNvPr id="32" name="Rectangle: Rounded Corners 31">
+            <a:extLst>
+              <a:ext uri="{FF2B5EF4-FFF2-40B4-BE49-F238E27FC236}">
+                <a16:creationId xmlns:a16="http://schemas.microsoft.com/office/drawing/2014/main" id="{6D77CDD5-FF90-4EAD-A6C5-876A04002896}"/>
+              </a:ext>
+            </a:extLst>
+          </p:cNvPr>
+          <p:cNvSpPr/>
+          <p:nvPr/>
+        </p:nvSpPr>
+        <p:spPr>
+          <a:xfrm>
+            <a:off x="7061524" y="6150916"/>
+            <a:ext cx="1765830" cy="264921"/>
+          </a:xfrm>
+          <a:prstGeom prst="roundRect">
+            <a:avLst/>
+          </a:prstGeom>
+        </p:spPr>
+        <p:style>
+          <a:lnRef idx="3">
+            <a:schemeClr val="lt1"/>
+          </a:lnRef>
+          <a:fillRef idx="1">
+            <a:schemeClr val="accent5"/>
+          </a:fillRef>
+          <a:effectRef idx="1">
+            <a:schemeClr val="accent5"/>
+          </a:effectRef>
+          <a:fontRef idx="minor">
+            <a:schemeClr val="lt1"/>
+          </a:fontRef>
+        </p:style>
+        <p:txBody>
+          <a:bodyPr rtlCol="0" anchor="ctr"/>
+          <a:lstStyle/>
+          <a:p>
+            <a:pPr algn="ctr"/>
+            <a:r>
+              <a:rPr lang="en-IN" sz="1000" b="1" dirty="0">
+                <a:latin typeface="Century Gothic" panose="020B0502020202020204" pitchFamily="34" charset="0"/>
+              </a:rPr>
+              <a:t>Generating Key Offline</a:t>
+            </a:r>
+          </a:p>
+        </p:txBody>
+      </p:sp>
+      <p:sp>
+        <p:nvSpPr>
+          <p:cNvPr id="33" name="Rectangle: Rounded Corners 32">
+            <a:extLst>
+              <a:ext uri="{FF2B5EF4-FFF2-40B4-BE49-F238E27FC236}">
+                <a16:creationId xmlns:a16="http://schemas.microsoft.com/office/drawing/2014/main" id="{57909233-ACEC-41E7-8DDB-C79D44D45439}"/>
+              </a:ext>
+            </a:extLst>
+          </p:cNvPr>
+          <p:cNvSpPr/>
+          <p:nvPr/>
+        </p:nvSpPr>
+        <p:spPr>
+          <a:xfrm>
+            <a:off x="8548474" y="806270"/>
+            <a:ext cx="2078736" cy="343900"/>
+          </a:xfrm>
+          <a:prstGeom prst="roundRect">
+            <a:avLst/>
+          </a:prstGeom>
+        </p:spPr>
+        <p:style>
+          <a:lnRef idx="3">
+            <a:schemeClr val="lt1"/>
+          </a:lnRef>
+          <a:fillRef idx="1">
+            <a:schemeClr val="accent5"/>
+          </a:fillRef>
+          <a:effectRef idx="1">
+            <a:schemeClr val="accent5"/>
+          </a:effectRef>
+          <a:fontRef idx="minor">
+            <a:schemeClr val="lt1"/>
+          </a:fontRef>
+        </p:style>
+        <p:txBody>
+          <a:bodyPr rtlCol="0" anchor="ctr"/>
+          <a:lstStyle/>
+          <a:p>
+            <a:pPr algn="ctr"/>
+            <a:r>
+              <a:rPr lang="en-IN" sz="1600" b="1" dirty="0">
+                <a:latin typeface="Century Gothic" panose="020B0502020202020204" pitchFamily="34" charset="0"/>
+              </a:rPr>
+              <a:t>Summary</a:t>
+            </a:r>
+            <a:endParaRPr lang="en-IN" sz="1400" b="1" dirty="0">
+              <a:latin typeface="Century Gothic" panose="020B0502020202020204" pitchFamily="34" charset="0"/>
+            </a:endParaRPr>
+          </a:p>
+        </p:txBody>
+      </p:sp>
+      <p:sp>
+        <p:nvSpPr>
+          <p:cNvPr id="34" name="Rectangle: Rounded Corners 33">
+            <a:extLst>
+              <a:ext uri="{FF2B5EF4-FFF2-40B4-BE49-F238E27FC236}">
+                <a16:creationId xmlns:a16="http://schemas.microsoft.com/office/drawing/2014/main" id="{0BD19810-115A-4D61-BC3E-3B76ABEEF681}"/>
+              </a:ext>
+            </a:extLst>
+          </p:cNvPr>
+          <p:cNvSpPr/>
+          <p:nvPr/>
+        </p:nvSpPr>
+        <p:spPr>
+          <a:xfrm>
+            <a:off x="9716567" y="2691926"/>
+            <a:ext cx="700755" cy="666572"/>
+          </a:xfrm>
+          <a:prstGeom prst="roundRect">
+            <a:avLst/>
+          </a:prstGeom>
+          <a:noFill/>
+          <a:ln w="9525" cap="flat" cmpd="sng" algn="ctr">
+            <a:solidFill>
+              <a:schemeClr val="accent2"/>
+            </a:solidFill>
+            <a:prstDash val="solid"/>
+            <a:round/>
+            <a:headEnd type="none" w="med" len="med"/>
+            <a:tailEnd type="none" w="med" len="med"/>
+          </a:ln>
+        </p:spPr>
+        <p:style>
+          <a:lnRef idx="0">
+            <a:scrgbClr r="0" g="0" b="0"/>
+          </a:lnRef>
+          <a:fillRef idx="0">
+            <a:scrgbClr r="0" g="0" b="0"/>
+          </a:fillRef>
+          <a:effectRef idx="0">
+            <a:scrgbClr r="0" g="0" b="0"/>
+          </a:effectRef>
+          <a:fontRef idx="minor">
+            <a:schemeClr val="accent2"/>
+          </a:fontRef>
+        </p:style>
+        <p:txBody>
+          <a:bodyPr rtlCol="0" anchor="ctr"/>
+          <a:lstStyle/>
+          <a:p>
+            <a:pPr algn="ctr"/>
+            <a:endParaRPr lang="en-IN" dirty="0"/>
+          </a:p>
+        </p:txBody>
+      </p:sp>
+      <p:sp>
+        <p:nvSpPr>
+          <p:cNvPr id="35" name="Rectangle: Rounded Corners 34">
+            <a:extLst>
+              <a:ext uri="{FF2B5EF4-FFF2-40B4-BE49-F238E27FC236}">
+                <a16:creationId xmlns:a16="http://schemas.microsoft.com/office/drawing/2014/main" id="{C24E3B4D-5540-4BDC-B630-E921E539071F}"/>
+              </a:ext>
+            </a:extLst>
+          </p:cNvPr>
+          <p:cNvSpPr/>
+          <p:nvPr/>
+        </p:nvSpPr>
+        <p:spPr>
+          <a:xfrm>
+            <a:off x="8839640" y="5255664"/>
+            <a:ext cx="876927" cy="640934"/>
+          </a:xfrm>
+          <a:prstGeom prst="roundRect">
+            <a:avLst/>
+          </a:prstGeom>
+          <a:noFill/>
+          <a:ln w="9525" cap="flat" cmpd="sng" algn="ctr">
+            <a:solidFill>
+              <a:schemeClr val="accent2"/>
+            </a:solidFill>
+            <a:prstDash val="solid"/>
+            <a:round/>
+            <a:headEnd type="none" w="med" len="med"/>
+            <a:tailEnd type="none" w="med" len="med"/>
+          </a:ln>
+        </p:spPr>
+        <p:style>
+          <a:lnRef idx="0">
+            <a:scrgbClr r="0" g="0" b="0"/>
+          </a:lnRef>
+          <a:fillRef idx="0">
+            <a:scrgbClr r="0" g="0" b="0"/>
+          </a:fillRef>
+          <a:effectRef idx="0">
+            <a:scrgbClr r="0" g="0" b="0"/>
+          </a:effectRef>
+          <a:fontRef idx="minor">
+            <a:schemeClr val="accent2"/>
+          </a:fontRef>
+        </p:style>
+        <p:txBody>
+          <a:bodyPr rtlCol="0" anchor="ctr"/>
+          <a:lstStyle/>
+          <a:p>
+            <a:pPr algn="ctr"/>
+            <a:endParaRPr lang="en-IN" dirty="0"/>
+          </a:p>
+        </p:txBody>
+      </p:sp>
+    </p:spTree>
+    <p:extLst>
+      <p:ext uri="{BB962C8B-B14F-4D97-AF65-F5344CB8AC3E}">
+        <p14:creationId xmlns:p14="http://schemas.microsoft.com/office/powerpoint/2010/main" val="1094759689"/>
+      </p:ext>
+    </p:extLst>
+  </p:cSld>
+  <p:clrMapOvr>
+    <a:masterClrMapping/>
+  </p:clrMapOvr>
+</p:sld>
+</file>
+
+<file path=ppt/slides/slide7.xml><?xml version="1.0" encoding="utf-8"?>
+<p:sld xmlns:a="http://schemas.openxmlformats.org/drawingml/2006/main" xmlns:r="http://schemas.openxmlformats.org/officeDocument/2006/relationships" xmlns:p="http://schemas.openxmlformats.org/presentationml/2006/main">
+  <p:cSld>
+    <p:spTree>
+      <p:nvGrpSpPr>
+        <p:cNvPr id="1" name=""/>
+        <p:cNvGrpSpPr/>
+        <p:nvPr/>
+      </p:nvGrpSpPr>
+      <p:grpSpPr>
+        <a:xfrm>
+          <a:off x="0" y="0"/>
+          <a:ext cx="0" cy="0"/>
+          <a:chOff x="0" y="0"/>
+          <a:chExt cx="0" cy="0"/>
+        </a:xfrm>
+      </p:grpSpPr>
+      <p:sp>
+        <p:nvSpPr>
+          <p:cNvPr id="6" name="Rectangle 5">
+            <a:extLst>
+              <a:ext uri="{FF2B5EF4-FFF2-40B4-BE49-F238E27FC236}">
+                <a16:creationId xmlns:a16="http://schemas.microsoft.com/office/drawing/2014/main" id="{23D9A284-E705-4058-BC97-E411758071E2}"/>
+              </a:ext>
+            </a:extLst>
+          </p:cNvPr>
+          <p:cNvSpPr/>
+          <p:nvPr/>
+        </p:nvSpPr>
+        <p:spPr>
+          <a:xfrm>
+            <a:off x="0" y="0"/>
+            <a:ext cx="12192000" cy="623843"/>
+          </a:xfrm>
+          <a:prstGeom prst="rect">
+            <a:avLst/>
+          </a:prstGeom>
+        </p:spPr>
+        <p:style>
+          <a:lnRef idx="2">
+            <a:schemeClr val="accent1">
+              <a:shade val="50000"/>
+            </a:schemeClr>
+          </a:lnRef>
+          <a:fillRef idx="1">
+            <a:schemeClr val="accent1"/>
+          </a:fillRef>
+          <a:effectRef idx="0">
+            <a:schemeClr val="accent1"/>
+          </a:effectRef>
+          <a:fontRef idx="minor">
+            <a:schemeClr val="lt1"/>
+          </a:fontRef>
+        </p:style>
+        <p:txBody>
+          <a:bodyPr rtlCol="0" anchor="ctr"/>
+          <a:lstStyle/>
+          <a:p>
+            <a:pPr algn="ctr"/>
+            <a:r>
+              <a:rPr lang="en-IN" b="1" i="0" dirty="0">
+                <a:effectLst/>
+                <a:latin typeface="Nunito Sans" pitchFamily="2" charset="0"/>
+              </a:rPr>
+              <a:t>System design </a:t>
+            </a:r>
+            <a:r>
+              <a:rPr lang="en-IN" b="1" dirty="0">
+                <a:latin typeface="Nunito Sans" pitchFamily="2" charset="0"/>
+              </a:rPr>
+              <a:t>: </a:t>
+            </a:r>
+            <a:r>
+              <a:rPr lang="en-IN" b="1" i="0" dirty="0">
+                <a:effectLst/>
+                <a:latin typeface="Nunito Sans" pitchFamily="2" charset="0"/>
+              </a:rPr>
+              <a:t>High Level - System design blocks 4/5</a:t>
+            </a:r>
+          </a:p>
+        </p:txBody>
+      </p:sp>
+      <p:sp>
+        <p:nvSpPr>
+          <p:cNvPr id="12" name="TextBox 11">
+            <a:extLst>
+              <a:ext uri="{FF2B5EF4-FFF2-40B4-BE49-F238E27FC236}">
+                <a16:creationId xmlns:a16="http://schemas.microsoft.com/office/drawing/2014/main" id="{1FB3E5F7-4450-4C57-B414-C396DC62E8BC}"/>
+              </a:ext>
+            </a:extLst>
+          </p:cNvPr>
+          <p:cNvSpPr txBox="1"/>
+          <p:nvPr/>
+        </p:nvSpPr>
+        <p:spPr>
+          <a:xfrm>
+            <a:off x="158096" y="757176"/>
+            <a:ext cx="6071788" cy="5324535"/>
+          </a:xfrm>
+          <a:prstGeom prst="rect">
+            <a:avLst/>
+          </a:prstGeom>
+          <a:noFill/>
+        </p:spPr>
+        <p:txBody>
+          <a:bodyPr wrap="square">
+            <a:spAutoFit/>
+          </a:bodyPr>
+          <a:lstStyle/>
+          <a:p>
+            <a:r>
+              <a:rPr lang="en-IN" sz="1000" b="1" dirty="0">
+                <a:highlight>
+                  <a:srgbClr val="FFFF00"/>
+                </a:highlight>
+                <a:latin typeface="Century Gothic" panose="020B0502020202020204" pitchFamily="34" charset="0"/>
+              </a:rPr>
+              <a:t>Can concurrency cause problems?</a:t>
+            </a:r>
+          </a:p>
+          <a:p>
+            <a:endParaRPr lang="en-US" sz="1000" b="1" dirty="0">
+              <a:highlight>
+                <a:srgbClr val="FFFF00"/>
+              </a:highlight>
+              <a:latin typeface="Century Gothic" panose="020B0502020202020204" pitchFamily="34" charset="0"/>
+            </a:endParaRPr>
+          </a:p>
+          <a:p>
+            <a:r>
+              <a:rPr lang="en-US" sz="1000" dirty="0">
+                <a:latin typeface="Century Gothic" panose="020B0502020202020204" pitchFamily="34" charset="0"/>
+              </a:rPr>
+              <a:t>If there are multiple servers reading keys concurrently, we might get a scenario where two or more servers try to read the same key from the database. </a:t>
+            </a:r>
+            <a:r>
+              <a:rPr lang="en-US" sz="1000" b="1" dirty="0">
+                <a:latin typeface="Century Gothic" panose="020B0502020202020204" pitchFamily="34" charset="0"/>
+              </a:rPr>
+              <a:t>How can we solve this concurrency problem?</a:t>
+            </a:r>
+          </a:p>
+          <a:p>
+            <a:endParaRPr lang="en-IN" sz="1000" dirty="0">
+              <a:latin typeface="Century Gothic" panose="020B0502020202020204" pitchFamily="34" charset="0"/>
+            </a:endParaRPr>
+          </a:p>
+          <a:p>
+            <a:r>
+              <a:rPr lang="en-IN" sz="1000" dirty="0">
+                <a:latin typeface="Century Gothic" panose="020B0502020202020204" pitchFamily="34" charset="0"/>
+              </a:rPr>
+              <a:t>Data Partition and Replication?</a:t>
+            </a:r>
+          </a:p>
+          <a:p>
+            <a:endParaRPr lang="en-US" sz="1000" dirty="0">
+              <a:latin typeface="Century Gothic" panose="020B0502020202020204" pitchFamily="34" charset="0"/>
+            </a:endParaRPr>
+          </a:p>
+          <a:p>
+            <a:r>
+              <a:rPr lang="en-US" sz="1000" dirty="0">
+                <a:latin typeface="Century Gothic" panose="020B0502020202020204" pitchFamily="34" charset="0"/>
+              </a:rPr>
+              <a:t>To scale out our DB, we need to partition it so that it can store information about billions of URLs.</a:t>
+            </a:r>
+            <a:endParaRPr lang="en-IN" sz="1000" dirty="0">
+              <a:latin typeface="Century Gothic" panose="020B0502020202020204" pitchFamily="34" charset="0"/>
+            </a:endParaRPr>
+          </a:p>
+          <a:p>
+            <a:endParaRPr lang="en-US" sz="1000" dirty="0">
+              <a:latin typeface="Century Gothic" panose="020B0502020202020204" pitchFamily="34" charset="0"/>
+            </a:endParaRPr>
+          </a:p>
+          <a:p>
+            <a:r>
+              <a:rPr lang="en-US" sz="1000" dirty="0">
+                <a:latin typeface="Century Gothic" panose="020B0502020202020204" pitchFamily="34" charset="0"/>
+              </a:rPr>
+              <a:t>Therefore, we need to develop a partitioning scheme that would divide and store our data into different DB servers.</a:t>
+            </a:r>
+            <a:endParaRPr lang="en-IN" sz="1000" dirty="0">
+              <a:latin typeface="Century Gothic" panose="020B0502020202020204" pitchFamily="34" charset="0"/>
+            </a:endParaRPr>
+          </a:p>
+          <a:p>
+            <a:endParaRPr lang="en-IN" sz="1000" dirty="0">
+              <a:latin typeface="Century Gothic" panose="020B0502020202020204" pitchFamily="34" charset="0"/>
+            </a:endParaRPr>
+          </a:p>
+          <a:p>
+            <a:r>
+              <a:rPr lang="en-IN" sz="1000" dirty="0">
+                <a:latin typeface="Century Gothic" panose="020B0502020202020204" pitchFamily="34" charset="0"/>
+              </a:rPr>
+              <a:t>Ok, so let’s think about , how to partitioning the table here in our case</a:t>
+            </a:r>
+          </a:p>
+          <a:p>
+            <a:r>
+              <a:rPr lang="en-IN" sz="1000" dirty="0">
+                <a:latin typeface="Century Gothic" panose="020B0502020202020204" pitchFamily="34" charset="0"/>
+              </a:rPr>
+              <a:t>Majorly we are dealing here for ShortURL, OrigionalURL and UserID</a:t>
+            </a:r>
+          </a:p>
+          <a:p>
+            <a:endParaRPr lang="en-IN" sz="1000" dirty="0">
+              <a:latin typeface="Century Gothic" panose="020B0502020202020204" pitchFamily="34" charset="0"/>
+            </a:endParaRPr>
+          </a:p>
+          <a:p>
+            <a:pPr marL="228600" indent="-228600">
+              <a:buAutoNum type="alphaLcPeriod"/>
+            </a:pPr>
+            <a:r>
+              <a:rPr lang="en-IN" sz="1000" b="1" i="0" dirty="0">
+                <a:solidFill>
+                  <a:srgbClr val="3D3D4E"/>
+                </a:solidFill>
+                <a:effectLst/>
+                <a:latin typeface="Century Gothic" panose="020B0502020202020204" pitchFamily="34" charset="0"/>
+              </a:rPr>
+              <a:t>Range Based Partitioning:</a:t>
+            </a:r>
+            <a:r>
+              <a:rPr lang="en-IN" sz="1000" b="0" i="0" dirty="0">
+                <a:solidFill>
+                  <a:srgbClr val="3D3D4E"/>
+                </a:solidFill>
+                <a:effectLst/>
+                <a:latin typeface="Century Gothic" panose="020B0502020202020204" pitchFamily="34" charset="0"/>
+              </a:rPr>
+              <a:t> </a:t>
+            </a:r>
+          </a:p>
+          <a:p>
+            <a:r>
+              <a:rPr lang="en-IN" sz="1000" dirty="0">
+                <a:latin typeface="Century Gothic" panose="020B0502020202020204" pitchFamily="34" charset="0"/>
+              </a:rPr>
+              <a:t>In this approach, we are planning to divide the first character of our short URL into range and assign range to DB server. Meaning here, suppose your first letter of my short URL fall in A~D character than as per range division it will go Part 01 DB server, and so on…</a:t>
+            </a:r>
+          </a:p>
+          <a:p>
+            <a:endParaRPr lang="en-IN" sz="1000" dirty="0">
+              <a:latin typeface="Century Gothic" panose="020B0502020202020204" pitchFamily="34" charset="0"/>
+            </a:endParaRPr>
+          </a:p>
+          <a:p>
+            <a:r>
+              <a:rPr lang="en-IN" sz="1000" b="1" dirty="0">
+                <a:latin typeface="Century Gothic" panose="020B0502020202020204" pitchFamily="34" charset="0"/>
+              </a:rPr>
+              <a:t>			Conceptual Diagram</a:t>
+            </a:r>
+          </a:p>
+          <a:p>
+            <a:r>
+              <a:rPr lang="en-US" sz="1000" dirty="0">
+                <a:latin typeface="Century Gothic" panose="020B0502020202020204" pitchFamily="34" charset="0"/>
+              </a:rPr>
+              <a:t>We can even combine certain less </a:t>
+            </a:r>
+          </a:p>
+          <a:p>
+            <a:r>
+              <a:rPr lang="en-US" sz="1000" dirty="0">
+                <a:latin typeface="Century Gothic" panose="020B0502020202020204" pitchFamily="34" charset="0"/>
+              </a:rPr>
+              <a:t>frequently occurring letters into one </a:t>
+            </a:r>
+          </a:p>
+          <a:p>
+            <a:r>
+              <a:rPr lang="en-US" sz="1000" dirty="0">
+                <a:latin typeface="Century Gothic" panose="020B0502020202020204" pitchFamily="34" charset="0"/>
+              </a:rPr>
+              <a:t>database partition. </a:t>
+            </a:r>
+          </a:p>
+          <a:p>
+            <a:endParaRPr lang="en-US" sz="1000" dirty="0">
+              <a:latin typeface="Century Gothic" panose="020B0502020202020204" pitchFamily="34" charset="0"/>
+            </a:endParaRPr>
+          </a:p>
+          <a:p>
+            <a:endParaRPr lang="en-US" sz="1000" b="0" i="0" dirty="0">
+              <a:solidFill>
+                <a:srgbClr val="3D3D4E"/>
+              </a:solidFill>
+              <a:effectLst/>
+              <a:latin typeface="Century Gothic" panose="020B0502020202020204" pitchFamily="34" charset="0"/>
+            </a:endParaRPr>
+          </a:p>
+          <a:p>
+            <a:r>
+              <a:rPr lang="en-US" sz="1000" b="0" i="0" dirty="0">
+                <a:solidFill>
+                  <a:srgbClr val="3D3D4E"/>
+                </a:solidFill>
+                <a:effectLst/>
+                <a:latin typeface="Century Gothic" panose="020B0502020202020204" pitchFamily="34" charset="0"/>
+              </a:rPr>
+              <a:t>The main problem with this approach is that it can </a:t>
+            </a:r>
+          </a:p>
+          <a:p>
+            <a:r>
+              <a:rPr lang="en-US" sz="1000" b="0" i="0" dirty="0">
+                <a:solidFill>
+                  <a:srgbClr val="3D3D4E"/>
+                </a:solidFill>
+                <a:effectLst/>
+                <a:latin typeface="Century Gothic" panose="020B0502020202020204" pitchFamily="34" charset="0"/>
+              </a:rPr>
+              <a:t>lead to unbalanced DB servers. </a:t>
+            </a:r>
+          </a:p>
+          <a:p>
+            <a:endParaRPr lang="en-US" sz="1000" dirty="0">
+              <a:solidFill>
+                <a:srgbClr val="3D3D4E"/>
+              </a:solidFill>
+              <a:latin typeface="Century Gothic" panose="020B0502020202020204" pitchFamily="34" charset="0"/>
+            </a:endParaRPr>
+          </a:p>
+          <a:p>
+            <a:r>
+              <a:rPr lang="en-US" sz="1000" dirty="0">
+                <a:solidFill>
+                  <a:srgbClr val="3D3D4E"/>
+                </a:solidFill>
+                <a:highlight>
+                  <a:srgbClr val="FFFF00"/>
+                </a:highlight>
+                <a:latin typeface="Century Gothic" panose="020B0502020202020204" pitchFamily="34" charset="0"/>
+              </a:rPr>
+              <a:t>So, we should look for some better approach</a:t>
+            </a:r>
+            <a:endParaRPr lang="en-IN" sz="1000" dirty="0">
+              <a:highlight>
+                <a:srgbClr val="FFFF00"/>
+              </a:highlight>
+              <a:latin typeface="Century Gothic" panose="020B0502020202020204" pitchFamily="34" charset="0"/>
+            </a:endParaRPr>
+          </a:p>
+          <a:p>
+            <a:endParaRPr lang="en-IN" sz="1000" dirty="0">
+              <a:latin typeface="Century Gothic" panose="020B0502020202020204" pitchFamily="34" charset="0"/>
+            </a:endParaRPr>
+          </a:p>
+          <a:p>
+            <a:endParaRPr lang="en-IN" sz="1000" dirty="0">
+              <a:latin typeface="Century Gothic" panose="020B0502020202020204" pitchFamily="34" charset="0"/>
+            </a:endParaRPr>
+          </a:p>
+        </p:txBody>
+      </p:sp>
+      <p:sp>
+        <p:nvSpPr>
+          <p:cNvPr id="13" name="Rectangle 12">
+            <a:extLst>
+              <a:ext uri="{FF2B5EF4-FFF2-40B4-BE49-F238E27FC236}">
+                <a16:creationId xmlns:a16="http://schemas.microsoft.com/office/drawing/2014/main" id="{E72E86CF-5211-44A9-A9B5-D79F125900BE}"/>
+              </a:ext>
+            </a:extLst>
+          </p:cNvPr>
+          <p:cNvSpPr/>
+          <p:nvPr/>
+        </p:nvSpPr>
+        <p:spPr>
+          <a:xfrm>
+            <a:off x="158096" y="757176"/>
+            <a:ext cx="6473440" cy="5940088"/>
+          </a:xfrm>
+          <a:prstGeom prst="rect">
+            <a:avLst/>
+          </a:prstGeom>
+          <a:noFill/>
+          <a:ln w="9525" cap="flat" cmpd="sng" algn="ctr">
+            <a:solidFill>
+              <a:schemeClr val="accent3"/>
+            </a:solidFill>
+            <a:prstDash val="solid"/>
+            <a:round/>
+            <a:headEnd type="none" w="med" len="med"/>
+            <a:tailEnd type="none" w="med" len="med"/>
+          </a:ln>
+        </p:spPr>
+        <p:style>
+          <a:lnRef idx="0">
+            <a:scrgbClr r="0" g="0" b="0"/>
+          </a:lnRef>
+          <a:fillRef idx="0">
+            <a:scrgbClr r="0" g="0" b="0"/>
+          </a:fillRef>
+          <a:effectRef idx="0">
+            <a:scrgbClr r="0" g="0" b="0"/>
+          </a:effectRef>
+          <a:fontRef idx="minor">
+            <a:schemeClr val="accent3"/>
+          </a:fontRef>
+        </p:style>
+        <p:txBody>
+          <a:bodyPr rtlCol="0" anchor="ctr"/>
+          <a:lstStyle/>
+          <a:p>
+            <a:pPr algn="ctr"/>
+            <a:endParaRPr lang="en-IN" dirty="0"/>
+          </a:p>
+        </p:txBody>
+      </p:sp>
+      <p:grpSp>
+        <p:nvGrpSpPr>
+          <p:cNvPr id="58" name="Group 57">
+            <a:extLst>
+              <a:ext uri="{FF2B5EF4-FFF2-40B4-BE49-F238E27FC236}">
+                <a16:creationId xmlns:a16="http://schemas.microsoft.com/office/drawing/2014/main" id="{0374DC24-735A-4810-A78E-AA91EAEEFF9C}"/>
+              </a:ext>
+            </a:extLst>
+          </p:cNvPr>
+          <p:cNvGrpSpPr/>
+          <p:nvPr/>
+        </p:nvGrpSpPr>
+        <p:grpSpPr>
+          <a:xfrm>
+            <a:off x="2986947" y="4366902"/>
+            <a:ext cx="3358500" cy="1640792"/>
+            <a:chOff x="7392110" y="1390829"/>
+            <a:chExt cx="4394391" cy="2546642"/>
+          </a:xfrm>
+        </p:grpSpPr>
+        <p:sp>
+          <p:nvSpPr>
+            <p:cNvPr id="38" name="Rectangle 37">
+              <a:extLst>
+                <a:ext uri="{FF2B5EF4-FFF2-40B4-BE49-F238E27FC236}">
+                  <a16:creationId xmlns:a16="http://schemas.microsoft.com/office/drawing/2014/main" id="{18F41EFB-493B-4BBC-8EDD-49C55A884C08}"/>
+                </a:ext>
+              </a:extLst>
+            </p:cNvPr>
+            <p:cNvSpPr/>
+            <p:nvPr/>
+          </p:nvSpPr>
+          <p:spPr>
+            <a:xfrm>
+              <a:off x="7392110" y="1422873"/>
+              <a:ext cx="910196" cy="561886"/>
+            </a:xfrm>
+            <a:prstGeom prst="rect">
+              <a:avLst/>
+            </a:prstGeom>
+          </p:spPr>
+          <p:style>
+            <a:lnRef idx="0">
+              <a:schemeClr val="accent5"/>
+            </a:lnRef>
+            <a:fillRef idx="3">
+              <a:schemeClr val="accent5"/>
+            </a:fillRef>
+            <a:effectRef idx="3">
+              <a:schemeClr val="accent5"/>
+            </a:effectRef>
+            <a:fontRef idx="minor">
+              <a:schemeClr val="lt1"/>
+            </a:fontRef>
+          </p:style>
+          <p:txBody>
+            <a:bodyPr rtlCol="0" anchor="ctr"/>
+            <a:lstStyle/>
+            <a:p>
+              <a:pPr algn="ctr"/>
+              <a:r>
+                <a:rPr lang="en-IN" sz="1000" dirty="0"/>
+                <a:t>DB</a:t>
+              </a:r>
+            </a:p>
+            <a:p>
+              <a:pPr algn="ctr"/>
+              <a:r>
+                <a:rPr lang="en-IN" sz="1000" b="1" dirty="0">
+                  <a:solidFill>
+                    <a:srgbClr val="002060"/>
+                  </a:solidFill>
+                  <a:highlight>
+                    <a:srgbClr val="FFFF00"/>
+                  </a:highlight>
+                </a:rPr>
+                <a:t>Part 01</a:t>
+              </a:r>
+              <a:endParaRPr lang="en-IN" b="1" dirty="0">
+                <a:solidFill>
+                  <a:srgbClr val="002060"/>
+                </a:solidFill>
+                <a:highlight>
+                  <a:srgbClr val="FFFF00"/>
+                </a:highlight>
+              </a:endParaRPr>
+            </a:p>
+          </p:txBody>
+        </p:sp>
+        <p:sp>
+          <p:nvSpPr>
+            <p:cNvPr id="39" name="Rectangle 38">
+              <a:extLst>
+                <a:ext uri="{FF2B5EF4-FFF2-40B4-BE49-F238E27FC236}">
+                  <a16:creationId xmlns:a16="http://schemas.microsoft.com/office/drawing/2014/main" id="{441A7FED-D3B9-4FCA-AF89-48EE232A260E}"/>
+                </a:ext>
+              </a:extLst>
+            </p:cNvPr>
+            <p:cNvSpPr/>
+            <p:nvPr/>
+          </p:nvSpPr>
+          <p:spPr>
+            <a:xfrm>
+              <a:off x="8785077" y="3674692"/>
+              <a:ext cx="2367184" cy="262779"/>
+            </a:xfrm>
+            <a:prstGeom prst="rect">
+              <a:avLst/>
+            </a:prstGeom>
+            <a:solidFill>
+              <a:srgbClr val="FFC000"/>
+            </a:solidFill>
+            <a:ln>
+              <a:noFill/>
+            </a:ln>
+          </p:spPr>
+          <p:style>
+            <a:lnRef idx="2">
+              <a:schemeClr val="accent1">
+                <a:shade val="50000"/>
+              </a:schemeClr>
+            </a:lnRef>
+            <a:fillRef idx="1">
+              <a:schemeClr val="accent1"/>
+            </a:fillRef>
+            <a:effectRef idx="0">
+              <a:schemeClr val="accent1"/>
+            </a:effectRef>
+            <a:fontRef idx="minor">
+              <a:schemeClr val="lt1"/>
+            </a:fontRef>
+          </p:style>
+          <p:txBody>
+            <a:bodyPr rtlCol="0" anchor="ctr"/>
+            <a:lstStyle/>
+            <a:p>
+              <a:pPr algn="ctr"/>
+              <a:r>
+                <a:rPr lang="en-IN" sz="1200" b="1" dirty="0">
+                  <a:solidFill>
+                    <a:srgbClr val="002060"/>
+                  </a:solidFill>
+                </a:rPr>
+                <a:t>Distribution Logic</a:t>
+              </a:r>
+            </a:p>
+          </p:txBody>
+        </p:sp>
+        <p:cxnSp>
+          <p:nvCxnSpPr>
+            <p:cNvPr id="8" name="Straight Connector 7">
+              <a:extLst>
+                <a:ext uri="{FF2B5EF4-FFF2-40B4-BE49-F238E27FC236}">
+                  <a16:creationId xmlns:a16="http://schemas.microsoft.com/office/drawing/2014/main" id="{D80D5FBF-68CF-4AC8-A72B-3C9707D127F0}"/>
+                </a:ext>
+              </a:extLst>
+            </p:cNvPr>
+            <p:cNvCxnSpPr>
+              <a:cxnSpLocks/>
+              <a:stCxn id="39" idx="0"/>
+            </p:cNvCxnSpPr>
+            <p:nvPr/>
+          </p:nvCxnSpPr>
+          <p:spPr>
+            <a:xfrm flipH="1" flipV="1">
+              <a:off x="8754693" y="1963396"/>
+              <a:ext cx="1213976" cy="1711296"/>
+            </a:xfrm>
+            <a:prstGeom prst="line">
+              <a:avLst/>
+            </a:prstGeom>
+          </p:spPr>
+          <p:style>
+            <a:lnRef idx="1">
+              <a:schemeClr val="accent1"/>
+            </a:lnRef>
+            <a:fillRef idx="0">
+              <a:schemeClr val="accent1"/>
+            </a:fillRef>
+            <a:effectRef idx="0">
+              <a:schemeClr val="accent1"/>
+            </a:effectRef>
+            <a:fontRef idx="minor">
+              <a:schemeClr val="tx1"/>
+            </a:fontRef>
+          </p:style>
+        </p:cxnSp>
+        <p:cxnSp>
+          <p:nvCxnSpPr>
+            <p:cNvPr id="10" name="Straight Connector 9">
+              <a:extLst>
+                <a:ext uri="{FF2B5EF4-FFF2-40B4-BE49-F238E27FC236}">
+                  <a16:creationId xmlns:a16="http://schemas.microsoft.com/office/drawing/2014/main" id="{43E66DFA-F631-4179-A8B5-EFB54DB7F328}"/>
+                </a:ext>
+              </a:extLst>
+            </p:cNvPr>
+            <p:cNvCxnSpPr>
+              <a:cxnSpLocks/>
+              <a:stCxn id="39" idx="0"/>
+            </p:cNvCxnSpPr>
+            <p:nvPr/>
+          </p:nvCxnSpPr>
+          <p:spPr>
+            <a:xfrm flipH="1" flipV="1">
+              <a:off x="9852353" y="1984760"/>
+              <a:ext cx="116316" cy="1689932"/>
+            </a:xfrm>
+            <a:prstGeom prst="line">
+              <a:avLst/>
+            </a:prstGeom>
+          </p:spPr>
+          <p:style>
+            <a:lnRef idx="1">
+              <a:schemeClr val="accent1"/>
+            </a:lnRef>
+            <a:fillRef idx="0">
+              <a:schemeClr val="accent1"/>
+            </a:fillRef>
+            <a:effectRef idx="0">
+              <a:schemeClr val="accent1"/>
+            </a:effectRef>
+            <a:fontRef idx="minor">
+              <a:schemeClr val="tx1"/>
+            </a:fontRef>
+          </p:style>
+        </p:cxnSp>
+        <p:cxnSp>
+          <p:nvCxnSpPr>
+            <p:cNvPr id="14" name="Straight Connector 13">
+              <a:extLst>
+                <a:ext uri="{FF2B5EF4-FFF2-40B4-BE49-F238E27FC236}">
+                  <a16:creationId xmlns:a16="http://schemas.microsoft.com/office/drawing/2014/main" id="{0E21BDF4-C5EE-40B5-8BED-9F8F4B8989FD}"/>
+                </a:ext>
+              </a:extLst>
+            </p:cNvPr>
+            <p:cNvCxnSpPr>
+              <a:cxnSpLocks/>
+              <a:stCxn id="39" idx="0"/>
+            </p:cNvCxnSpPr>
+            <p:nvPr/>
+          </p:nvCxnSpPr>
+          <p:spPr>
+            <a:xfrm flipV="1">
+              <a:off x="9968669" y="1984760"/>
+              <a:ext cx="1071073" cy="1689932"/>
+            </a:xfrm>
+            <a:prstGeom prst="line">
+              <a:avLst/>
+            </a:prstGeom>
+          </p:spPr>
+          <p:style>
+            <a:lnRef idx="1">
+              <a:schemeClr val="accent1"/>
+            </a:lnRef>
+            <a:fillRef idx="0">
+              <a:schemeClr val="accent1"/>
+            </a:fillRef>
+            <a:effectRef idx="0">
+              <a:schemeClr val="accent1"/>
+            </a:effectRef>
+            <a:fontRef idx="minor">
+              <a:schemeClr val="tx1"/>
+            </a:fontRef>
+          </p:style>
+        </p:cxnSp>
+        <p:cxnSp>
+          <p:nvCxnSpPr>
+            <p:cNvPr id="40" name="Straight Connector 39">
+              <a:extLst>
+                <a:ext uri="{FF2B5EF4-FFF2-40B4-BE49-F238E27FC236}">
+                  <a16:creationId xmlns:a16="http://schemas.microsoft.com/office/drawing/2014/main" id="{2AEA3EDB-3EEF-47F5-98B1-5035EB124013}"/>
+                </a:ext>
+              </a:extLst>
+            </p:cNvPr>
+            <p:cNvCxnSpPr>
+              <a:cxnSpLocks/>
+              <a:stCxn id="38" idx="2"/>
+              <a:endCxn id="39" idx="0"/>
+            </p:cNvCxnSpPr>
+            <p:nvPr/>
+          </p:nvCxnSpPr>
+          <p:spPr>
+            <a:xfrm>
+              <a:off x="7847209" y="1984759"/>
+              <a:ext cx="2121461" cy="1689932"/>
+            </a:xfrm>
+            <a:prstGeom prst="line">
+              <a:avLst/>
+            </a:prstGeom>
+          </p:spPr>
+          <p:style>
+            <a:lnRef idx="1">
+              <a:schemeClr val="accent1"/>
+            </a:lnRef>
+            <a:fillRef idx="0">
+              <a:schemeClr val="accent1"/>
+            </a:fillRef>
+            <a:effectRef idx="0">
+              <a:schemeClr val="accent1"/>
+            </a:effectRef>
+            <a:fontRef idx="minor">
+              <a:schemeClr val="tx1"/>
+            </a:fontRef>
+          </p:style>
+        </p:cxnSp>
+        <p:sp>
+          <p:nvSpPr>
+            <p:cNvPr id="42" name="Rectangle 41">
+              <a:extLst>
+                <a:ext uri="{FF2B5EF4-FFF2-40B4-BE49-F238E27FC236}">
+                  <a16:creationId xmlns:a16="http://schemas.microsoft.com/office/drawing/2014/main" id="{09EE9CE1-E796-4BE2-9AB2-BE4D1D13E741}"/>
+                </a:ext>
+              </a:extLst>
+            </p:cNvPr>
+            <p:cNvSpPr/>
+            <p:nvPr/>
+          </p:nvSpPr>
+          <p:spPr>
+            <a:xfrm>
+              <a:off x="8654277" y="1390829"/>
+              <a:ext cx="854581" cy="593929"/>
+            </a:xfrm>
+            <a:prstGeom prst="rect">
+              <a:avLst/>
+            </a:prstGeom>
+          </p:spPr>
+          <p:style>
+            <a:lnRef idx="0">
+              <a:schemeClr val="accent5"/>
+            </a:lnRef>
+            <a:fillRef idx="3">
+              <a:schemeClr val="accent5"/>
+            </a:fillRef>
+            <a:effectRef idx="3">
+              <a:schemeClr val="accent5"/>
+            </a:effectRef>
+            <a:fontRef idx="minor">
+              <a:schemeClr val="lt1"/>
+            </a:fontRef>
+          </p:style>
+          <p:txBody>
+            <a:bodyPr rtlCol="0" anchor="ctr"/>
+            <a:lstStyle/>
+            <a:p>
+              <a:pPr algn="ctr"/>
+              <a:r>
+                <a:rPr lang="en-IN" sz="1000" dirty="0"/>
+                <a:t>DB</a:t>
+              </a:r>
+            </a:p>
+            <a:p>
+              <a:pPr algn="ctr"/>
+              <a:r>
+                <a:rPr lang="en-IN" sz="1000" b="1" dirty="0">
+                  <a:solidFill>
+                    <a:srgbClr val="002060"/>
+                  </a:solidFill>
+                  <a:highlight>
+                    <a:srgbClr val="FFFF00"/>
+                  </a:highlight>
+                </a:rPr>
+                <a:t>Part 02</a:t>
+              </a:r>
+              <a:endParaRPr lang="en-IN" b="1" dirty="0">
+                <a:solidFill>
+                  <a:srgbClr val="002060"/>
+                </a:solidFill>
+                <a:highlight>
+                  <a:srgbClr val="FFFF00"/>
+                </a:highlight>
+              </a:endParaRPr>
+            </a:p>
+          </p:txBody>
+        </p:sp>
+        <p:sp>
+          <p:nvSpPr>
+            <p:cNvPr id="43" name="Rectangle 42">
+              <a:extLst>
+                <a:ext uri="{FF2B5EF4-FFF2-40B4-BE49-F238E27FC236}">
+                  <a16:creationId xmlns:a16="http://schemas.microsoft.com/office/drawing/2014/main" id="{7645F46E-CD2A-43FC-923A-E113510B0FF4}"/>
+                </a:ext>
+              </a:extLst>
+            </p:cNvPr>
+            <p:cNvSpPr/>
+            <p:nvPr/>
+          </p:nvSpPr>
+          <p:spPr>
+            <a:xfrm>
+              <a:off x="9766894" y="1401510"/>
+              <a:ext cx="854581" cy="593929"/>
+            </a:xfrm>
+            <a:prstGeom prst="rect">
+              <a:avLst/>
+            </a:prstGeom>
+          </p:spPr>
+          <p:style>
+            <a:lnRef idx="0">
+              <a:schemeClr val="accent5"/>
+            </a:lnRef>
+            <a:fillRef idx="3">
+              <a:schemeClr val="accent5"/>
+            </a:fillRef>
+            <a:effectRef idx="3">
+              <a:schemeClr val="accent5"/>
+            </a:effectRef>
+            <a:fontRef idx="minor">
+              <a:schemeClr val="lt1"/>
+            </a:fontRef>
+          </p:style>
+          <p:txBody>
+            <a:bodyPr rtlCol="0" anchor="ctr"/>
+            <a:lstStyle/>
+            <a:p>
+              <a:pPr algn="ctr"/>
+              <a:r>
+                <a:rPr lang="en-IN" sz="1000" dirty="0"/>
+                <a:t>DB</a:t>
+              </a:r>
+            </a:p>
+            <a:p>
+              <a:pPr algn="ctr"/>
+              <a:r>
+                <a:rPr lang="en-IN" sz="1000" b="1" dirty="0">
+                  <a:solidFill>
+                    <a:srgbClr val="002060"/>
+                  </a:solidFill>
+                  <a:highlight>
+                    <a:srgbClr val="FFFF00"/>
+                  </a:highlight>
+                </a:rPr>
+                <a:t>Part 03</a:t>
+              </a:r>
+              <a:endParaRPr lang="en-IN" b="1" dirty="0">
+                <a:solidFill>
+                  <a:srgbClr val="002060"/>
+                </a:solidFill>
+                <a:highlight>
+                  <a:srgbClr val="FFFF00"/>
+                </a:highlight>
+              </a:endParaRPr>
+            </a:p>
+          </p:txBody>
+        </p:sp>
+        <p:sp>
+          <p:nvSpPr>
+            <p:cNvPr id="44" name="Rectangle 43">
+              <a:extLst>
+                <a:ext uri="{FF2B5EF4-FFF2-40B4-BE49-F238E27FC236}">
+                  <a16:creationId xmlns:a16="http://schemas.microsoft.com/office/drawing/2014/main" id="{62673C59-A701-4DD1-A34E-2FC0B35D9E30}"/>
+                </a:ext>
+              </a:extLst>
+            </p:cNvPr>
+            <p:cNvSpPr/>
+            <p:nvPr/>
+          </p:nvSpPr>
+          <p:spPr>
+            <a:xfrm>
+              <a:off x="10931920" y="1412193"/>
+              <a:ext cx="854581" cy="593929"/>
+            </a:xfrm>
+            <a:prstGeom prst="rect">
+              <a:avLst/>
+            </a:prstGeom>
+          </p:spPr>
+          <p:style>
+            <a:lnRef idx="0">
+              <a:schemeClr val="accent5"/>
+            </a:lnRef>
+            <a:fillRef idx="3">
+              <a:schemeClr val="accent5"/>
+            </a:fillRef>
+            <a:effectRef idx="3">
+              <a:schemeClr val="accent5"/>
+            </a:effectRef>
+            <a:fontRef idx="minor">
+              <a:schemeClr val="lt1"/>
+            </a:fontRef>
+          </p:style>
+          <p:txBody>
+            <a:bodyPr rtlCol="0" anchor="ctr"/>
+            <a:lstStyle/>
+            <a:p>
+              <a:pPr algn="ctr"/>
+              <a:r>
+                <a:rPr lang="en-IN" sz="1000" dirty="0"/>
+                <a:t>DB</a:t>
+              </a:r>
+            </a:p>
+            <a:p>
+              <a:pPr algn="ctr"/>
+              <a:r>
+                <a:rPr lang="en-IN" sz="1000" b="1" dirty="0">
+                  <a:solidFill>
+                    <a:srgbClr val="002060"/>
+                  </a:solidFill>
+                  <a:highlight>
+                    <a:srgbClr val="FFFF00"/>
+                  </a:highlight>
+                </a:rPr>
+                <a:t>Part 04</a:t>
+              </a:r>
+              <a:endParaRPr lang="en-IN" b="1" dirty="0">
+                <a:solidFill>
+                  <a:srgbClr val="002060"/>
+                </a:solidFill>
+                <a:highlight>
+                  <a:srgbClr val="FFFF00"/>
+                </a:highlight>
+              </a:endParaRPr>
+            </a:p>
+          </p:txBody>
+        </p:sp>
+      </p:grpSp>
+      <p:sp>
+        <p:nvSpPr>
+          <p:cNvPr id="59" name="TextBox 58">
+            <a:extLst>
+              <a:ext uri="{FF2B5EF4-FFF2-40B4-BE49-F238E27FC236}">
+                <a16:creationId xmlns:a16="http://schemas.microsoft.com/office/drawing/2014/main" id="{15477BC5-7AC3-4CE6-B709-1EEEC80E3D99}"/>
+              </a:ext>
+            </a:extLst>
+          </p:cNvPr>
+          <p:cNvSpPr txBox="1"/>
+          <p:nvPr/>
+        </p:nvSpPr>
+        <p:spPr>
+          <a:xfrm>
+            <a:off x="6896840" y="832664"/>
+            <a:ext cx="4990360" cy="2400657"/>
+          </a:xfrm>
+          <a:prstGeom prst="rect">
+            <a:avLst/>
+          </a:prstGeom>
+          <a:noFill/>
+        </p:spPr>
+        <p:txBody>
+          <a:bodyPr wrap="square">
+            <a:spAutoFit/>
+          </a:bodyPr>
+          <a:lstStyle/>
+          <a:p>
+            <a:r>
+              <a:rPr lang="en-IN" sz="1000" b="1" dirty="0">
+                <a:latin typeface="Century Gothic" panose="020B0502020202020204" pitchFamily="34" charset="0"/>
+              </a:rPr>
+              <a:t>b. Hash based partitioning</a:t>
+            </a:r>
+          </a:p>
+          <a:p>
+            <a:r>
+              <a:rPr lang="en-IN" sz="1000" dirty="0">
+                <a:latin typeface="Century Gothic" panose="020B0502020202020204" pitchFamily="34" charset="0"/>
+              </a:rPr>
+              <a:t> </a:t>
+            </a:r>
+          </a:p>
+          <a:p>
+            <a:r>
+              <a:rPr lang="en-US" sz="1000" b="0" i="0" dirty="0">
+                <a:solidFill>
+                  <a:srgbClr val="3D3D4E"/>
+                </a:solidFill>
+                <a:effectLst/>
+                <a:latin typeface="Century Gothic" panose="020B0502020202020204" pitchFamily="34" charset="0"/>
+              </a:rPr>
+              <a:t>In this scheme, we take a hash of the object we are storing. We then calculate which partition to use based upon the hash. </a:t>
+            </a:r>
+            <a:r>
+              <a:rPr lang="en-US" sz="1000" b="0" i="0" dirty="0">
+                <a:solidFill>
+                  <a:srgbClr val="3D3D4E"/>
+                </a:solidFill>
+                <a:effectLst/>
+                <a:highlight>
+                  <a:srgbClr val="FFFF00"/>
+                </a:highlight>
+                <a:latin typeface="Century Gothic" panose="020B0502020202020204" pitchFamily="34" charset="0"/>
+              </a:rPr>
+              <a:t>In our case, we can take the hash of the ‘key’ or the short link to determine the partition in which we store the data object.</a:t>
+            </a:r>
+            <a:endParaRPr lang="en-IN" sz="1000" dirty="0">
+              <a:highlight>
+                <a:srgbClr val="FFFF00"/>
+              </a:highlight>
+              <a:latin typeface="Century Gothic" panose="020B0502020202020204" pitchFamily="34" charset="0"/>
+            </a:endParaRPr>
+          </a:p>
+          <a:p>
+            <a:endParaRPr lang="en-IN" sz="1000" dirty="0">
+              <a:latin typeface="Century Gothic" panose="020B0502020202020204" pitchFamily="34" charset="0"/>
+            </a:endParaRPr>
+          </a:p>
+          <a:p>
+            <a:r>
+              <a:rPr lang="en-IN" sz="1000" dirty="0">
+                <a:latin typeface="Century Gothic" panose="020B0502020202020204" pitchFamily="34" charset="0"/>
+              </a:rPr>
+              <a:t>And one more point I would like to mention here that we might have to use consistent hashing in this case to minimize the impact of certain server failure or addition for scale up.</a:t>
+            </a:r>
+          </a:p>
+          <a:p>
+            <a:endParaRPr lang="en-IN" sz="1000" dirty="0">
+              <a:latin typeface="Century Gothic" panose="020B0502020202020204" pitchFamily="34" charset="0"/>
+            </a:endParaRPr>
+          </a:p>
+          <a:p>
+            <a:r>
+              <a:rPr lang="en-IN" sz="1000" dirty="0">
+                <a:latin typeface="Century Gothic" panose="020B0502020202020204" pitchFamily="34" charset="0"/>
+              </a:rPr>
+              <a:t>So, this much information seems enough for partitioning and than every partition should be backed with replication to maintain the resiliency into our system.</a:t>
+            </a:r>
+          </a:p>
+          <a:p>
+            <a:endParaRPr lang="en-IN" sz="1000" dirty="0">
+              <a:latin typeface="Century Gothic" panose="020B0502020202020204" pitchFamily="34" charset="0"/>
+            </a:endParaRPr>
+          </a:p>
+        </p:txBody>
+      </p:sp>
+      <p:sp>
+        <p:nvSpPr>
+          <p:cNvPr id="62" name="Rectangle 61">
+            <a:extLst>
+              <a:ext uri="{FF2B5EF4-FFF2-40B4-BE49-F238E27FC236}">
+                <a16:creationId xmlns:a16="http://schemas.microsoft.com/office/drawing/2014/main" id="{74BF681A-74A0-40BA-95FD-3696AB638F2F}"/>
+              </a:ext>
+            </a:extLst>
+          </p:cNvPr>
+          <p:cNvSpPr/>
+          <p:nvPr/>
+        </p:nvSpPr>
+        <p:spPr>
+          <a:xfrm>
+            <a:off x="6845181" y="757176"/>
+            <a:ext cx="5093294" cy="2524409"/>
+          </a:xfrm>
+          <a:prstGeom prst="rect">
+            <a:avLst/>
+          </a:prstGeom>
+          <a:noFill/>
+          <a:ln w="9525" cap="flat" cmpd="sng" algn="ctr">
+            <a:solidFill>
+              <a:schemeClr val="accent3"/>
+            </a:solidFill>
+            <a:prstDash val="solid"/>
+            <a:round/>
+            <a:headEnd type="none" w="med" len="med"/>
+            <a:tailEnd type="none" w="med" len="med"/>
+          </a:ln>
+        </p:spPr>
+        <p:style>
+          <a:lnRef idx="0">
+            <a:scrgbClr r="0" g="0" b="0"/>
+          </a:lnRef>
+          <a:fillRef idx="0">
+            <a:scrgbClr r="0" g="0" b="0"/>
+          </a:fillRef>
+          <a:effectRef idx="0">
+            <a:scrgbClr r="0" g="0" b="0"/>
+          </a:effectRef>
+          <a:fontRef idx="minor">
+            <a:schemeClr val="accent3"/>
+          </a:fontRef>
+        </p:style>
+        <p:txBody>
+          <a:bodyPr rtlCol="0" anchor="ctr"/>
+          <a:lstStyle/>
+          <a:p>
+            <a:pPr algn="ctr"/>
+            <a:endParaRPr lang="en-IN" dirty="0"/>
+          </a:p>
+        </p:txBody>
+      </p:sp>
+      <p:sp>
+        <p:nvSpPr>
+          <p:cNvPr id="63" name="Rectangle 62">
+            <a:extLst>
+              <a:ext uri="{FF2B5EF4-FFF2-40B4-BE49-F238E27FC236}">
+                <a16:creationId xmlns:a16="http://schemas.microsoft.com/office/drawing/2014/main" id="{B0EAB7D5-1B53-4263-8C7C-070A2BAF0459}"/>
+              </a:ext>
+            </a:extLst>
+          </p:cNvPr>
+          <p:cNvSpPr/>
+          <p:nvPr/>
+        </p:nvSpPr>
+        <p:spPr>
+          <a:xfrm>
+            <a:off x="6845181" y="3429000"/>
+            <a:ext cx="5093294" cy="3268264"/>
+          </a:xfrm>
+          <a:prstGeom prst="rect">
+            <a:avLst/>
+          </a:prstGeom>
+          <a:noFill/>
+          <a:ln w="9525" cap="flat" cmpd="sng" algn="ctr">
+            <a:solidFill>
+              <a:schemeClr val="accent3"/>
+            </a:solidFill>
+            <a:prstDash val="solid"/>
+            <a:round/>
+            <a:headEnd type="none" w="med" len="med"/>
+            <a:tailEnd type="none" w="med" len="med"/>
+          </a:ln>
+        </p:spPr>
+        <p:style>
+          <a:lnRef idx="0">
+            <a:scrgbClr r="0" g="0" b="0"/>
+          </a:lnRef>
+          <a:fillRef idx="0">
+            <a:scrgbClr r="0" g="0" b="0"/>
+          </a:fillRef>
+          <a:effectRef idx="0">
+            <a:scrgbClr r="0" g="0" b="0"/>
+          </a:effectRef>
+          <a:fontRef idx="minor">
+            <a:schemeClr val="accent3"/>
+          </a:fontRef>
+        </p:style>
+        <p:txBody>
+          <a:bodyPr rtlCol="0" anchor="ctr"/>
+          <a:lstStyle/>
+          <a:p>
+            <a:pPr algn="ctr"/>
+            <a:endParaRPr lang="en-IN"/>
+          </a:p>
+        </p:txBody>
+      </p:sp>
+      <p:sp>
+        <p:nvSpPr>
+          <p:cNvPr id="64" name="TextBox 63">
+            <a:extLst>
+              <a:ext uri="{FF2B5EF4-FFF2-40B4-BE49-F238E27FC236}">
+                <a16:creationId xmlns:a16="http://schemas.microsoft.com/office/drawing/2014/main" id="{A9BE88CE-57F8-4FC4-829B-82E58B3681FF}"/>
+              </a:ext>
+            </a:extLst>
+          </p:cNvPr>
+          <p:cNvSpPr txBox="1"/>
+          <p:nvPr/>
+        </p:nvSpPr>
+        <p:spPr>
+          <a:xfrm>
+            <a:off x="6896840" y="3576416"/>
+            <a:ext cx="4990360" cy="2862322"/>
+          </a:xfrm>
+          <a:prstGeom prst="rect">
+            <a:avLst/>
+          </a:prstGeom>
+          <a:noFill/>
+        </p:spPr>
+        <p:txBody>
+          <a:bodyPr wrap="square" rtlCol="0">
+            <a:spAutoFit/>
+          </a:bodyPr>
+          <a:lstStyle/>
+          <a:p>
+            <a:r>
+              <a:rPr lang="en-IN" sz="1000" b="1" dirty="0">
+                <a:highlight>
+                  <a:srgbClr val="FFFF00"/>
+                </a:highlight>
+                <a:latin typeface="Century Gothic" panose="020B0502020202020204" pitchFamily="34" charset="0"/>
+              </a:rPr>
+              <a:t>Cache</a:t>
+            </a:r>
+          </a:p>
+          <a:p>
+            <a:r>
+              <a:rPr lang="en-IN" sz="1000" dirty="0">
+                <a:latin typeface="Century Gothic" panose="020B0502020202020204" pitchFamily="34" charset="0"/>
+              </a:rPr>
+              <a:t>In this system we already observed that there are some of the ShortURL which is hitting more and more than others because these shortURL is for some celebrity video</a:t>
+            </a:r>
+          </a:p>
+          <a:p>
+            <a:endParaRPr lang="en-IN" sz="1000" dirty="0">
+              <a:latin typeface="Century Gothic" panose="020B0502020202020204" pitchFamily="34" charset="0"/>
+            </a:endParaRPr>
+          </a:p>
+          <a:p>
+            <a:r>
+              <a:rPr lang="en-IN" sz="1000" dirty="0">
+                <a:latin typeface="Century Gothic" panose="020B0502020202020204" pitchFamily="34" charset="0"/>
+              </a:rPr>
+              <a:t>How much cache memory?</a:t>
+            </a:r>
+          </a:p>
+          <a:p>
+            <a:endParaRPr lang="en-IN" sz="1000" dirty="0">
+              <a:latin typeface="Century Gothic" panose="020B0502020202020204" pitchFamily="34" charset="0"/>
+            </a:endParaRPr>
+          </a:p>
+          <a:p>
+            <a:endParaRPr lang="en-IN" sz="1000" dirty="0">
+              <a:latin typeface="Century Gothic" panose="020B0502020202020204" pitchFamily="34" charset="0"/>
+            </a:endParaRPr>
+          </a:p>
+          <a:p>
+            <a:r>
+              <a:rPr lang="en-IN" sz="1000" dirty="0">
+                <a:latin typeface="Century Gothic" panose="020B0502020202020204" pitchFamily="34" charset="0"/>
+              </a:rPr>
+              <a:t>Apart from size, we also have to plan the cache eviction policy here. </a:t>
+            </a:r>
+          </a:p>
+          <a:p>
+            <a:endParaRPr lang="en-IN" sz="1000" dirty="0">
+              <a:latin typeface="Century Gothic" panose="020B0502020202020204" pitchFamily="34" charset="0"/>
+            </a:endParaRPr>
+          </a:p>
+          <a:p>
+            <a:r>
+              <a:rPr lang="en-US" sz="1000" b="1" i="0" dirty="0">
+                <a:solidFill>
+                  <a:srgbClr val="3D3D4E"/>
+                </a:solidFill>
+                <a:effectLst/>
+                <a:latin typeface="Century Gothic" panose="020B0502020202020204" pitchFamily="34" charset="0"/>
+              </a:rPr>
+              <a:t>Which cache eviction policy would best fit our needs?</a:t>
+            </a:r>
+            <a:r>
+              <a:rPr lang="en-US" sz="1000" b="0" i="0" dirty="0">
+                <a:solidFill>
+                  <a:srgbClr val="3D3D4E"/>
+                </a:solidFill>
+                <a:effectLst/>
+                <a:latin typeface="Century Gothic" panose="020B0502020202020204" pitchFamily="34" charset="0"/>
+              </a:rPr>
+              <a:t> </a:t>
+            </a:r>
+            <a:endParaRPr lang="en-IN" sz="1000" b="0" i="0" dirty="0">
+              <a:solidFill>
+                <a:srgbClr val="3D3D4E"/>
+              </a:solidFill>
+              <a:effectLst/>
+              <a:latin typeface="Century Gothic" panose="020B0502020202020204" pitchFamily="34" charset="0"/>
+            </a:endParaRPr>
+          </a:p>
+          <a:p>
+            <a:r>
+              <a:rPr lang="en-US" sz="1000" b="0" i="0" dirty="0">
+                <a:solidFill>
+                  <a:srgbClr val="3D3D4E"/>
+                </a:solidFill>
+                <a:effectLst/>
+                <a:latin typeface="Century Gothic" panose="020B0502020202020204" pitchFamily="34" charset="0"/>
+              </a:rPr>
+              <a:t>Least Recently Used (LRU) can be a reasonable policy for our system. </a:t>
+            </a:r>
+            <a:endParaRPr lang="en-IN" sz="1000" dirty="0">
+              <a:solidFill>
+                <a:srgbClr val="3D3D4E"/>
+              </a:solidFill>
+              <a:latin typeface="Century Gothic" panose="020B0502020202020204" pitchFamily="34" charset="0"/>
+            </a:endParaRPr>
+          </a:p>
+          <a:p>
+            <a:endParaRPr lang="en-IN" sz="1000" dirty="0">
+              <a:solidFill>
+                <a:srgbClr val="3D3D4E"/>
+              </a:solidFill>
+              <a:latin typeface="Century Gothic" panose="020B0502020202020204" pitchFamily="34" charset="0"/>
+            </a:endParaRPr>
+          </a:p>
+          <a:p>
+            <a:r>
+              <a:rPr lang="en-US" sz="1000" b="0" i="0" dirty="0">
+                <a:solidFill>
+                  <a:srgbClr val="3D3D4E"/>
+                </a:solidFill>
+                <a:effectLst/>
+                <a:latin typeface="Century Gothic" panose="020B0502020202020204" pitchFamily="34" charset="0"/>
+              </a:rPr>
+              <a:t>To further increase the efficiency, we can replicate our caching servers to distribute the load between them.</a:t>
+            </a:r>
+            <a:endParaRPr lang="en-IN" sz="1000" dirty="0">
+              <a:latin typeface="Century Gothic" panose="020B0502020202020204" pitchFamily="34" charset="0"/>
+            </a:endParaRPr>
+          </a:p>
+          <a:p>
+            <a:endParaRPr lang="en-IN" sz="1000" dirty="0">
+              <a:latin typeface="Century Gothic" panose="020B0502020202020204" pitchFamily="34" charset="0"/>
+            </a:endParaRPr>
+          </a:p>
+          <a:p>
+            <a:endParaRPr lang="en-IN" sz="1000" dirty="0">
+              <a:latin typeface="Century Gothic" panose="020B0502020202020204" pitchFamily="34" charset="0"/>
+            </a:endParaRPr>
+          </a:p>
+          <a:p>
+            <a:r>
+              <a:rPr lang="en-IN" sz="1000" dirty="0">
+                <a:highlight>
+                  <a:srgbClr val="FFFF00"/>
+                </a:highlight>
+                <a:latin typeface="Century Gothic" panose="020B0502020202020204" pitchFamily="34" charset="0"/>
+              </a:rPr>
+              <a:t>Contd on next page….</a:t>
+            </a:r>
+          </a:p>
+        </p:txBody>
+      </p:sp>
+      <p:pic>
+        <p:nvPicPr>
+          <p:cNvPr id="68" name="Picture 67">
+            <a:extLst>
+              <a:ext uri="{FF2B5EF4-FFF2-40B4-BE49-F238E27FC236}">
+                <a16:creationId xmlns:a16="http://schemas.microsoft.com/office/drawing/2014/main" id="{6F35F085-4C51-4F08-AAD2-2B37F48E987B}"/>
+              </a:ext>
+            </a:extLst>
+          </p:cNvPr>
+          <p:cNvPicPr>
+            <a:picLocks noChangeAspect="1"/>
+          </p:cNvPicPr>
+          <p:nvPr/>
+        </p:nvPicPr>
+        <p:blipFill>
+          <a:blip r:embed="rId2"/>
+          <a:stretch>
+            <a:fillRect/>
+          </a:stretch>
+        </p:blipFill>
+        <p:spPr>
+          <a:xfrm>
+            <a:off x="7003478" y="4520725"/>
+            <a:ext cx="4147039" cy="186587"/>
+          </a:xfrm>
+          <a:prstGeom prst="rect">
+            <a:avLst/>
+          </a:prstGeom>
+        </p:spPr>
+      </p:pic>
+    </p:spTree>
+    <p:extLst>
+      <p:ext uri="{BB962C8B-B14F-4D97-AF65-F5344CB8AC3E}">
+        <p14:creationId xmlns:p14="http://schemas.microsoft.com/office/powerpoint/2010/main" val="2361891917"/>
+      </p:ext>
+    </p:extLst>
+  </p:cSld>
+  <p:clrMapOvr>
+    <a:masterClrMapping/>
+  </p:clrMapOvr>
+</p:sld>
+</file>
+
+<file path=ppt/slides/slide8.xml><?xml version="1.0" encoding="utf-8"?>
+<p:sld xmlns:a="http://schemas.openxmlformats.org/drawingml/2006/main" xmlns:r="http://schemas.openxmlformats.org/officeDocument/2006/relationships" xmlns:p="http://schemas.openxmlformats.org/presentationml/2006/main">
+  <p:cSld>
+    <p:spTree>
+      <p:nvGrpSpPr>
+        <p:cNvPr id="1" name=""/>
+        <p:cNvGrpSpPr/>
+        <p:nvPr/>
+      </p:nvGrpSpPr>
+      <p:grpSpPr>
+        <a:xfrm>
+          <a:off x="0" y="0"/>
+          <a:ext cx="0" cy="0"/>
+          <a:chOff x="0" y="0"/>
+          <a:chExt cx="0" cy="0"/>
+        </a:xfrm>
+      </p:grpSpPr>
+      <p:sp>
+        <p:nvSpPr>
+          <p:cNvPr id="6" name="Rectangle 5">
+            <a:extLst>
+              <a:ext uri="{FF2B5EF4-FFF2-40B4-BE49-F238E27FC236}">
+                <a16:creationId xmlns:a16="http://schemas.microsoft.com/office/drawing/2014/main" id="{23D9A284-E705-4058-BC97-E411758071E2}"/>
+              </a:ext>
+            </a:extLst>
+          </p:cNvPr>
+          <p:cNvSpPr/>
+          <p:nvPr/>
+        </p:nvSpPr>
+        <p:spPr>
+          <a:xfrm>
+            <a:off x="0" y="0"/>
+            <a:ext cx="12192000" cy="623843"/>
+          </a:xfrm>
+          <a:prstGeom prst="rect">
+            <a:avLst/>
+          </a:prstGeom>
+        </p:spPr>
+        <p:style>
+          <a:lnRef idx="2">
+            <a:schemeClr val="accent1">
+              <a:shade val="50000"/>
+            </a:schemeClr>
+          </a:lnRef>
+          <a:fillRef idx="1">
+            <a:schemeClr val="accent1"/>
+          </a:fillRef>
+          <a:effectRef idx="0">
+            <a:schemeClr val="accent1"/>
+          </a:effectRef>
+          <a:fontRef idx="minor">
+            <a:schemeClr val="lt1"/>
+          </a:fontRef>
+        </p:style>
+        <p:txBody>
+          <a:bodyPr rtlCol="0" anchor="ctr"/>
+          <a:lstStyle/>
+          <a:p>
+            <a:pPr algn="ctr"/>
+            <a:r>
+              <a:rPr lang="en-IN" b="1" i="0" dirty="0">
+                <a:effectLst/>
+                <a:latin typeface="Nunito Sans" pitchFamily="2" charset="0"/>
+              </a:rPr>
+              <a:t>System design </a:t>
+            </a:r>
+            <a:r>
+              <a:rPr lang="en-IN" b="1" dirty="0">
+                <a:latin typeface="Nunito Sans" pitchFamily="2" charset="0"/>
+              </a:rPr>
+              <a:t>: </a:t>
+            </a:r>
+            <a:r>
+              <a:rPr lang="en-IN" b="1" i="0" dirty="0">
+                <a:effectLst/>
+                <a:latin typeface="Nunito Sans" pitchFamily="2" charset="0"/>
+              </a:rPr>
+              <a:t>High Level - System design blocks 5/5</a:t>
+            </a:r>
+          </a:p>
+        </p:txBody>
+      </p:sp>
+      <p:sp>
+        <p:nvSpPr>
+          <p:cNvPr id="12" name="TextBox 11">
+            <a:extLst>
+              <a:ext uri="{FF2B5EF4-FFF2-40B4-BE49-F238E27FC236}">
+                <a16:creationId xmlns:a16="http://schemas.microsoft.com/office/drawing/2014/main" id="{1FB3E5F7-4450-4C57-B414-C396DC62E8BC}"/>
+              </a:ext>
+            </a:extLst>
+          </p:cNvPr>
+          <p:cNvSpPr txBox="1"/>
+          <p:nvPr/>
+        </p:nvSpPr>
+        <p:spPr>
+          <a:xfrm>
+            <a:off x="158096" y="757176"/>
+            <a:ext cx="6071788" cy="1323439"/>
+          </a:xfrm>
+          <a:prstGeom prst="rect">
+            <a:avLst/>
+          </a:prstGeom>
+          <a:noFill/>
+        </p:spPr>
+        <p:txBody>
+          <a:bodyPr wrap="square">
+            <a:spAutoFit/>
+          </a:bodyPr>
+          <a:lstStyle/>
+          <a:p>
+            <a:r>
+              <a:rPr lang="en-US" sz="1000" b="1" dirty="0">
+                <a:highlight>
+                  <a:srgbClr val="FFFF00"/>
+                </a:highlight>
+                <a:latin typeface="Century Gothic" panose="020B0502020202020204" pitchFamily="34" charset="0"/>
+              </a:rPr>
+              <a:t>Contd from last page for Cache discussion</a:t>
+            </a:r>
+          </a:p>
+          <a:p>
+            <a:endParaRPr lang="en-US" sz="1000" b="1" dirty="0">
+              <a:highlight>
+                <a:srgbClr val="FFFF00"/>
+              </a:highlight>
+              <a:latin typeface="Century Gothic" panose="020B0502020202020204" pitchFamily="34" charset="0"/>
+            </a:endParaRPr>
+          </a:p>
+          <a:p>
+            <a:r>
+              <a:rPr lang="en-US" sz="1000" b="1" i="0" dirty="0">
+                <a:solidFill>
+                  <a:srgbClr val="3D3D4E"/>
+                </a:solidFill>
+                <a:effectLst/>
+                <a:latin typeface="Century Gothic" panose="020B0502020202020204" pitchFamily="34" charset="0"/>
+              </a:rPr>
+              <a:t>How can each cache replica be updated?</a:t>
+            </a:r>
+            <a:r>
+              <a:rPr lang="en-US" sz="1000" b="0" i="0" dirty="0">
+                <a:solidFill>
+                  <a:srgbClr val="3D3D4E"/>
+                </a:solidFill>
+                <a:effectLst/>
+                <a:latin typeface="Century Gothic" panose="020B0502020202020204" pitchFamily="34" charset="0"/>
+              </a:rPr>
+              <a:t> </a:t>
+            </a:r>
+          </a:p>
+          <a:p>
+            <a:r>
+              <a:rPr lang="en-US" sz="1000" b="0" i="0" dirty="0">
+                <a:solidFill>
+                  <a:srgbClr val="3D3D4E"/>
+                </a:solidFill>
+                <a:effectLst/>
+                <a:latin typeface="Century Gothic" panose="020B0502020202020204" pitchFamily="34" charset="0"/>
+              </a:rPr>
+              <a:t>Whenever there is a cache miss, our servers would be hitting a backend database. Whenever this happens, we can update the cache and pass the new entry to all the cache replicas. Each replica can update its cache by adding the new entry. If a replica already has that entry, it can simply ignore it.</a:t>
+            </a:r>
+          </a:p>
+          <a:p>
+            <a:endParaRPr lang="en-IN" sz="1000" dirty="0">
+              <a:latin typeface="Century Gothic" panose="020B0502020202020204" pitchFamily="34" charset="0"/>
+            </a:endParaRPr>
+          </a:p>
+        </p:txBody>
+      </p:sp>
+      <p:sp>
+        <p:nvSpPr>
+          <p:cNvPr id="13" name="Rectangle 12">
+            <a:extLst>
+              <a:ext uri="{FF2B5EF4-FFF2-40B4-BE49-F238E27FC236}">
+                <a16:creationId xmlns:a16="http://schemas.microsoft.com/office/drawing/2014/main" id="{E72E86CF-5211-44A9-A9B5-D79F125900BE}"/>
+              </a:ext>
+            </a:extLst>
+          </p:cNvPr>
+          <p:cNvSpPr/>
+          <p:nvPr/>
+        </p:nvSpPr>
+        <p:spPr>
+          <a:xfrm>
+            <a:off x="158096" y="757176"/>
+            <a:ext cx="6353799" cy="5940088"/>
+          </a:xfrm>
+          <a:prstGeom prst="rect">
+            <a:avLst/>
+          </a:prstGeom>
+          <a:noFill/>
+          <a:ln w="9525" cap="flat" cmpd="sng" algn="ctr">
+            <a:solidFill>
+              <a:schemeClr val="accent3"/>
+            </a:solidFill>
+            <a:prstDash val="solid"/>
+            <a:round/>
+            <a:headEnd type="none" w="med" len="med"/>
+            <a:tailEnd type="none" w="med" len="med"/>
+          </a:ln>
+        </p:spPr>
+        <p:style>
+          <a:lnRef idx="0">
+            <a:scrgbClr r="0" g="0" b="0"/>
+          </a:lnRef>
+          <a:fillRef idx="0">
+            <a:scrgbClr r="0" g="0" b="0"/>
+          </a:fillRef>
+          <a:effectRef idx="0">
+            <a:scrgbClr r="0" g="0" b="0"/>
+          </a:effectRef>
+          <a:fontRef idx="minor">
+            <a:schemeClr val="accent3"/>
+          </a:fontRef>
+        </p:style>
+        <p:txBody>
+          <a:bodyPr rtlCol="0" anchor="ctr"/>
+          <a:lstStyle/>
+          <a:p>
+            <a:pPr algn="ctr"/>
+            <a:endParaRPr lang="en-IN" dirty="0"/>
+          </a:p>
+        </p:txBody>
+      </p:sp>
+      <p:pic>
+        <p:nvPicPr>
+          <p:cNvPr id="3" name="Picture 2">
+            <a:extLst>
+              <a:ext uri="{FF2B5EF4-FFF2-40B4-BE49-F238E27FC236}">
+                <a16:creationId xmlns:a16="http://schemas.microsoft.com/office/drawing/2014/main" id="{2D3767AF-076B-4609-BD88-A5FB3F31992F}"/>
+              </a:ext>
+            </a:extLst>
+          </p:cNvPr>
+          <p:cNvPicPr>
+            <a:picLocks noChangeAspect="1"/>
+          </p:cNvPicPr>
+          <p:nvPr/>
+        </p:nvPicPr>
+        <p:blipFill>
+          <a:blip r:embed="rId2"/>
+          <a:stretch>
+            <a:fillRect/>
+          </a:stretch>
+        </p:blipFill>
+        <p:spPr>
+          <a:xfrm>
+            <a:off x="483022" y="2080615"/>
+            <a:ext cx="5206096" cy="2551283"/>
+          </a:xfrm>
+          <a:prstGeom prst="rect">
+            <a:avLst/>
+          </a:prstGeom>
+        </p:spPr>
+      </p:pic>
+      <p:sp>
+        <p:nvSpPr>
+          <p:cNvPr id="4" name="Rectangle 3">
+            <a:extLst>
+              <a:ext uri="{FF2B5EF4-FFF2-40B4-BE49-F238E27FC236}">
+                <a16:creationId xmlns:a16="http://schemas.microsoft.com/office/drawing/2014/main" id="{C8F9D686-29A9-4B0D-BBC5-C8302D50002C}"/>
+              </a:ext>
+            </a:extLst>
+          </p:cNvPr>
+          <p:cNvSpPr/>
+          <p:nvPr/>
+        </p:nvSpPr>
+        <p:spPr>
+          <a:xfrm>
+            <a:off x="470019" y="2080615"/>
+            <a:ext cx="5247117" cy="2559751"/>
+          </a:xfrm>
+          <a:prstGeom prst="rect">
+            <a:avLst/>
+          </a:prstGeom>
+          <a:noFill/>
+          <a:ln w="9525" cap="flat" cmpd="sng" algn="ctr">
+            <a:solidFill>
+              <a:schemeClr val="accent3"/>
+            </a:solidFill>
+            <a:prstDash val="solid"/>
+            <a:round/>
+            <a:headEnd type="none" w="med" len="med"/>
+            <a:tailEnd type="none" w="med" len="med"/>
+          </a:ln>
+        </p:spPr>
+        <p:style>
+          <a:lnRef idx="0">
+            <a:scrgbClr r="0" g="0" b="0"/>
+          </a:lnRef>
+          <a:fillRef idx="0">
+            <a:scrgbClr r="0" g="0" b="0"/>
+          </a:fillRef>
+          <a:effectRef idx="0">
+            <a:scrgbClr r="0" g="0" b="0"/>
+          </a:effectRef>
+          <a:fontRef idx="minor">
+            <a:schemeClr val="accent3"/>
+          </a:fontRef>
+        </p:style>
+        <p:txBody>
+          <a:bodyPr rtlCol="0" anchor="ctr"/>
+          <a:lstStyle/>
+          <a:p>
+            <a:pPr algn="ctr"/>
+            <a:endParaRPr lang="en-IN" dirty="0"/>
+          </a:p>
+        </p:txBody>
+      </p:sp>
+      <p:sp>
+        <p:nvSpPr>
+          <p:cNvPr id="5" name="Rectangle 4">
+            <a:extLst>
+              <a:ext uri="{FF2B5EF4-FFF2-40B4-BE49-F238E27FC236}">
+                <a16:creationId xmlns:a16="http://schemas.microsoft.com/office/drawing/2014/main" id="{656D7212-F63C-4B99-8B72-820A90F70B46}"/>
+              </a:ext>
+            </a:extLst>
+          </p:cNvPr>
+          <p:cNvSpPr/>
+          <p:nvPr/>
+        </p:nvSpPr>
+        <p:spPr>
+          <a:xfrm>
+            <a:off x="2691925" y="2213947"/>
+            <a:ext cx="1016950" cy="674531"/>
+          </a:xfrm>
+          <a:prstGeom prst="rect">
+            <a:avLst/>
+          </a:prstGeom>
+          <a:noFill/>
+          <a:ln w="9525" cap="flat" cmpd="sng" algn="ctr">
+            <a:solidFill>
+              <a:schemeClr val="accent2"/>
+            </a:solidFill>
+            <a:prstDash val="lgDashDot"/>
+            <a:round/>
+            <a:headEnd type="none" w="med" len="med"/>
+            <a:tailEnd type="none" w="med" len="med"/>
+          </a:ln>
+        </p:spPr>
+        <p:style>
+          <a:lnRef idx="0">
+            <a:scrgbClr r="0" g="0" b="0"/>
+          </a:lnRef>
+          <a:fillRef idx="0">
+            <a:scrgbClr r="0" g="0" b="0"/>
+          </a:fillRef>
+          <a:effectRef idx="0">
+            <a:scrgbClr r="0" g="0" b="0"/>
+          </a:effectRef>
+          <a:fontRef idx="minor">
+            <a:schemeClr val="accent2"/>
+          </a:fontRef>
+        </p:style>
+        <p:txBody>
+          <a:bodyPr rtlCol="0" anchor="ctr"/>
+          <a:lstStyle/>
+          <a:p>
+            <a:pPr algn="ctr"/>
+            <a:endParaRPr lang="en-IN"/>
+          </a:p>
+        </p:txBody>
+      </p:sp>
+      <p:sp>
+        <p:nvSpPr>
+          <p:cNvPr id="24" name="Rectangle 23">
+            <a:extLst>
+              <a:ext uri="{FF2B5EF4-FFF2-40B4-BE49-F238E27FC236}">
+                <a16:creationId xmlns:a16="http://schemas.microsoft.com/office/drawing/2014/main" id="{C3E0F084-345D-477B-891F-655EBAF0EB9C}"/>
+              </a:ext>
+            </a:extLst>
+          </p:cNvPr>
+          <p:cNvSpPr/>
+          <p:nvPr/>
+        </p:nvSpPr>
+        <p:spPr>
+          <a:xfrm>
+            <a:off x="4033614" y="3785786"/>
+            <a:ext cx="1266669" cy="683663"/>
+          </a:xfrm>
+          <a:prstGeom prst="rect">
+            <a:avLst/>
+          </a:prstGeom>
+          <a:noFill/>
+          <a:ln w="9525" cap="flat" cmpd="sng" algn="ctr">
+            <a:solidFill>
+              <a:schemeClr val="accent2"/>
+            </a:solidFill>
+            <a:prstDash val="lgDashDot"/>
+            <a:round/>
+            <a:headEnd type="none" w="med" len="med"/>
+            <a:tailEnd type="none" w="med" len="med"/>
+          </a:ln>
+        </p:spPr>
+        <p:style>
+          <a:lnRef idx="0">
+            <a:scrgbClr r="0" g="0" b="0"/>
+          </a:lnRef>
+          <a:fillRef idx="0">
+            <a:scrgbClr r="0" g="0" b="0"/>
+          </a:fillRef>
+          <a:effectRef idx="0">
+            <a:scrgbClr r="0" g="0" b="0"/>
+          </a:effectRef>
+          <a:fontRef idx="minor">
+            <a:schemeClr val="accent2"/>
+          </a:fontRef>
+        </p:style>
+        <p:txBody>
+          <a:bodyPr rtlCol="0" anchor="ctr"/>
+          <a:lstStyle/>
+          <a:p>
+            <a:pPr algn="ctr"/>
+            <a:endParaRPr lang="en-IN"/>
+          </a:p>
+        </p:txBody>
+      </p:sp>
+      <p:sp>
+        <p:nvSpPr>
+          <p:cNvPr id="25" name="Rectangle 24">
+            <a:extLst>
+              <a:ext uri="{FF2B5EF4-FFF2-40B4-BE49-F238E27FC236}">
+                <a16:creationId xmlns:a16="http://schemas.microsoft.com/office/drawing/2014/main" id="{E6BD6AA0-FCA5-4566-92C5-C40BD34152F8}"/>
+              </a:ext>
+            </a:extLst>
+          </p:cNvPr>
+          <p:cNvSpPr/>
+          <p:nvPr/>
+        </p:nvSpPr>
+        <p:spPr>
+          <a:xfrm>
+            <a:off x="4742915" y="2213947"/>
+            <a:ext cx="709301" cy="501476"/>
+          </a:xfrm>
+          <a:prstGeom prst="rect">
+            <a:avLst/>
+          </a:prstGeom>
+          <a:noFill/>
+          <a:ln w="9525" cap="flat" cmpd="sng" algn="ctr">
+            <a:solidFill>
+              <a:schemeClr val="accent2"/>
+            </a:solidFill>
+            <a:prstDash val="lgDashDot"/>
+            <a:round/>
+            <a:headEnd type="none" w="med" len="med"/>
+            <a:tailEnd type="none" w="med" len="med"/>
+          </a:ln>
+        </p:spPr>
+        <p:style>
+          <a:lnRef idx="0">
+            <a:scrgbClr r="0" g="0" b="0"/>
+          </a:lnRef>
+          <a:fillRef idx="0">
+            <a:scrgbClr r="0" g="0" b="0"/>
+          </a:fillRef>
+          <a:effectRef idx="0">
+            <a:scrgbClr r="0" g="0" b="0"/>
+          </a:effectRef>
+          <a:fontRef idx="minor">
+            <a:schemeClr val="accent2"/>
+          </a:fontRef>
+        </p:style>
+        <p:txBody>
+          <a:bodyPr rtlCol="0" anchor="ctr"/>
+          <a:lstStyle/>
+          <a:p>
+            <a:pPr algn="ctr"/>
+            <a:endParaRPr lang="en-IN"/>
+          </a:p>
+        </p:txBody>
+      </p:sp>
+      <p:sp>
+        <p:nvSpPr>
+          <p:cNvPr id="7" name="TextBox 6">
+            <a:extLst>
+              <a:ext uri="{FF2B5EF4-FFF2-40B4-BE49-F238E27FC236}">
+                <a16:creationId xmlns:a16="http://schemas.microsoft.com/office/drawing/2014/main" id="{4D997C7E-3132-4B34-B804-0A61934BB5E2}"/>
+              </a:ext>
+            </a:extLst>
+          </p:cNvPr>
+          <p:cNvSpPr txBox="1"/>
+          <p:nvPr/>
+        </p:nvSpPr>
+        <p:spPr>
+          <a:xfrm>
+            <a:off x="5815414" y="2956146"/>
+            <a:ext cx="811850" cy="400110"/>
+          </a:xfrm>
+          <a:prstGeom prst="rect">
+            <a:avLst/>
+          </a:prstGeom>
+          <a:noFill/>
+        </p:spPr>
+        <p:txBody>
+          <a:bodyPr wrap="square" rtlCol="0">
+            <a:spAutoFit/>
+          </a:bodyPr>
+          <a:lstStyle/>
+          <a:p>
+            <a:r>
+              <a:rPr lang="en-IN" sz="1000" b="1" dirty="0">
+                <a:highlight>
+                  <a:srgbClr val="FFFF00"/>
+                </a:highlight>
+                <a:latin typeface="Century Gothic" panose="020B0502020202020204" pitchFamily="34" charset="0"/>
+              </a:rPr>
+              <a:t>Load Balancer</a:t>
+            </a:r>
+          </a:p>
+        </p:txBody>
+      </p:sp>
+      <p:cxnSp>
+        <p:nvCxnSpPr>
+          <p:cNvPr id="11" name="Straight Connector 10">
+            <a:extLst>
+              <a:ext uri="{FF2B5EF4-FFF2-40B4-BE49-F238E27FC236}">
+                <a16:creationId xmlns:a16="http://schemas.microsoft.com/office/drawing/2014/main" id="{6B2BF528-12F8-46EF-8535-C5C1F5D85EBA}"/>
+              </a:ext>
+            </a:extLst>
+          </p:cNvPr>
+          <p:cNvCxnSpPr>
+            <a:stCxn id="5" idx="3"/>
+            <a:endCxn id="7" idx="1"/>
+          </p:cNvCxnSpPr>
+          <p:nvPr/>
+        </p:nvCxnSpPr>
+        <p:spPr>
+          <a:xfrm>
+            <a:off x="3708875" y="2551213"/>
+            <a:ext cx="2106539" cy="604988"/>
+          </a:xfrm>
+          <a:prstGeom prst="line">
+            <a:avLst/>
+          </a:prstGeom>
+        </p:spPr>
+        <p:style>
+          <a:lnRef idx="1">
+            <a:schemeClr val="accent1"/>
+          </a:lnRef>
+          <a:fillRef idx="0">
+            <a:schemeClr val="accent1"/>
+          </a:fillRef>
+          <a:effectRef idx="0">
+            <a:schemeClr val="accent1"/>
+          </a:effectRef>
+          <a:fontRef idx="minor">
+            <a:schemeClr val="tx1"/>
+          </a:fontRef>
+        </p:style>
+      </p:cxnSp>
+      <p:cxnSp>
+        <p:nvCxnSpPr>
+          <p:cNvPr id="16" name="Straight Connector 15">
+            <a:extLst>
+              <a:ext uri="{FF2B5EF4-FFF2-40B4-BE49-F238E27FC236}">
+                <a16:creationId xmlns:a16="http://schemas.microsoft.com/office/drawing/2014/main" id="{59B133B1-1575-4269-8EA3-3435C724784A}"/>
+              </a:ext>
+            </a:extLst>
+          </p:cNvPr>
+          <p:cNvCxnSpPr>
+            <a:stCxn id="25" idx="3"/>
+            <a:endCxn id="7" idx="1"/>
+          </p:cNvCxnSpPr>
+          <p:nvPr/>
+        </p:nvCxnSpPr>
+        <p:spPr>
+          <a:xfrm>
+            <a:off x="5452216" y="2464685"/>
+            <a:ext cx="363198" cy="691516"/>
+          </a:xfrm>
+          <a:prstGeom prst="line">
+            <a:avLst/>
+          </a:prstGeom>
+        </p:spPr>
+        <p:style>
+          <a:lnRef idx="1">
+            <a:schemeClr val="accent1"/>
+          </a:lnRef>
+          <a:fillRef idx="0">
+            <a:schemeClr val="accent1"/>
+          </a:fillRef>
+          <a:effectRef idx="0">
+            <a:schemeClr val="accent1"/>
+          </a:effectRef>
+          <a:fontRef idx="minor">
+            <a:schemeClr val="tx1"/>
+          </a:fontRef>
+        </p:style>
+      </p:cxnSp>
+      <p:cxnSp>
+        <p:nvCxnSpPr>
+          <p:cNvPr id="18" name="Straight Connector 17">
+            <a:extLst>
+              <a:ext uri="{FF2B5EF4-FFF2-40B4-BE49-F238E27FC236}">
+                <a16:creationId xmlns:a16="http://schemas.microsoft.com/office/drawing/2014/main" id="{066344B8-7F44-4B8C-A20B-16CD88792A5B}"/>
+              </a:ext>
+            </a:extLst>
+          </p:cNvPr>
+          <p:cNvCxnSpPr>
+            <a:endCxn id="7" idx="1"/>
+          </p:cNvCxnSpPr>
+          <p:nvPr/>
+        </p:nvCxnSpPr>
+        <p:spPr>
+          <a:xfrm flipV="1">
+            <a:off x="5300283" y="3156201"/>
+            <a:ext cx="515131" cy="986377"/>
+          </a:xfrm>
+          <a:prstGeom prst="line">
+            <a:avLst/>
+          </a:prstGeom>
+        </p:spPr>
+        <p:style>
+          <a:lnRef idx="1">
+            <a:schemeClr val="accent1"/>
+          </a:lnRef>
+          <a:fillRef idx="0">
+            <a:schemeClr val="accent1"/>
+          </a:fillRef>
+          <a:effectRef idx="0">
+            <a:schemeClr val="accent1"/>
+          </a:effectRef>
+          <a:fontRef idx="minor">
+            <a:schemeClr val="tx1"/>
+          </a:fontRef>
+        </p:style>
+      </p:cxnSp>
+      <p:sp>
+        <p:nvSpPr>
+          <p:cNvPr id="33" name="TextBox 32">
+            <a:extLst>
+              <a:ext uri="{FF2B5EF4-FFF2-40B4-BE49-F238E27FC236}">
+                <a16:creationId xmlns:a16="http://schemas.microsoft.com/office/drawing/2014/main" id="{F3F9483A-AC17-4539-849D-275B48CD9668}"/>
+              </a:ext>
+            </a:extLst>
+          </p:cNvPr>
+          <p:cNvSpPr txBox="1"/>
+          <p:nvPr/>
+        </p:nvSpPr>
+        <p:spPr>
+          <a:xfrm>
+            <a:off x="259222" y="4795270"/>
+            <a:ext cx="6071788" cy="1785104"/>
+          </a:xfrm>
+          <a:prstGeom prst="rect">
+            <a:avLst/>
+          </a:prstGeom>
+          <a:noFill/>
+        </p:spPr>
+        <p:txBody>
+          <a:bodyPr wrap="square">
+            <a:spAutoFit/>
+          </a:bodyPr>
+          <a:lstStyle/>
+          <a:p>
+            <a:r>
+              <a:rPr lang="en-US" sz="1000" b="1" dirty="0">
+                <a:highlight>
+                  <a:srgbClr val="FFFF00"/>
+                </a:highlight>
+                <a:latin typeface="Century Gothic" panose="020B0502020202020204" pitchFamily="34" charset="0"/>
+              </a:rPr>
+              <a:t>Load Balancer</a:t>
+            </a:r>
+          </a:p>
+          <a:p>
+            <a:endParaRPr lang="en-US" sz="1000" b="1" dirty="0">
+              <a:highlight>
+                <a:srgbClr val="FFFF00"/>
+              </a:highlight>
+              <a:latin typeface="Century Gothic" panose="020B0502020202020204" pitchFamily="34" charset="0"/>
+            </a:endParaRPr>
+          </a:p>
+          <a:p>
+            <a:pPr algn="l"/>
+            <a:r>
+              <a:rPr lang="en-US" sz="1000" b="0" i="0" dirty="0">
+                <a:solidFill>
+                  <a:srgbClr val="3D3D4E"/>
+                </a:solidFill>
+                <a:effectLst/>
+                <a:latin typeface="Century Gothic" panose="020B0502020202020204" pitchFamily="34" charset="0"/>
+              </a:rPr>
+              <a:t>We can add a Load balancing layer at three places in our system:</a:t>
+            </a:r>
+          </a:p>
+          <a:p>
+            <a:pPr algn="l">
+              <a:buFont typeface="+mj-lt"/>
+              <a:buAutoNum type="arabicPeriod"/>
+            </a:pPr>
+            <a:r>
+              <a:rPr lang="en-US" sz="1000" b="0" i="0" dirty="0">
+                <a:solidFill>
+                  <a:srgbClr val="3D3D4E"/>
+                </a:solidFill>
+                <a:effectLst/>
+                <a:latin typeface="Century Gothic" panose="020B0502020202020204" pitchFamily="34" charset="0"/>
+              </a:rPr>
+              <a:t>Between Clients and Application servers</a:t>
+            </a:r>
+          </a:p>
+          <a:p>
+            <a:pPr algn="l">
+              <a:buFont typeface="+mj-lt"/>
+              <a:buAutoNum type="arabicPeriod"/>
+            </a:pPr>
+            <a:r>
+              <a:rPr lang="en-US" sz="1000" b="0" i="0" dirty="0">
+                <a:solidFill>
+                  <a:srgbClr val="3D3D4E"/>
+                </a:solidFill>
+                <a:effectLst/>
+                <a:latin typeface="Century Gothic" panose="020B0502020202020204" pitchFamily="34" charset="0"/>
+              </a:rPr>
+              <a:t>Between Application Servers and database servers</a:t>
+            </a:r>
+          </a:p>
+          <a:p>
+            <a:pPr algn="l">
+              <a:buFont typeface="+mj-lt"/>
+              <a:buAutoNum type="arabicPeriod"/>
+            </a:pPr>
+            <a:r>
+              <a:rPr lang="en-US" sz="1000" b="0" i="0" dirty="0">
+                <a:solidFill>
+                  <a:srgbClr val="3D3D4E"/>
+                </a:solidFill>
+                <a:effectLst/>
+                <a:latin typeface="Century Gothic" panose="020B0502020202020204" pitchFamily="34" charset="0"/>
+              </a:rPr>
+              <a:t>Between Application Servers and Cache servers</a:t>
+            </a:r>
+          </a:p>
+          <a:p>
+            <a:pPr algn="l">
+              <a:buFont typeface="+mj-lt"/>
+              <a:buAutoNum type="arabicPeriod"/>
+            </a:pPr>
+            <a:endParaRPr lang="en-US" sz="1000" dirty="0">
+              <a:solidFill>
+                <a:srgbClr val="3D3D4E"/>
+              </a:solidFill>
+              <a:latin typeface="Century Gothic" panose="020B0502020202020204" pitchFamily="34" charset="0"/>
+            </a:endParaRPr>
+          </a:p>
+          <a:p>
+            <a:r>
+              <a:rPr lang="en-US" sz="1000" dirty="0">
+                <a:solidFill>
+                  <a:srgbClr val="3D3D4E"/>
+                </a:solidFill>
+                <a:latin typeface="Century Gothic" panose="020B0502020202020204" pitchFamily="34" charset="0"/>
+              </a:rPr>
+              <a:t>Infect load balancer also have different strategy, but I am not going much in detail here to save this discussion for another article.  One of the good strategy for load balancer might be </a:t>
+            </a:r>
+            <a:r>
+              <a:rPr lang="en-US" sz="1000" b="1" dirty="0">
+                <a:solidFill>
+                  <a:srgbClr val="3D3D4E"/>
+                </a:solidFill>
+                <a:latin typeface="Century Gothic" panose="020B0502020202020204" pitchFamily="34" charset="0"/>
+              </a:rPr>
+              <a:t>weighted round robin load balancer , </a:t>
+            </a:r>
+            <a:r>
+              <a:rPr lang="en-US" sz="1000" dirty="0">
+                <a:solidFill>
+                  <a:srgbClr val="3D3D4E"/>
+                </a:solidFill>
+                <a:latin typeface="Century Gothic" panose="020B0502020202020204" pitchFamily="34" charset="0"/>
+              </a:rPr>
+              <a:t>where we will collect the load of server by pinging them for load enquiry.</a:t>
+            </a:r>
+            <a:endParaRPr lang="en-US" sz="1000" b="1" dirty="0">
+              <a:solidFill>
+                <a:srgbClr val="3D3D4E"/>
+              </a:solidFill>
+              <a:latin typeface="Century Gothic" panose="020B0502020202020204" pitchFamily="34" charset="0"/>
+            </a:endParaRPr>
+          </a:p>
+        </p:txBody>
+      </p:sp>
+      <p:sp>
+        <p:nvSpPr>
+          <p:cNvPr id="34" name="TextBox 33">
+            <a:extLst>
+              <a:ext uri="{FF2B5EF4-FFF2-40B4-BE49-F238E27FC236}">
+                <a16:creationId xmlns:a16="http://schemas.microsoft.com/office/drawing/2014/main" id="{3F2AB582-3A83-4F8A-A0AE-B2007E965D0E}"/>
+              </a:ext>
+            </a:extLst>
+          </p:cNvPr>
+          <p:cNvSpPr txBox="1"/>
+          <p:nvPr/>
+        </p:nvSpPr>
+        <p:spPr>
+          <a:xfrm>
+            <a:off x="6783469" y="934299"/>
+            <a:ext cx="5180643" cy="2092881"/>
+          </a:xfrm>
+          <a:prstGeom prst="rect">
+            <a:avLst/>
+          </a:prstGeom>
+          <a:noFill/>
+        </p:spPr>
+        <p:txBody>
+          <a:bodyPr wrap="square">
+            <a:spAutoFit/>
+          </a:bodyPr>
+          <a:lstStyle/>
+          <a:p>
+            <a:r>
+              <a:rPr lang="en-US" sz="1000" b="1" dirty="0">
+                <a:highlight>
+                  <a:srgbClr val="FFFF00"/>
+                </a:highlight>
+                <a:latin typeface="Century Gothic" panose="020B0502020202020204" pitchFamily="34" charset="0"/>
+              </a:rPr>
+              <a:t>DB Purging or DB Cleanup</a:t>
+            </a:r>
+          </a:p>
+          <a:p>
+            <a:endParaRPr lang="en-US" sz="1000" b="1" dirty="0">
+              <a:highlight>
+                <a:srgbClr val="FFFF00"/>
+              </a:highlight>
+              <a:latin typeface="Century Gothic" panose="020B0502020202020204" pitchFamily="34" charset="0"/>
+            </a:endParaRPr>
+          </a:p>
+          <a:p>
+            <a:pPr algn="l"/>
+            <a:r>
+              <a:rPr lang="en-US" sz="1000" dirty="0">
+                <a:solidFill>
+                  <a:srgbClr val="3D3D4E"/>
+                </a:solidFill>
+                <a:latin typeface="Century Gothic" panose="020B0502020202020204" pitchFamily="34" charset="0"/>
+              </a:rPr>
+              <a:t>If you observe this system, you will clearly find that many DB entry will go out to dead entry because our generated shortURL have attached time span. So, with this time span and so many dead record in DB table don’t help system without having proper DB purging and DB cleanup approach.</a:t>
+            </a:r>
+          </a:p>
+          <a:p>
+            <a:pPr algn="l"/>
+            <a:endParaRPr lang="en-US" sz="1000" b="0" i="0" dirty="0">
+              <a:solidFill>
+                <a:srgbClr val="3D3D4E"/>
+              </a:solidFill>
+              <a:effectLst/>
+              <a:latin typeface="Century Gothic" panose="020B0502020202020204" pitchFamily="34" charset="0"/>
+            </a:endParaRPr>
+          </a:p>
+          <a:p>
+            <a:pPr algn="l"/>
+            <a:r>
+              <a:rPr lang="en-US" sz="1000" b="0" i="0" dirty="0">
+                <a:solidFill>
+                  <a:srgbClr val="3D3D4E"/>
+                </a:solidFill>
+                <a:effectLst/>
+                <a:latin typeface="Century Gothic" panose="020B0502020202020204" pitchFamily="34" charset="0"/>
+              </a:rPr>
+              <a:t>We should create one DB Cleanup service and it will clean the dead links from table with lazy cleanup approach, but we should make sure that any deadlink is not getting return to the user of our system. </a:t>
+            </a:r>
+          </a:p>
+          <a:p>
+            <a:pPr algn="l"/>
+            <a:endParaRPr lang="en-US" sz="1000" dirty="0">
+              <a:solidFill>
+                <a:srgbClr val="3D3D4E"/>
+              </a:solidFill>
+              <a:latin typeface="Century Gothic" panose="020B0502020202020204" pitchFamily="34" charset="0"/>
+            </a:endParaRPr>
+          </a:p>
+          <a:p>
+            <a:pPr algn="l"/>
+            <a:r>
+              <a:rPr lang="en-US" sz="1000" b="0" i="0" dirty="0">
+                <a:solidFill>
+                  <a:srgbClr val="3D3D4E"/>
+                </a:solidFill>
+                <a:effectLst/>
+                <a:latin typeface="Century Gothic" panose="020B0502020202020204" pitchFamily="34" charset="0"/>
+              </a:rPr>
+              <a:t>After considering all these components , services , LB, cluster replication our system will look like …</a:t>
+            </a:r>
+          </a:p>
+        </p:txBody>
+      </p:sp>
+      <p:pic>
+        <p:nvPicPr>
+          <p:cNvPr id="20" name="Picture 19">
+            <a:extLst>
+              <a:ext uri="{FF2B5EF4-FFF2-40B4-BE49-F238E27FC236}">
+                <a16:creationId xmlns:a16="http://schemas.microsoft.com/office/drawing/2014/main" id="{6F1935F8-45DF-4164-ACE9-2AC7A54B54A4}"/>
+              </a:ext>
+            </a:extLst>
+          </p:cNvPr>
+          <p:cNvPicPr>
+            <a:picLocks noChangeAspect="1"/>
+          </p:cNvPicPr>
+          <p:nvPr/>
+        </p:nvPicPr>
+        <p:blipFill>
+          <a:blip r:embed="rId3"/>
+          <a:stretch>
+            <a:fillRect/>
+          </a:stretch>
+        </p:blipFill>
+        <p:spPr>
+          <a:xfrm>
+            <a:off x="7005169" y="3164842"/>
+            <a:ext cx="4766220" cy="2315547"/>
+          </a:xfrm>
+          <a:prstGeom prst="rect">
+            <a:avLst/>
+          </a:prstGeom>
+        </p:spPr>
+      </p:pic>
+      <p:sp>
+        <p:nvSpPr>
+          <p:cNvPr id="21" name="Rectangle 20">
+            <a:extLst>
+              <a:ext uri="{FF2B5EF4-FFF2-40B4-BE49-F238E27FC236}">
+                <a16:creationId xmlns:a16="http://schemas.microsoft.com/office/drawing/2014/main" id="{5B36EA98-7AA3-4541-B67D-48AA4E26CBC0}"/>
+              </a:ext>
+            </a:extLst>
+          </p:cNvPr>
+          <p:cNvSpPr/>
+          <p:nvPr/>
+        </p:nvSpPr>
+        <p:spPr>
+          <a:xfrm>
+            <a:off x="6906891" y="3055678"/>
+            <a:ext cx="4980307" cy="2533261"/>
+          </a:xfrm>
+          <a:prstGeom prst="rect">
+            <a:avLst/>
+          </a:prstGeom>
+          <a:noFill/>
+          <a:ln w="9525" cap="flat" cmpd="sng" algn="ctr">
+            <a:solidFill>
+              <a:schemeClr val="accent3"/>
+            </a:solidFill>
+            <a:prstDash val="solid"/>
+            <a:round/>
+            <a:headEnd type="none" w="med" len="med"/>
+            <a:tailEnd type="none" w="med" len="med"/>
+          </a:ln>
+        </p:spPr>
+        <p:style>
+          <a:lnRef idx="0">
+            <a:scrgbClr r="0" g="0" b="0"/>
+          </a:lnRef>
+          <a:fillRef idx="0">
+            <a:scrgbClr r="0" g="0" b="0"/>
+          </a:fillRef>
+          <a:effectRef idx="0">
+            <a:scrgbClr r="0" g="0" b="0"/>
+          </a:effectRef>
+          <a:fontRef idx="minor">
+            <a:schemeClr val="accent3"/>
+          </a:fontRef>
+        </p:style>
+        <p:txBody>
+          <a:bodyPr rtlCol="0" anchor="ctr"/>
+          <a:lstStyle/>
+          <a:p>
+            <a:pPr algn="ctr"/>
+            <a:endParaRPr lang="en-IN" dirty="0"/>
+          </a:p>
+        </p:txBody>
+      </p:sp>
+      <p:sp>
+        <p:nvSpPr>
+          <p:cNvPr id="22" name="TextBox 21">
+            <a:extLst>
+              <a:ext uri="{FF2B5EF4-FFF2-40B4-BE49-F238E27FC236}">
+                <a16:creationId xmlns:a16="http://schemas.microsoft.com/office/drawing/2014/main" id="{FF8806E8-E51C-4609-98BF-09139D4BE4DC}"/>
+              </a:ext>
+            </a:extLst>
+          </p:cNvPr>
+          <p:cNvSpPr txBox="1"/>
+          <p:nvPr/>
+        </p:nvSpPr>
+        <p:spPr>
+          <a:xfrm>
+            <a:off x="6590746" y="5681601"/>
+            <a:ext cx="5180643" cy="1015663"/>
+          </a:xfrm>
+          <a:prstGeom prst="rect">
+            <a:avLst/>
+          </a:prstGeom>
+          <a:noFill/>
+        </p:spPr>
+        <p:txBody>
+          <a:bodyPr wrap="square" rtlCol="0">
+            <a:spAutoFit/>
+          </a:bodyPr>
+          <a:lstStyle/>
+          <a:p>
+            <a:r>
+              <a:rPr lang="en-IN" sz="1000" dirty="0">
+                <a:latin typeface="Century Gothic" panose="020B0502020202020204" pitchFamily="34" charset="0"/>
+              </a:rPr>
+              <a:t>Apart from above system, I observe that few more service like some monitoring of system usage analytics and some security module for handling the API call brutality, Middle man attack on shortURL etc…may also as add value in this system. I would like to discuss that in my next topic from where you can pick and add in this article also. For Now I am ending this article here only. Keep Learning and Keep Growing…</a:t>
+            </a:r>
+          </a:p>
+        </p:txBody>
+      </p:sp>
+    </p:spTree>
+    <p:extLst>
+      <p:ext uri="{BB962C8B-B14F-4D97-AF65-F5344CB8AC3E}">
+        <p14:creationId xmlns:p14="http://schemas.microsoft.com/office/powerpoint/2010/main" val="3322138739"/>
       </p:ext>
     </p:extLst>
   </p:cSld>
